--- a/Beginner Track Slides.pptx
+++ b/Beginner Track Slides.pptx
@@ -1,41 +1,41 @@
 
 <file path=ppt/presentation.xml><?xml version="1.0" encoding="utf-8"?>
-<p:presentation xmlns:a="http://schemas.openxmlformats.org/drawingml/2006/main" xmlns:r="http://schemas.openxmlformats.org/officeDocument/2006/relationships" xmlns:mc="http://schemas.openxmlformats.org/markup-compatibility/2006" xmlns:mv="urn:schemas-microsoft-com:mac:vml" xmlns:p="http://schemas.openxmlformats.org/presentationml/2006/main" xmlns:c="http://schemas.openxmlformats.org/drawingml/2006/chart" xmlns:dgm="http://schemas.openxmlformats.org/drawingml/2006/diagram" xmlns:o="urn:schemas-microsoft-com:office:office" xmlns:v="urn:schemas-microsoft-com:vml" xmlns:pvml="urn:schemas-microsoft-com:office:powerpoint" xmlns:com="http://schemas.openxmlformats.org/drawingml/2006/compatibility" xmlns:p14="http://schemas.microsoft.com/office/powerpoint/2010/main" xmlns:p15="http://schemas.microsoft.com/office/powerpoint/2012/main" xmlns:ahyp="http://schemas.microsoft.com/office/drawing/2018/hyperlinkcolor" autoCompressPictures="0" embedTrueTypeFonts="1" strictFirstAndLastChars="0" saveSubsetFonts="1">
+<p:presentation xmlns:a="http://schemas.openxmlformats.org/drawingml/2006/main" xmlns:r="http://schemas.openxmlformats.org/officeDocument/2006/relationships" xmlns:p="http://schemas.openxmlformats.org/presentationml/2006/main" strictFirstAndLastChars="0" embedTrueTypeFonts="1" saveSubsetFonts="1" autoCompressPictures="0">
   <p:sldMasterIdLst>
-    <p:sldMasterId id="2147483660" r:id="rId4"/>
+    <p:sldMasterId id="2147483660" r:id="rId1"/>
   </p:sldMasterIdLst>
   <p:notesMasterIdLst>
-    <p:notesMasterId r:id="rId5"/>
+    <p:notesMasterId r:id="rId9"/>
   </p:notesMasterIdLst>
   <p:sldIdLst>
-    <p:sldId id="256" r:id="rId6"/>
-    <p:sldId id="257" r:id="rId7"/>
-    <p:sldId id="258" r:id="rId8"/>
-    <p:sldId id="259" r:id="rId9"/>
-    <p:sldId id="260" r:id="rId10"/>
-    <p:sldId id="261" r:id="rId11"/>
-    <p:sldId id="262" r:id="rId12"/>
+    <p:sldId id="256" r:id="rId2"/>
+    <p:sldId id="257" r:id="rId3"/>
+    <p:sldId id="258" r:id="rId4"/>
+    <p:sldId id="259" r:id="rId5"/>
+    <p:sldId id="260" r:id="rId6"/>
+    <p:sldId id="261" r:id="rId7"/>
+    <p:sldId id="262" r:id="rId8"/>
   </p:sldIdLst>
-  <p:sldSz cy="13716000" cx="24384000"/>
+  <p:sldSz cx="24384000" cy="13716000"/>
   <p:notesSz cx="6858000" cy="9144000"/>
   <p:embeddedFontLst>
     <p:embeddedFont>
-      <p:font typeface="Roboto"/>
-      <p:regular r:id="rId13"/>
-      <p:bold r:id="rId14"/>
-      <p:italic r:id="rId15"/>
-      <p:boldItalic r:id="rId16"/>
+      <p:font typeface="Google Sans" panose="020B0503030502040204" pitchFamily="34" charset="0"/>
+      <p:regular r:id="rId10"/>
+      <p:bold r:id="rId11"/>
+      <p:italic r:id="rId12"/>
+      <p:boldItalic r:id="rId13"/>
     </p:embeddedFont>
     <p:embeddedFont>
-      <p:font typeface="Google Sans"/>
-      <p:regular r:id="rId17"/>
-      <p:bold r:id="rId18"/>
-      <p:italic r:id="rId19"/>
-      <p:boldItalic r:id="rId20"/>
+      <p:font typeface="Roboto" panose="02000000000000000000" pitchFamily="2" charset="0"/>
+      <p:regular r:id="rId14"/>
+      <p:bold r:id="rId15"/>
+      <p:italic r:id="rId16"/>
+      <p:boldItalic r:id="rId17"/>
     </p:embeddedFont>
   </p:embeddedFontLst>
   <p:defaultTextStyle>
-    <a:defPPr lvl="0" marR="0" rtl="0" algn="l">
+    <a:defPPr marR="0" lvl="0" algn="l" rtl="0">
       <a:lnSpc>
         <a:spcPct val="100000"/>
       </a:lnSpc>
@@ -46,7 +46,7 @@
         <a:spcPts val="0"/>
       </a:spcAft>
     </a:defPPr>
-    <a:lvl1pPr lvl="0" marR="0" rtl="0" algn="l">
+    <a:lvl1pPr marR="0" lvl="0" algn="l" rtl="0">
       <a:lnSpc>
         <a:spcPct val="100000"/>
       </a:lnSpc>
@@ -60,7 +60,7 @@
         <a:srgbClr val="000000"/>
       </a:buClr>
       <a:buFont typeface="Arial"/>
-      <a:defRPr b="0" i="0" sz="1400" u="none" cap="none" strike="noStrike">
+      <a:defRPr sz="1400" b="0" i="0" u="none" strike="noStrike" cap="none">
         <a:solidFill>
           <a:srgbClr val="000000"/>
         </a:solidFill>
@@ -70,7 +70,7 @@
         <a:sym typeface="Arial"/>
       </a:defRPr>
     </a:lvl1pPr>
-    <a:lvl2pPr lvl="1" marR="0" rtl="0" algn="l">
+    <a:lvl2pPr marR="0" lvl="1" algn="l" rtl="0">
       <a:lnSpc>
         <a:spcPct val="100000"/>
       </a:lnSpc>
@@ -84,7 +84,7 @@
         <a:srgbClr val="000000"/>
       </a:buClr>
       <a:buFont typeface="Arial"/>
-      <a:defRPr b="0" i="0" sz="1400" u="none" cap="none" strike="noStrike">
+      <a:defRPr sz="1400" b="0" i="0" u="none" strike="noStrike" cap="none">
         <a:solidFill>
           <a:srgbClr val="000000"/>
         </a:solidFill>
@@ -94,7 +94,7 @@
         <a:sym typeface="Arial"/>
       </a:defRPr>
     </a:lvl2pPr>
-    <a:lvl3pPr lvl="2" marR="0" rtl="0" algn="l">
+    <a:lvl3pPr marR="0" lvl="2" algn="l" rtl="0">
       <a:lnSpc>
         <a:spcPct val="100000"/>
       </a:lnSpc>
@@ -108,7 +108,7 @@
         <a:srgbClr val="000000"/>
       </a:buClr>
       <a:buFont typeface="Arial"/>
-      <a:defRPr b="0" i="0" sz="1400" u="none" cap="none" strike="noStrike">
+      <a:defRPr sz="1400" b="0" i="0" u="none" strike="noStrike" cap="none">
         <a:solidFill>
           <a:srgbClr val="000000"/>
         </a:solidFill>
@@ -118,7 +118,7 @@
         <a:sym typeface="Arial"/>
       </a:defRPr>
     </a:lvl3pPr>
-    <a:lvl4pPr lvl="3" marR="0" rtl="0" algn="l">
+    <a:lvl4pPr marR="0" lvl="3" algn="l" rtl="0">
       <a:lnSpc>
         <a:spcPct val="100000"/>
       </a:lnSpc>
@@ -132,7 +132,7 @@
         <a:srgbClr val="000000"/>
       </a:buClr>
       <a:buFont typeface="Arial"/>
-      <a:defRPr b="0" i="0" sz="1400" u="none" cap="none" strike="noStrike">
+      <a:defRPr sz="1400" b="0" i="0" u="none" strike="noStrike" cap="none">
         <a:solidFill>
           <a:srgbClr val="000000"/>
         </a:solidFill>
@@ -142,7 +142,7 @@
         <a:sym typeface="Arial"/>
       </a:defRPr>
     </a:lvl4pPr>
-    <a:lvl5pPr lvl="4" marR="0" rtl="0" algn="l">
+    <a:lvl5pPr marR="0" lvl="4" algn="l" rtl="0">
       <a:lnSpc>
         <a:spcPct val="100000"/>
       </a:lnSpc>
@@ -156,7 +156,7 @@
         <a:srgbClr val="000000"/>
       </a:buClr>
       <a:buFont typeface="Arial"/>
-      <a:defRPr b="0" i="0" sz="1400" u="none" cap="none" strike="noStrike">
+      <a:defRPr sz="1400" b="0" i="0" u="none" strike="noStrike" cap="none">
         <a:solidFill>
           <a:srgbClr val="000000"/>
         </a:solidFill>
@@ -166,7 +166,7 @@
         <a:sym typeface="Arial"/>
       </a:defRPr>
     </a:lvl5pPr>
-    <a:lvl6pPr lvl="5" marR="0" rtl="0" algn="l">
+    <a:lvl6pPr marR="0" lvl="5" algn="l" rtl="0">
       <a:lnSpc>
         <a:spcPct val="100000"/>
       </a:lnSpc>
@@ -180,7 +180,7 @@
         <a:srgbClr val="000000"/>
       </a:buClr>
       <a:buFont typeface="Arial"/>
-      <a:defRPr b="0" i="0" sz="1400" u="none" cap="none" strike="noStrike">
+      <a:defRPr sz="1400" b="0" i="0" u="none" strike="noStrike" cap="none">
         <a:solidFill>
           <a:srgbClr val="000000"/>
         </a:solidFill>
@@ -190,7 +190,7 @@
         <a:sym typeface="Arial"/>
       </a:defRPr>
     </a:lvl6pPr>
-    <a:lvl7pPr lvl="6" marR="0" rtl="0" algn="l">
+    <a:lvl7pPr marR="0" lvl="6" algn="l" rtl="0">
       <a:lnSpc>
         <a:spcPct val="100000"/>
       </a:lnSpc>
@@ -204,7 +204,7 @@
         <a:srgbClr val="000000"/>
       </a:buClr>
       <a:buFont typeface="Arial"/>
-      <a:defRPr b="0" i="0" sz="1400" u="none" cap="none" strike="noStrike">
+      <a:defRPr sz="1400" b="0" i="0" u="none" strike="noStrike" cap="none">
         <a:solidFill>
           <a:srgbClr val="000000"/>
         </a:solidFill>
@@ -214,7 +214,7 @@
         <a:sym typeface="Arial"/>
       </a:defRPr>
     </a:lvl7pPr>
-    <a:lvl8pPr lvl="7" marR="0" rtl="0" algn="l">
+    <a:lvl8pPr marR="0" lvl="7" algn="l" rtl="0">
       <a:lnSpc>
         <a:spcPct val="100000"/>
       </a:lnSpc>
@@ -228,7 +228,7 @@
         <a:srgbClr val="000000"/>
       </a:buClr>
       <a:buFont typeface="Arial"/>
-      <a:defRPr b="0" i="0" sz="1400" u="none" cap="none" strike="noStrike">
+      <a:defRPr sz="1400" b="0" i="0" u="none" strike="noStrike" cap="none">
         <a:solidFill>
           <a:srgbClr val="000000"/>
         </a:solidFill>
@@ -238,7 +238,7 @@
         <a:sym typeface="Arial"/>
       </a:defRPr>
     </a:lvl8pPr>
-    <a:lvl9pPr lvl="8" marR="0" rtl="0" algn="l">
+    <a:lvl9pPr marR="0" lvl="8" algn="l" rtl="0">
       <a:lnSpc>
         <a:spcPct val="100000"/>
       </a:lnSpc>
@@ -252,7 +252,7 @@
         <a:srgbClr val="000000"/>
       </a:buClr>
       <a:buFont typeface="Arial"/>
-      <a:defRPr b="0" i="0" sz="1400" u="none" cap="none" strike="noStrike">
+      <a:defRPr sz="1400" b="0" i="0" u="none" strike="noStrike" cap="none">
         <a:solidFill>
           <a:srgbClr val="000000"/>
         </a:solidFill>
@@ -265,7 +265,7 @@
   </p:defaultTextStyle>
   <p:extLst>
     <p:ext uri="{EFAFB233-063F-42B5-8137-9DF3F51BA10A}">
-      <p15:sldGuideLst>
+      <p15:sldGuideLst xmlns:p15="http://schemas.microsoft.com/office/powerpoint/2012/main">
         <p15:guide id="1" pos="974">
           <p15:clr>
             <a:srgbClr val="A4A3A4"/>
@@ -308,11 +308,16 @@
 </file>
 
 <file path=ppt/notesMasters/notesMaster1.xml><?xml version="1.0" encoding="utf-8"?>
-<p:notesMaster xmlns:a="http://schemas.openxmlformats.org/drawingml/2006/main" xmlns:r="http://schemas.openxmlformats.org/officeDocument/2006/relationships" xmlns:mc="http://schemas.openxmlformats.org/markup-compatibility/2006" xmlns:mv="urn:schemas-microsoft-com:mac:vml" xmlns:p="http://schemas.openxmlformats.org/presentationml/2006/main" xmlns:c="http://schemas.openxmlformats.org/drawingml/2006/chart" xmlns:dgm="http://schemas.openxmlformats.org/drawingml/2006/diagram" xmlns:o="urn:schemas-microsoft-com:office:office" xmlns:v="urn:schemas-microsoft-com:vml" xmlns:pvml="urn:schemas-microsoft-com:office:powerpoint" xmlns:com="http://schemas.openxmlformats.org/drawingml/2006/compatibility" xmlns:p14="http://schemas.microsoft.com/office/powerpoint/2010/main" xmlns:p15="http://schemas.microsoft.com/office/powerpoint/2012/main" xmlns:ahyp="http://schemas.microsoft.com/office/drawing/2018/hyperlinkcolor">
+<p:notesMaster xmlns:a="http://schemas.openxmlformats.org/drawingml/2006/main" xmlns:r="http://schemas.openxmlformats.org/officeDocument/2006/relationships" xmlns:p="http://schemas.openxmlformats.org/presentationml/2006/main">
   <p:cSld>
+    <p:bg>
+      <p:bgRef idx="1001">
+        <a:schemeClr val="bg1"/>
+      </p:bgRef>
+    </p:bg>
     <p:spTree>
       <p:nvGrpSpPr>
-        <p:cNvPr id="2" name="Shape 2"/>
+        <p:cNvPr id="1" name="Shape 2"/>
         <p:cNvGrpSpPr/>
         <p:nvPr/>
       </p:nvGrpSpPr>
@@ -327,9 +332,11 @@
       <p:sp>
         <p:nvSpPr>
           <p:cNvPr id="3" name="Google Shape;3;n"/>
-          <p:cNvSpPr/>
+          <p:cNvSpPr>
+            <a:spLocks noGrp="1" noRot="1" noChangeAspect="1"/>
+          </p:cNvSpPr>
           <p:nvPr>
-            <p:ph idx="2" type="sldImg"/>
+            <p:ph type="sldImg" idx="2"/>
           </p:nvPr>
         </p:nvSpPr>
         <p:spPr>
@@ -338,9 +345,13 @@
             <a:ext cx="4572000" cy="3429000"/>
           </a:xfrm>
           <a:custGeom>
-            <a:rect b="b" l="l" r="r" t="t"/>
+            <a:avLst/>
+            <a:gdLst/>
+            <a:ahLst/>
+            <a:cxnLst/>
+            <a:rect l="l" t="t" r="r" b="b"/>
             <a:pathLst>
-              <a:path extrusionOk="0" h="120000" w="120000">
+              <a:path w="120000" h="120000" extrusionOk="0">
                 <a:moveTo>
                   <a:pt x="0" y="0"/>
                 </a:moveTo>
@@ -366,9 +377,11 @@
       <p:sp>
         <p:nvSpPr>
           <p:cNvPr id="4" name="Google Shape;4;n"/>
-          <p:cNvSpPr txBox="1"/>
+          <p:cNvSpPr txBox="1">
+            <a:spLocks noGrp="1"/>
+          </p:cNvSpPr>
           <p:nvPr>
-            <p:ph idx="1" type="body"/>
+            <p:ph type="body" idx="1"/>
           </p:nvPr>
         </p:nvSpPr>
         <p:spPr>
@@ -385,11 +398,11 @@
           </a:ln>
         </p:spPr>
         <p:txBody>
-          <a:bodyPr anchorCtr="0" anchor="t" bIns="91425" lIns="91425" spcFirstLastPara="1" rIns="91425" wrap="square" tIns="91425">
+          <a:bodyPr spcFirstLastPara="1" wrap="square" lIns="91425" tIns="91425" rIns="91425" bIns="91425" anchor="t" anchorCtr="0">
             <a:noAutofit/>
           </a:bodyPr>
           <a:lstStyle>
-            <a:lvl1pPr indent="-317500" lvl="0" marL="457200" marR="0" rtl="0" algn="l">
+            <a:lvl1pPr marL="457200" marR="0" lvl="0" indent="-317500" algn="l" rtl="0">
               <a:lnSpc>
                 <a:spcPct val="125000"/>
               </a:lnSpc>
@@ -403,7 +416,7 @@
               <a:buChar char="●"/>
               <a:defRPr/>
             </a:lvl1pPr>
-            <a:lvl2pPr indent="-317500" lvl="1" marL="914400" marR="0" rtl="0" algn="l">
+            <a:lvl2pPr marL="914400" marR="0" lvl="1" indent="-317500" algn="l" rtl="0">
               <a:lnSpc>
                 <a:spcPct val="125000"/>
               </a:lnSpc>
@@ -417,7 +430,7 @@
               <a:buChar char="○"/>
               <a:defRPr/>
             </a:lvl2pPr>
-            <a:lvl3pPr indent="-317500" lvl="2" marL="1371600" marR="0" rtl="0" algn="l">
+            <a:lvl3pPr marL="1371600" marR="0" lvl="2" indent="-317500" algn="l" rtl="0">
               <a:lnSpc>
                 <a:spcPct val="125000"/>
               </a:lnSpc>
@@ -431,7 +444,7 @@
               <a:buChar char="■"/>
               <a:defRPr/>
             </a:lvl3pPr>
-            <a:lvl4pPr indent="-317500" lvl="3" marL="1828800" marR="0" rtl="0" algn="l">
+            <a:lvl4pPr marL="1828800" marR="0" lvl="3" indent="-317500" algn="l" rtl="0">
               <a:lnSpc>
                 <a:spcPct val="125000"/>
               </a:lnSpc>
@@ -445,7 +458,7 @@
               <a:buChar char="●"/>
               <a:defRPr/>
             </a:lvl4pPr>
-            <a:lvl5pPr indent="-317500" lvl="4" marL="2286000" marR="0" rtl="0" algn="l">
+            <a:lvl5pPr marL="2286000" marR="0" lvl="4" indent="-317500" algn="l" rtl="0">
               <a:lnSpc>
                 <a:spcPct val="125000"/>
               </a:lnSpc>
@@ -459,7 +472,7 @@
               <a:buChar char="○"/>
               <a:defRPr/>
             </a:lvl5pPr>
-            <a:lvl6pPr indent="-317500" lvl="5" marL="2743200" marR="0" rtl="0" algn="l">
+            <a:lvl6pPr marL="2743200" marR="0" lvl="5" indent="-317500" algn="l" rtl="0">
               <a:lnSpc>
                 <a:spcPct val="125000"/>
               </a:lnSpc>
@@ -473,7 +486,7 @@
               <a:buChar char="■"/>
               <a:defRPr/>
             </a:lvl6pPr>
-            <a:lvl7pPr indent="-317500" lvl="6" marL="3200400" marR="0" rtl="0" algn="l">
+            <a:lvl7pPr marL="3200400" marR="0" lvl="6" indent="-317500" algn="l" rtl="0">
               <a:lnSpc>
                 <a:spcPct val="125000"/>
               </a:lnSpc>
@@ -487,7 +500,7 @@
               <a:buChar char="●"/>
               <a:defRPr/>
             </a:lvl7pPr>
-            <a:lvl8pPr indent="-317500" lvl="7" marL="3657600" marR="0" rtl="0" algn="l">
+            <a:lvl8pPr marL="3657600" marR="0" lvl="7" indent="-317500" algn="l" rtl="0">
               <a:lnSpc>
                 <a:spcPct val="125000"/>
               </a:lnSpc>
@@ -501,7 +514,7 @@
               <a:buChar char="○"/>
               <a:defRPr/>
             </a:lvl8pPr>
-            <a:lvl9pPr indent="-317500" lvl="8" marL="4114800" marR="0" rtl="0" algn="l">
+            <a:lvl9pPr marL="4114800" marR="0" lvl="8" indent="-317500" algn="l" rtl="0">
               <a:lnSpc>
                 <a:spcPct val="125000"/>
               </a:lnSpc>
@@ -516,14 +529,16 @@
               <a:defRPr/>
             </a:lvl9pPr>
           </a:lstStyle>
-          <a:p/>
+          <a:p>
+            <a:endParaRPr/>
+          </a:p>
         </p:txBody>
       </p:sp>
     </p:spTree>
   </p:cSld>
-  <p:clrMap accent1="accent1" accent2="accent2" accent3="accent3" accent4="accent4" accent5="accent5" accent6="accent6" bg1="lt1" bg2="dk2" tx1="dk1" tx2="lt2" folHlink="folHlink" hlink="hlink"/>
+  <p:clrMap bg1="lt1" tx1="dk1" bg2="dk2" tx2="lt2" accent1="accent1" accent2="accent2" accent3="accent3" accent4="accent4" accent5="accent5" accent6="accent6" hlink="hlink" folHlink="folHlink"/>
   <p:notesStyle>
-    <a:defPPr lvl="0" marR="0" rtl="0" algn="l">
+    <a:defPPr marR="0" lvl="0" algn="l" rtl="0">
       <a:lnSpc>
         <a:spcPct val="100000"/>
       </a:lnSpc>
@@ -534,7 +549,7 @@
         <a:spcPts val="0"/>
       </a:spcAft>
     </a:defPPr>
-    <a:lvl1pPr lvl="0" marR="0" rtl="0" algn="l">
+    <a:lvl1pPr marR="0" lvl="0" algn="l" rtl="0">
       <a:lnSpc>
         <a:spcPct val="100000"/>
       </a:lnSpc>
@@ -548,7 +563,7 @@
         <a:srgbClr val="000000"/>
       </a:buClr>
       <a:buFont typeface="Arial"/>
-      <a:defRPr b="0" i="0" sz="1400" u="none" cap="none" strike="noStrike">
+      <a:defRPr sz="1400" b="0" i="0" u="none" strike="noStrike" cap="none">
         <a:solidFill>
           <a:srgbClr val="000000"/>
         </a:solidFill>
@@ -558,7 +573,7 @@
         <a:sym typeface="Arial"/>
       </a:defRPr>
     </a:lvl1pPr>
-    <a:lvl2pPr lvl="1" marR="0" rtl="0" algn="l">
+    <a:lvl2pPr marR="0" lvl="1" algn="l" rtl="0">
       <a:lnSpc>
         <a:spcPct val="100000"/>
       </a:lnSpc>
@@ -572,7 +587,7 @@
         <a:srgbClr val="000000"/>
       </a:buClr>
       <a:buFont typeface="Arial"/>
-      <a:defRPr b="0" i="0" sz="1400" u="none" cap="none" strike="noStrike">
+      <a:defRPr sz="1400" b="0" i="0" u="none" strike="noStrike" cap="none">
         <a:solidFill>
           <a:srgbClr val="000000"/>
         </a:solidFill>
@@ -582,7 +597,7 @@
         <a:sym typeface="Arial"/>
       </a:defRPr>
     </a:lvl2pPr>
-    <a:lvl3pPr lvl="2" marR="0" rtl="0" algn="l">
+    <a:lvl3pPr marR="0" lvl="2" algn="l" rtl="0">
       <a:lnSpc>
         <a:spcPct val="100000"/>
       </a:lnSpc>
@@ -596,7 +611,7 @@
         <a:srgbClr val="000000"/>
       </a:buClr>
       <a:buFont typeface="Arial"/>
-      <a:defRPr b="0" i="0" sz="1400" u="none" cap="none" strike="noStrike">
+      <a:defRPr sz="1400" b="0" i="0" u="none" strike="noStrike" cap="none">
         <a:solidFill>
           <a:srgbClr val="000000"/>
         </a:solidFill>
@@ -606,7 +621,7 @@
         <a:sym typeface="Arial"/>
       </a:defRPr>
     </a:lvl3pPr>
-    <a:lvl4pPr lvl="3" marR="0" rtl="0" algn="l">
+    <a:lvl4pPr marR="0" lvl="3" algn="l" rtl="0">
       <a:lnSpc>
         <a:spcPct val="100000"/>
       </a:lnSpc>
@@ -620,7 +635,7 @@
         <a:srgbClr val="000000"/>
       </a:buClr>
       <a:buFont typeface="Arial"/>
-      <a:defRPr b="0" i="0" sz="1400" u="none" cap="none" strike="noStrike">
+      <a:defRPr sz="1400" b="0" i="0" u="none" strike="noStrike" cap="none">
         <a:solidFill>
           <a:srgbClr val="000000"/>
         </a:solidFill>
@@ -630,7 +645,7 @@
         <a:sym typeface="Arial"/>
       </a:defRPr>
     </a:lvl4pPr>
-    <a:lvl5pPr lvl="4" marR="0" rtl="0" algn="l">
+    <a:lvl5pPr marR="0" lvl="4" algn="l" rtl="0">
       <a:lnSpc>
         <a:spcPct val="100000"/>
       </a:lnSpc>
@@ -644,7 +659,7 @@
         <a:srgbClr val="000000"/>
       </a:buClr>
       <a:buFont typeface="Arial"/>
-      <a:defRPr b="0" i="0" sz="1400" u="none" cap="none" strike="noStrike">
+      <a:defRPr sz="1400" b="0" i="0" u="none" strike="noStrike" cap="none">
         <a:solidFill>
           <a:srgbClr val="000000"/>
         </a:solidFill>
@@ -654,7 +669,7 @@
         <a:sym typeface="Arial"/>
       </a:defRPr>
     </a:lvl5pPr>
-    <a:lvl6pPr lvl="5" marR="0" rtl="0" algn="l">
+    <a:lvl6pPr marR="0" lvl="5" algn="l" rtl="0">
       <a:lnSpc>
         <a:spcPct val="100000"/>
       </a:lnSpc>
@@ -668,7 +683,7 @@
         <a:srgbClr val="000000"/>
       </a:buClr>
       <a:buFont typeface="Arial"/>
-      <a:defRPr b="0" i="0" sz="1400" u="none" cap="none" strike="noStrike">
+      <a:defRPr sz="1400" b="0" i="0" u="none" strike="noStrike" cap="none">
         <a:solidFill>
           <a:srgbClr val="000000"/>
         </a:solidFill>
@@ -678,7 +693,7 @@
         <a:sym typeface="Arial"/>
       </a:defRPr>
     </a:lvl6pPr>
-    <a:lvl7pPr lvl="6" marR="0" rtl="0" algn="l">
+    <a:lvl7pPr marR="0" lvl="6" algn="l" rtl="0">
       <a:lnSpc>
         <a:spcPct val="100000"/>
       </a:lnSpc>
@@ -692,7 +707,7 @@
         <a:srgbClr val="000000"/>
       </a:buClr>
       <a:buFont typeface="Arial"/>
-      <a:defRPr b="0" i="0" sz="1400" u="none" cap="none" strike="noStrike">
+      <a:defRPr sz="1400" b="0" i="0" u="none" strike="noStrike" cap="none">
         <a:solidFill>
           <a:srgbClr val="000000"/>
         </a:solidFill>
@@ -702,7 +717,7 @@
         <a:sym typeface="Arial"/>
       </a:defRPr>
     </a:lvl7pPr>
-    <a:lvl8pPr lvl="7" marR="0" rtl="0" algn="l">
+    <a:lvl8pPr marR="0" lvl="7" algn="l" rtl="0">
       <a:lnSpc>
         <a:spcPct val="100000"/>
       </a:lnSpc>
@@ -716,7 +731,7 @@
         <a:srgbClr val="000000"/>
       </a:buClr>
       <a:buFont typeface="Arial"/>
-      <a:defRPr b="0" i="0" sz="1400" u="none" cap="none" strike="noStrike">
+      <a:defRPr sz="1400" b="0" i="0" u="none" strike="noStrike" cap="none">
         <a:solidFill>
           <a:srgbClr val="000000"/>
         </a:solidFill>
@@ -726,7 +741,7 @@
         <a:sym typeface="Arial"/>
       </a:defRPr>
     </a:lvl8pPr>
-    <a:lvl9pPr lvl="8" marR="0" rtl="0" algn="l">
+    <a:lvl9pPr marR="0" lvl="8" algn="l" rtl="0">
       <a:lnSpc>
         <a:spcPct val="100000"/>
       </a:lnSpc>
@@ -740,7 +755,7 @@
         <a:srgbClr val="000000"/>
       </a:buClr>
       <a:buFont typeface="Arial"/>
-      <a:defRPr b="0" i="0" sz="1400" u="none" cap="none" strike="noStrike">
+      <a:defRPr sz="1400" b="0" i="0" u="none" strike="noStrike" cap="none">
         <a:solidFill>
           <a:srgbClr val="000000"/>
         </a:solidFill>
@@ -755,11 +770,11 @@
 </file>
 
 <file path=ppt/notesSlides/notesSlide1.xml><?xml version="1.0" encoding="utf-8"?>
-<p:notes xmlns:a="http://schemas.openxmlformats.org/drawingml/2006/main" xmlns:r="http://schemas.openxmlformats.org/officeDocument/2006/relationships" xmlns:mc="http://schemas.openxmlformats.org/markup-compatibility/2006" xmlns:mv="urn:schemas-microsoft-com:mac:vml" xmlns:p="http://schemas.openxmlformats.org/presentationml/2006/main" xmlns:c="http://schemas.openxmlformats.org/drawingml/2006/chart" xmlns:dgm="http://schemas.openxmlformats.org/drawingml/2006/diagram" xmlns:o="urn:schemas-microsoft-com:office:office" xmlns:v="urn:schemas-microsoft-com:vml" xmlns:pvml="urn:schemas-microsoft-com:office:powerpoint" xmlns:com="http://schemas.openxmlformats.org/drawingml/2006/compatibility" xmlns:p14="http://schemas.microsoft.com/office/powerpoint/2010/main" xmlns:p15="http://schemas.microsoft.com/office/powerpoint/2012/main" xmlns:ahyp="http://schemas.microsoft.com/office/drawing/2018/hyperlinkcolor" showMasterPhAnim="0" showMasterSp="0">
+<p:notes xmlns:a="http://schemas.openxmlformats.org/drawingml/2006/main" xmlns:r="http://schemas.openxmlformats.org/officeDocument/2006/relationships" xmlns:p="http://schemas.openxmlformats.org/presentationml/2006/main" showMasterSp="0" showMasterPhAnim="0">
   <p:cSld>
     <p:spTree>
       <p:nvGrpSpPr>
-        <p:cNvPr id="56" name="Shape 56"/>
+        <p:cNvPr id="1" name="Shape 56"/>
         <p:cNvGrpSpPr/>
         <p:nvPr/>
       </p:nvGrpSpPr>
@@ -774,9 +789,11 @@
       <p:sp>
         <p:nvSpPr>
           <p:cNvPr id="57" name="Google Shape;57;g62fc528f49_1_72:notes"/>
-          <p:cNvSpPr/>
+          <p:cNvSpPr>
+            <a:spLocks noGrp="1" noRot="1" noChangeAspect="1"/>
+          </p:cNvSpPr>
           <p:nvPr>
-            <p:ph idx="2" type="sldImg"/>
+            <p:ph type="sldImg" idx="2"/>
           </p:nvPr>
         </p:nvSpPr>
         <p:spPr>
@@ -785,9 +802,13 @@
             <a:ext cx="4572000" cy="3429000"/>
           </a:xfrm>
           <a:custGeom>
-            <a:rect b="b" l="l" r="r" t="t"/>
+            <a:avLst/>
+            <a:gdLst/>
+            <a:ahLst/>
+            <a:cxnLst/>
+            <a:rect l="l" t="t" r="r" b="b"/>
             <a:pathLst>
-              <a:path extrusionOk="0" h="120000" w="120000">
+              <a:path w="120000" h="120000" extrusionOk="0">
                 <a:moveTo>
                   <a:pt x="0" y="0"/>
                 </a:moveTo>
@@ -809,9 +830,11 @@
       <p:sp>
         <p:nvSpPr>
           <p:cNvPr id="58" name="Google Shape;58;g62fc528f49_1_72:notes"/>
-          <p:cNvSpPr txBox="1"/>
+          <p:cNvSpPr txBox="1">
+            <a:spLocks noGrp="1"/>
+          </p:cNvSpPr>
           <p:nvPr>
-            <p:ph idx="1" type="body"/>
+            <p:ph type="body" idx="1"/>
           </p:nvPr>
         </p:nvSpPr>
         <p:spPr>
@@ -824,12 +847,12 @@
           </a:prstGeom>
         </p:spPr>
         <p:txBody>
-          <a:bodyPr anchorCtr="0" anchor="t" bIns="91425" lIns="91425" spcFirstLastPara="1" rIns="91425" wrap="square" tIns="91425">
+          <a:bodyPr spcFirstLastPara="1" wrap="square" lIns="91425" tIns="91425" rIns="91425" bIns="91425" anchor="t" anchorCtr="0">
             <a:noAutofit/>
           </a:bodyPr>
           <a:lstStyle/>
           <a:p>
-            <a:pPr indent="0" lvl="0" marL="0" rtl="0" algn="l">
+            <a:pPr marL="0" lvl="0" indent="0" algn="l" rtl="0">
               <a:spcBef>
                 <a:spcPts val="0"/>
               </a:spcBef>
@@ -838,9 +861,6 @@
               </a:spcAft>
               <a:buNone/>
             </a:pPr>
-            <a:r>
-              <a:t/>
-            </a:r>
             <a:endParaRPr/>
           </a:p>
         </p:txBody>
@@ -854,11 +874,11 @@
 </file>
 
 <file path=ppt/notesSlides/notesSlide2.xml><?xml version="1.0" encoding="utf-8"?>
-<p:notes xmlns:a="http://schemas.openxmlformats.org/drawingml/2006/main" xmlns:r="http://schemas.openxmlformats.org/officeDocument/2006/relationships" xmlns:mc="http://schemas.openxmlformats.org/markup-compatibility/2006" xmlns:mv="urn:schemas-microsoft-com:mac:vml" xmlns:p="http://schemas.openxmlformats.org/presentationml/2006/main" xmlns:c="http://schemas.openxmlformats.org/drawingml/2006/chart" xmlns:dgm="http://schemas.openxmlformats.org/drawingml/2006/diagram" xmlns:o="urn:schemas-microsoft-com:office:office" xmlns:v="urn:schemas-microsoft-com:vml" xmlns:pvml="urn:schemas-microsoft-com:office:powerpoint" xmlns:com="http://schemas.openxmlformats.org/drawingml/2006/compatibility" xmlns:p14="http://schemas.microsoft.com/office/powerpoint/2010/main" xmlns:p15="http://schemas.microsoft.com/office/powerpoint/2012/main" xmlns:ahyp="http://schemas.microsoft.com/office/drawing/2018/hyperlinkcolor" showMasterPhAnim="0" showMasterSp="0">
+<p:notes xmlns:a="http://schemas.openxmlformats.org/drawingml/2006/main" xmlns:r="http://schemas.openxmlformats.org/officeDocument/2006/relationships" xmlns:p="http://schemas.openxmlformats.org/presentationml/2006/main" showMasterSp="0" showMasterPhAnim="0">
   <p:cSld>
     <p:spTree>
       <p:nvGrpSpPr>
-        <p:cNvPr id="62" name="Shape 62"/>
+        <p:cNvPr id="1" name="Shape 62"/>
         <p:cNvGrpSpPr/>
         <p:nvPr/>
       </p:nvGrpSpPr>
@@ -873,9 +893,11 @@
       <p:sp>
         <p:nvSpPr>
           <p:cNvPr id="63" name="Google Shape;63;g62fc528f49_0_7:notes"/>
-          <p:cNvSpPr/>
+          <p:cNvSpPr>
+            <a:spLocks noGrp="1" noRot="1" noChangeAspect="1"/>
+          </p:cNvSpPr>
           <p:nvPr>
-            <p:ph idx="2" type="sldImg"/>
+            <p:ph type="sldImg" idx="2"/>
           </p:nvPr>
         </p:nvSpPr>
         <p:spPr>
@@ -884,9 +906,13 @@
             <a:ext cx="4572000" cy="3429000"/>
           </a:xfrm>
           <a:custGeom>
-            <a:rect b="b" l="l" r="r" t="t"/>
+            <a:avLst/>
+            <a:gdLst/>
+            <a:ahLst/>
+            <a:cxnLst/>
+            <a:rect l="l" t="t" r="r" b="b"/>
             <a:pathLst>
-              <a:path extrusionOk="0" h="120000" w="120000">
+              <a:path w="120000" h="120000" extrusionOk="0">
                 <a:moveTo>
                   <a:pt x="0" y="0"/>
                 </a:moveTo>
@@ -908,9 +934,11 @@
       <p:sp>
         <p:nvSpPr>
           <p:cNvPr id="64" name="Google Shape;64;g62fc528f49_0_7:notes"/>
-          <p:cNvSpPr txBox="1"/>
+          <p:cNvSpPr txBox="1">
+            <a:spLocks noGrp="1"/>
+          </p:cNvSpPr>
           <p:nvPr>
-            <p:ph idx="1" type="body"/>
+            <p:ph type="body" idx="1"/>
           </p:nvPr>
         </p:nvSpPr>
         <p:spPr>
@@ -923,12 +951,12 @@
           </a:prstGeom>
         </p:spPr>
         <p:txBody>
-          <a:bodyPr anchorCtr="0" anchor="t" bIns="91425" lIns="91425" spcFirstLastPara="1" rIns="91425" wrap="square" tIns="91425">
+          <a:bodyPr spcFirstLastPara="1" wrap="square" lIns="91425" tIns="91425" rIns="91425" bIns="91425" anchor="t" anchorCtr="0">
             <a:noAutofit/>
           </a:bodyPr>
           <a:lstStyle/>
           <a:p>
-            <a:pPr indent="0" lvl="0" marL="0" rtl="0" algn="l">
+            <a:pPr marL="0" lvl="0" indent="0" algn="l" rtl="0">
               <a:spcBef>
                 <a:spcPts val="0"/>
               </a:spcBef>
@@ -937,9 +965,6 @@
               </a:spcAft>
               <a:buNone/>
             </a:pPr>
-            <a:r>
-              <a:t/>
-            </a:r>
             <a:endParaRPr/>
           </a:p>
         </p:txBody>
@@ -953,11 +978,11 @@
 </file>
 
 <file path=ppt/notesSlides/notesSlide3.xml><?xml version="1.0" encoding="utf-8"?>
-<p:notes xmlns:a="http://schemas.openxmlformats.org/drawingml/2006/main" xmlns:r="http://schemas.openxmlformats.org/officeDocument/2006/relationships" xmlns:mc="http://schemas.openxmlformats.org/markup-compatibility/2006" xmlns:mv="urn:schemas-microsoft-com:mac:vml" xmlns:p="http://schemas.openxmlformats.org/presentationml/2006/main" xmlns:c="http://schemas.openxmlformats.org/drawingml/2006/chart" xmlns:dgm="http://schemas.openxmlformats.org/drawingml/2006/diagram" xmlns:o="urn:schemas-microsoft-com:office:office" xmlns:v="urn:schemas-microsoft-com:vml" xmlns:pvml="urn:schemas-microsoft-com:office:powerpoint" xmlns:com="http://schemas.openxmlformats.org/drawingml/2006/compatibility" xmlns:p14="http://schemas.microsoft.com/office/powerpoint/2010/main" xmlns:p15="http://schemas.microsoft.com/office/powerpoint/2012/main" xmlns:ahyp="http://schemas.microsoft.com/office/drawing/2018/hyperlinkcolor" showMasterPhAnim="0" showMasterSp="0">
+<p:notes xmlns:a="http://schemas.openxmlformats.org/drawingml/2006/main" xmlns:r="http://schemas.openxmlformats.org/officeDocument/2006/relationships" xmlns:p="http://schemas.openxmlformats.org/presentationml/2006/main" showMasterSp="0" showMasterPhAnim="0">
   <p:cSld>
     <p:spTree>
       <p:nvGrpSpPr>
-        <p:cNvPr id="68" name="Shape 68"/>
+        <p:cNvPr id="1" name="Shape 68"/>
         <p:cNvGrpSpPr/>
         <p:nvPr/>
       </p:nvGrpSpPr>
@@ -972,20 +997,26 @@
       <p:sp>
         <p:nvSpPr>
           <p:cNvPr id="69" name="Google Shape;69;g62fc528f49_3_64:notes"/>
-          <p:cNvSpPr/>
+          <p:cNvSpPr>
+            <a:spLocks noGrp="1" noRot="1" noChangeAspect="1"/>
+          </p:cNvSpPr>
           <p:nvPr>
-            <p:ph idx="2" type="sldImg"/>
+            <p:ph type="sldImg" idx="2"/>
           </p:nvPr>
         </p:nvSpPr>
         <p:spPr>
           <a:xfrm>
-            <a:off x="1143000" y="685800"/>
-            <a:ext cx="4572000" cy="3429000"/>
+            <a:off x="381000" y="685800"/>
+            <a:ext cx="6096000" cy="3429000"/>
           </a:xfrm>
           <a:custGeom>
-            <a:rect b="b" l="l" r="r" t="t"/>
+            <a:avLst/>
+            <a:gdLst/>
+            <a:ahLst/>
+            <a:cxnLst/>
+            <a:rect l="l" t="t" r="r" b="b"/>
             <a:pathLst>
-              <a:path extrusionOk="0" h="120000" w="120000">
+              <a:path w="120000" h="120000" extrusionOk="0">
                 <a:moveTo>
                   <a:pt x="0" y="0"/>
                 </a:moveTo>
@@ -1007,9 +1038,11 @@
       <p:sp>
         <p:nvSpPr>
           <p:cNvPr id="70" name="Google Shape;70;g62fc528f49_3_64:notes"/>
-          <p:cNvSpPr txBox="1"/>
+          <p:cNvSpPr txBox="1">
+            <a:spLocks noGrp="1"/>
+          </p:cNvSpPr>
           <p:nvPr>
-            <p:ph idx="1" type="body"/>
+            <p:ph type="body" idx="1"/>
           </p:nvPr>
         </p:nvSpPr>
         <p:spPr>
@@ -1022,24 +1055,57 @@
           </a:prstGeom>
         </p:spPr>
         <p:txBody>
-          <a:bodyPr anchorCtr="0" anchor="t" bIns="91425" lIns="91425" spcFirstLastPara="1" rIns="91425" wrap="square" tIns="91425">
+          <a:bodyPr spcFirstLastPara="1" wrap="square" lIns="91425" tIns="91425" rIns="91425" bIns="91425" anchor="t" anchorCtr="0">
             <a:noAutofit/>
           </a:bodyPr>
           <a:lstStyle/>
           <a:p>
-            <a:pPr indent="0" lvl="0" marL="0" rtl="0" algn="l">
-              <a:spcBef>
-                <a:spcPts val="0"/>
-              </a:spcBef>
-              <a:spcAft>
-                <a:spcPts val="0"/>
-              </a:spcAft>
-              <a:buNone/>
+            <a:pPr marL="285750" lvl="0" indent="-285750" algn="l" rtl="0">
+              <a:spcBef>
+                <a:spcPts val="0"/>
+              </a:spcBef>
+              <a:spcAft>
+                <a:spcPts val="0"/>
+              </a:spcAft>
+              <a:buFont typeface="Arial" panose="020B0604020202020204" pitchFamily="34" charset="0"/>
+              <a:buChar char="•"/>
             </a:pPr>
             <a:r>
-              <a:t/>
+              <a:rPr lang="en-US" dirty="0"/>
+              <a:t>Medical use</a:t>
             </a:r>
-            <a:endParaRPr/>
+          </a:p>
+          <a:p>
+            <a:pPr marL="285750" lvl="0" indent="-285750" algn="l" rtl="0">
+              <a:spcBef>
+                <a:spcPts val="0"/>
+              </a:spcBef>
+              <a:spcAft>
+                <a:spcPts val="0"/>
+              </a:spcAft>
+              <a:buFont typeface="Arial" panose="020B0604020202020204" pitchFamily="34" charset="0"/>
+              <a:buChar char="•"/>
+            </a:pPr>
+            <a:r>
+              <a:rPr lang="en-US" dirty="0"/>
+              <a:t>Detect up to 14 diseases through chest radiographs</a:t>
+            </a:r>
+          </a:p>
+          <a:p>
+            <a:pPr marL="285750" lvl="0" indent="-285750" algn="l" rtl="0">
+              <a:spcBef>
+                <a:spcPts val="0"/>
+              </a:spcBef>
+              <a:spcAft>
+                <a:spcPts val="0"/>
+              </a:spcAft>
+              <a:buFont typeface="Arial" panose="020B0604020202020204" pitchFamily="34" charset="0"/>
+              <a:buChar char="•"/>
+            </a:pPr>
+            <a:r>
+              <a:rPr lang="en-US" dirty="0"/>
+              <a:t>Accuracy is equivalent to radiologists</a:t>
+            </a:r>
           </a:p>
         </p:txBody>
       </p:sp>
@@ -1052,11 +1118,11 @@
 </file>
 
 <file path=ppt/notesSlides/notesSlide4.xml><?xml version="1.0" encoding="utf-8"?>
-<p:notes xmlns:a="http://schemas.openxmlformats.org/drawingml/2006/main" xmlns:r="http://schemas.openxmlformats.org/officeDocument/2006/relationships" xmlns:mc="http://schemas.openxmlformats.org/markup-compatibility/2006" xmlns:mv="urn:schemas-microsoft-com:mac:vml" xmlns:p="http://schemas.openxmlformats.org/presentationml/2006/main" xmlns:c="http://schemas.openxmlformats.org/drawingml/2006/chart" xmlns:dgm="http://schemas.openxmlformats.org/drawingml/2006/diagram" xmlns:o="urn:schemas-microsoft-com:office:office" xmlns:v="urn:schemas-microsoft-com:vml" xmlns:pvml="urn:schemas-microsoft-com:office:powerpoint" xmlns:com="http://schemas.openxmlformats.org/drawingml/2006/compatibility" xmlns:p14="http://schemas.microsoft.com/office/powerpoint/2010/main" xmlns:p15="http://schemas.microsoft.com/office/powerpoint/2012/main" xmlns:ahyp="http://schemas.microsoft.com/office/drawing/2018/hyperlinkcolor" showMasterPhAnim="0" showMasterSp="0">
+<p:notes xmlns:a="http://schemas.openxmlformats.org/drawingml/2006/main" xmlns:r="http://schemas.openxmlformats.org/officeDocument/2006/relationships" xmlns:p="http://schemas.openxmlformats.org/presentationml/2006/main" showMasterSp="0" showMasterPhAnim="0">
   <p:cSld>
     <p:spTree>
       <p:nvGrpSpPr>
-        <p:cNvPr id="76" name="Shape 76"/>
+        <p:cNvPr id="1" name="Shape 76"/>
         <p:cNvGrpSpPr/>
         <p:nvPr/>
       </p:nvGrpSpPr>
@@ -1071,20 +1137,26 @@
       <p:sp>
         <p:nvSpPr>
           <p:cNvPr id="77" name="Google Shape;77;g90ddd6f0ac_0_7:notes"/>
-          <p:cNvSpPr/>
+          <p:cNvSpPr>
+            <a:spLocks noGrp="1" noRot="1" noChangeAspect="1"/>
+          </p:cNvSpPr>
           <p:nvPr>
-            <p:ph idx="2" type="sldImg"/>
+            <p:ph type="sldImg" idx="2"/>
           </p:nvPr>
         </p:nvSpPr>
         <p:spPr>
           <a:xfrm>
-            <a:off x="1143000" y="685800"/>
-            <a:ext cx="4572000" cy="3429000"/>
+            <a:off x="381000" y="685800"/>
+            <a:ext cx="6096000" cy="3429000"/>
           </a:xfrm>
           <a:custGeom>
-            <a:rect b="b" l="l" r="r" t="t"/>
+            <a:avLst/>
+            <a:gdLst/>
+            <a:ahLst/>
+            <a:cxnLst/>
+            <a:rect l="l" t="t" r="r" b="b"/>
             <a:pathLst>
-              <a:path extrusionOk="0" h="120000" w="120000">
+              <a:path w="120000" h="120000" extrusionOk="0">
                 <a:moveTo>
                   <a:pt x="0" y="0"/>
                 </a:moveTo>
@@ -1106,9 +1178,11 @@
       <p:sp>
         <p:nvSpPr>
           <p:cNvPr id="78" name="Google Shape;78;g90ddd6f0ac_0_7:notes"/>
-          <p:cNvSpPr txBox="1"/>
+          <p:cNvSpPr txBox="1">
+            <a:spLocks noGrp="1"/>
+          </p:cNvSpPr>
           <p:nvPr>
-            <p:ph idx="1" type="body"/>
+            <p:ph type="body" idx="1"/>
           </p:nvPr>
         </p:nvSpPr>
         <p:spPr>
@@ -1121,24 +1195,41 @@
           </a:prstGeom>
         </p:spPr>
         <p:txBody>
-          <a:bodyPr anchorCtr="0" anchor="t" bIns="91425" lIns="91425" spcFirstLastPara="1" rIns="91425" wrap="square" tIns="91425">
+          <a:bodyPr spcFirstLastPara="1" wrap="square" lIns="91425" tIns="91425" rIns="91425" bIns="91425" anchor="t" anchorCtr="0">
             <a:noAutofit/>
           </a:bodyPr>
           <a:lstStyle/>
           <a:p>
-            <a:pPr indent="0" lvl="0" marL="0" rtl="0" algn="l">
-              <a:spcBef>
-                <a:spcPts val="0"/>
-              </a:spcBef>
-              <a:spcAft>
-                <a:spcPts val="0"/>
-              </a:spcAft>
-              <a:buNone/>
+            <a:pPr marL="285750" lvl="0" indent="-285750" algn="l" rtl="0">
+              <a:spcBef>
+                <a:spcPts val="0"/>
+              </a:spcBef>
+              <a:spcAft>
+                <a:spcPts val="0"/>
+              </a:spcAft>
+              <a:buFont typeface="Arial" panose="020B0604020202020204" pitchFamily="34" charset="0"/>
+              <a:buChar char="•"/>
             </a:pPr>
             <a:r>
-              <a:t/>
+              <a:rPr lang="en-US" dirty="0"/>
+              <a:t>AI – broad term, big umbrella -&gt; break it down</a:t>
             </a:r>
-            <a:endParaRPr/>
+          </a:p>
+          <a:p>
+            <a:pPr marL="285750" lvl="0" indent="-285750" algn="l" rtl="0">
+              <a:spcBef>
+                <a:spcPts val="0"/>
+              </a:spcBef>
+              <a:spcAft>
+                <a:spcPts val="0"/>
+              </a:spcAft>
+              <a:buFont typeface="Arial" panose="020B0604020202020204" pitchFamily="34" charset="0"/>
+              <a:buChar char="•"/>
+            </a:pPr>
+            <a:r>
+              <a:rPr lang="en-US" dirty="0"/>
+              <a:t>Ai &gt; ML &gt; Deep Learning</a:t>
+            </a:r>
           </a:p>
         </p:txBody>
       </p:sp>
@@ -1151,11 +1242,11 @@
 </file>
 
 <file path=ppt/notesSlides/notesSlide5.xml><?xml version="1.0" encoding="utf-8"?>
-<p:notes xmlns:a="http://schemas.openxmlformats.org/drawingml/2006/main" xmlns:r="http://schemas.openxmlformats.org/officeDocument/2006/relationships" xmlns:mc="http://schemas.openxmlformats.org/markup-compatibility/2006" xmlns:mv="urn:schemas-microsoft-com:mac:vml" xmlns:p="http://schemas.openxmlformats.org/presentationml/2006/main" xmlns:c="http://schemas.openxmlformats.org/drawingml/2006/chart" xmlns:dgm="http://schemas.openxmlformats.org/drawingml/2006/diagram" xmlns:o="urn:schemas-microsoft-com:office:office" xmlns:v="urn:schemas-microsoft-com:vml" xmlns:pvml="urn:schemas-microsoft-com:office:powerpoint" xmlns:com="http://schemas.openxmlformats.org/drawingml/2006/compatibility" xmlns:p14="http://schemas.microsoft.com/office/powerpoint/2010/main" xmlns:p15="http://schemas.microsoft.com/office/powerpoint/2012/main" xmlns:ahyp="http://schemas.microsoft.com/office/drawing/2018/hyperlinkcolor" showMasterPhAnim="0" showMasterSp="0">
+<p:notes xmlns:a="http://schemas.openxmlformats.org/drawingml/2006/main" xmlns:r="http://schemas.openxmlformats.org/officeDocument/2006/relationships" xmlns:p="http://schemas.openxmlformats.org/presentationml/2006/main" showMasterSp="0" showMasterPhAnim="0">
   <p:cSld>
     <p:spTree>
       <p:nvGrpSpPr>
-        <p:cNvPr id="84" name="Shape 84"/>
+        <p:cNvPr id="1" name="Shape 84"/>
         <p:cNvGrpSpPr/>
         <p:nvPr/>
       </p:nvGrpSpPr>
@@ -1170,20 +1261,26 @@
       <p:sp>
         <p:nvSpPr>
           <p:cNvPr id="85" name="Google Shape;85;g90ddd6f0ac_0_14:notes"/>
-          <p:cNvSpPr/>
+          <p:cNvSpPr>
+            <a:spLocks noGrp="1" noRot="1" noChangeAspect="1"/>
+          </p:cNvSpPr>
           <p:nvPr>
-            <p:ph idx="2" type="sldImg"/>
+            <p:ph type="sldImg" idx="2"/>
           </p:nvPr>
         </p:nvSpPr>
         <p:spPr>
           <a:xfrm>
-            <a:off x="1143000" y="685800"/>
-            <a:ext cx="4572000" cy="3429000"/>
+            <a:off x="381000" y="685800"/>
+            <a:ext cx="6096000" cy="3429000"/>
           </a:xfrm>
           <a:custGeom>
-            <a:rect b="b" l="l" r="r" t="t"/>
+            <a:avLst/>
+            <a:gdLst/>
+            <a:ahLst/>
+            <a:cxnLst/>
+            <a:rect l="l" t="t" r="r" b="b"/>
             <a:pathLst>
-              <a:path extrusionOk="0" h="120000" w="120000">
+              <a:path w="120000" h="120000" extrusionOk="0">
                 <a:moveTo>
                   <a:pt x="0" y="0"/>
                 </a:moveTo>
@@ -1205,9 +1302,11 @@
       <p:sp>
         <p:nvSpPr>
           <p:cNvPr id="86" name="Google Shape;86;g90ddd6f0ac_0_14:notes"/>
-          <p:cNvSpPr txBox="1"/>
+          <p:cNvSpPr txBox="1">
+            <a:spLocks noGrp="1"/>
+          </p:cNvSpPr>
           <p:nvPr>
-            <p:ph idx="1" type="body"/>
+            <p:ph type="body" idx="1"/>
           </p:nvPr>
         </p:nvSpPr>
         <p:spPr>
@@ -1220,12 +1319,12 @@
           </a:prstGeom>
         </p:spPr>
         <p:txBody>
-          <a:bodyPr anchorCtr="0" anchor="t" bIns="91425" lIns="91425" spcFirstLastPara="1" rIns="91425" wrap="square" tIns="91425">
+          <a:bodyPr spcFirstLastPara="1" wrap="square" lIns="91425" tIns="91425" rIns="91425" bIns="91425" anchor="t" anchorCtr="0">
             <a:noAutofit/>
           </a:bodyPr>
           <a:lstStyle/>
           <a:p>
-            <a:pPr indent="0" lvl="0" marL="0" rtl="0" algn="l">
+            <a:pPr marL="0" lvl="0" indent="0" algn="l" rtl="0">
               <a:spcBef>
                 <a:spcPts val="0"/>
               </a:spcBef>
@@ -1235,9 +1334,10 @@
               <a:buNone/>
             </a:pPr>
             <a:r>
-              <a:t/>
+              <a:rPr lang="en-US" dirty="0"/>
+              <a:t>* Unstructured data -&gt; Structured data</a:t>
             </a:r>
-            <a:endParaRPr/>
+            <a:endParaRPr dirty="0"/>
           </a:p>
         </p:txBody>
       </p:sp>
@@ -1250,11 +1350,11 @@
 </file>
 
 <file path=ppt/notesSlides/notesSlide6.xml><?xml version="1.0" encoding="utf-8"?>
-<p:notes xmlns:a="http://schemas.openxmlformats.org/drawingml/2006/main" xmlns:r="http://schemas.openxmlformats.org/officeDocument/2006/relationships" xmlns:mc="http://schemas.openxmlformats.org/markup-compatibility/2006" xmlns:mv="urn:schemas-microsoft-com:mac:vml" xmlns:p="http://schemas.openxmlformats.org/presentationml/2006/main" xmlns:c="http://schemas.openxmlformats.org/drawingml/2006/chart" xmlns:dgm="http://schemas.openxmlformats.org/drawingml/2006/diagram" xmlns:o="urn:schemas-microsoft-com:office:office" xmlns:v="urn:schemas-microsoft-com:vml" xmlns:pvml="urn:schemas-microsoft-com:office:powerpoint" xmlns:com="http://schemas.openxmlformats.org/drawingml/2006/compatibility" xmlns:p14="http://schemas.microsoft.com/office/powerpoint/2010/main" xmlns:p15="http://schemas.microsoft.com/office/powerpoint/2012/main" xmlns:ahyp="http://schemas.microsoft.com/office/drawing/2018/hyperlinkcolor" showMasterPhAnim="0" showMasterSp="0">
+<p:notes xmlns:a="http://schemas.openxmlformats.org/drawingml/2006/main" xmlns:r="http://schemas.openxmlformats.org/officeDocument/2006/relationships" xmlns:p="http://schemas.openxmlformats.org/presentationml/2006/main" showMasterSp="0" showMasterPhAnim="0">
   <p:cSld>
     <p:spTree>
       <p:nvGrpSpPr>
-        <p:cNvPr id="91" name="Shape 91"/>
+        <p:cNvPr id="1" name="Shape 91"/>
         <p:cNvGrpSpPr/>
         <p:nvPr/>
       </p:nvGrpSpPr>
@@ -1269,20 +1369,26 @@
       <p:sp>
         <p:nvSpPr>
           <p:cNvPr id="92" name="Google Shape;92;g90ddd6f0ac_0_22:notes"/>
-          <p:cNvSpPr/>
+          <p:cNvSpPr>
+            <a:spLocks noGrp="1" noRot="1" noChangeAspect="1"/>
+          </p:cNvSpPr>
           <p:nvPr>
-            <p:ph idx="2" type="sldImg"/>
+            <p:ph type="sldImg" idx="2"/>
           </p:nvPr>
         </p:nvSpPr>
         <p:spPr>
           <a:xfrm>
-            <a:off x="1143000" y="685800"/>
-            <a:ext cx="4572000" cy="3429000"/>
+            <a:off x="381000" y="685800"/>
+            <a:ext cx="6096000" cy="3429000"/>
           </a:xfrm>
           <a:custGeom>
-            <a:rect b="b" l="l" r="r" t="t"/>
+            <a:avLst/>
+            <a:gdLst/>
+            <a:ahLst/>
+            <a:cxnLst/>
+            <a:rect l="l" t="t" r="r" b="b"/>
             <a:pathLst>
-              <a:path extrusionOk="0" h="120000" w="120000">
+              <a:path w="120000" h="120000" extrusionOk="0">
                 <a:moveTo>
                   <a:pt x="0" y="0"/>
                 </a:moveTo>
@@ -1304,9 +1410,11 @@
       <p:sp>
         <p:nvSpPr>
           <p:cNvPr id="93" name="Google Shape;93;g90ddd6f0ac_0_22:notes"/>
-          <p:cNvSpPr txBox="1"/>
+          <p:cNvSpPr txBox="1">
+            <a:spLocks noGrp="1"/>
+          </p:cNvSpPr>
           <p:nvPr>
-            <p:ph idx="1" type="body"/>
+            <p:ph type="body" idx="1"/>
           </p:nvPr>
         </p:nvSpPr>
         <p:spPr>
@@ -1319,24 +1427,102 @@
           </a:prstGeom>
         </p:spPr>
         <p:txBody>
-          <a:bodyPr anchorCtr="0" anchor="t" bIns="91425" lIns="91425" spcFirstLastPara="1" rIns="91425" wrap="square" tIns="91425">
+          <a:bodyPr spcFirstLastPara="1" wrap="square" lIns="91425" tIns="91425" rIns="91425" bIns="91425" anchor="t" anchorCtr="0">
             <a:noAutofit/>
           </a:bodyPr>
           <a:lstStyle/>
           <a:p>
-            <a:pPr indent="0" lvl="0" marL="0" rtl="0" algn="l">
-              <a:spcBef>
-                <a:spcPts val="0"/>
-              </a:spcBef>
-              <a:spcAft>
-                <a:spcPts val="0"/>
-              </a:spcAft>
-              <a:buNone/>
+            <a:pPr marL="285750" lvl="0" indent="-285750" algn="l" rtl="0">
+              <a:spcBef>
+                <a:spcPts val="0"/>
+              </a:spcBef>
+              <a:spcAft>
+                <a:spcPts val="0"/>
+              </a:spcAft>
+              <a:buFont typeface="Arial" panose="020B0604020202020204" pitchFamily="34" charset="0"/>
+              <a:buChar char="•"/>
             </a:pPr>
             <a:r>
-              <a:t/>
+              <a:rPr lang="en-US" dirty="0"/>
+              <a:t>Every ML project -&gt; steps of a ML project</a:t>
             </a:r>
-            <a:endParaRPr/>
+          </a:p>
+          <a:p>
+            <a:pPr marL="285750" lvl="0" indent="-285750" algn="l" rtl="0">
+              <a:spcBef>
+                <a:spcPts val="0"/>
+              </a:spcBef>
+              <a:spcAft>
+                <a:spcPts val="0"/>
+              </a:spcAft>
+              <a:buFont typeface="Arial" panose="020B0604020202020204" pitchFamily="34" charset="0"/>
+              <a:buChar char="•"/>
+            </a:pPr>
+            <a:r>
+              <a:rPr lang="en-US" dirty="0"/>
+              <a:t>Prepare data: important step</a:t>
+            </a:r>
+          </a:p>
+          <a:p>
+            <a:pPr marL="285750" lvl="0" indent="-285750" algn="l" rtl="0">
+              <a:spcBef>
+                <a:spcPts val="0"/>
+              </a:spcBef>
+              <a:spcAft>
+                <a:spcPts val="0"/>
+              </a:spcAft>
+              <a:buFont typeface="Arial" panose="020B0604020202020204" pitchFamily="34" charset="0"/>
+              <a:buChar char="•"/>
+            </a:pPr>
+            <a:r>
+              <a:rPr lang="en-US" dirty="0"/>
+              <a:t>Train model: build algos</a:t>
+            </a:r>
+          </a:p>
+          <a:p>
+            <a:pPr marL="285750" lvl="0" indent="-285750" algn="l" rtl="0">
+              <a:spcBef>
+                <a:spcPts val="0"/>
+              </a:spcBef>
+              <a:spcAft>
+                <a:spcPts val="0"/>
+              </a:spcAft>
+              <a:buFont typeface="Arial" panose="020B0604020202020204" pitchFamily="34" charset="0"/>
+              <a:buChar char="•"/>
+            </a:pPr>
+            <a:r>
+              <a:rPr lang="en-US" dirty="0"/>
+              <a:t>Validate mode: if acc. High -&gt; deploy model/make it live. I</a:t>
+            </a:r>
+          </a:p>
+          <a:p>
+            <a:pPr marL="742950" lvl="1" indent="-285750" algn="l" rtl="0">
+              <a:spcBef>
+                <a:spcPts val="0"/>
+              </a:spcBef>
+              <a:spcAft>
+                <a:spcPts val="0"/>
+              </a:spcAft>
+              <a:buFont typeface="Arial" panose="020B0604020202020204" pitchFamily="34" charset="0"/>
+              <a:buChar char="•"/>
+            </a:pPr>
+            <a:r>
+              <a:rPr lang="en-US" dirty="0"/>
+              <a:t>If acc. Bad, go back to </a:t>
+            </a:r>
+            <a:r>
+              <a:rPr lang="en-US" dirty="0" err="1"/>
+              <a:t>train_model</a:t>
+            </a:r>
+            <a:r>
+              <a:rPr lang="en-US" dirty="0"/>
+              <a:t> step to try other algos and re-</a:t>
+            </a:r>
+            <a:r>
+              <a:rPr lang="en-US" dirty="0" err="1"/>
+              <a:t>trai</a:t>
+            </a:r>
+            <a:endParaRPr lang="en-US" dirty="0"/>
           </a:p>
         </p:txBody>
       </p:sp>
@@ -1349,11 +1535,11 @@
 </file>
 
 <file path=ppt/notesSlides/notesSlide7.xml><?xml version="1.0" encoding="utf-8"?>
-<p:notes xmlns:a="http://schemas.openxmlformats.org/drawingml/2006/main" xmlns:r="http://schemas.openxmlformats.org/officeDocument/2006/relationships" xmlns:mc="http://schemas.openxmlformats.org/markup-compatibility/2006" xmlns:mv="urn:schemas-microsoft-com:mac:vml" xmlns:p="http://schemas.openxmlformats.org/presentationml/2006/main" xmlns:c="http://schemas.openxmlformats.org/drawingml/2006/chart" xmlns:dgm="http://schemas.openxmlformats.org/drawingml/2006/diagram" xmlns:o="urn:schemas-microsoft-com:office:office" xmlns:v="urn:schemas-microsoft-com:vml" xmlns:pvml="urn:schemas-microsoft-com:office:powerpoint" xmlns:com="http://schemas.openxmlformats.org/drawingml/2006/compatibility" xmlns:p14="http://schemas.microsoft.com/office/powerpoint/2010/main" xmlns:p15="http://schemas.microsoft.com/office/powerpoint/2012/main" xmlns:ahyp="http://schemas.microsoft.com/office/drawing/2018/hyperlinkcolor" showMasterPhAnim="0" showMasterSp="0">
+<p:notes xmlns:a="http://schemas.openxmlformats.org/drawingml/2006/main" xmlns:r="http://schemas.openxmlformats.org/officeDocument/2006/relationships" xmlns:p="http://schemas.openxmlformats.org/presentationml/2006/main" showMasterSp="0" showMasterPhAnim="0">
   <p:cSld>
     <p:spTree>
       <p:nvGrpSpPr>
-        <p:cNvPr id="104" name="Shape 104"/>
+        <p:cNvPr id="1" name="Shape 104"/>
         <p:cNvGrpSpPr/>
         <p:nvPr/>
       </p:nvGrpSpPr>
@@ -1368,9 +1554,11 @@
       <p:sp>
         <p:nvSpPr>
           <p:cNvPr id="105" name="Google Shape;105;g90ddd6f0ac_0_35:notes"/>
-          <p:cNvSpPr/>
+          <p:cNvSpPr>
+            <a:spLocks noGrp="1" noRot="1" noChangeAspect="1"/>
+          </p:cNvSpPr>
           <p:nvPr>
-            <p:ph idx="2" type="sldImg"/>
+            <p:ph type="sldImg" idx="2"/>
           </p:nvPr>
         </p:nvSpPr>
         <p:spPr>
@@ -1379,9 +1567,13 @@
             <a:ext cx="4572000" cy="3429000"/>
           </a:xfrm>
           <a:custGeom>
-            <a:rect b="b" l="l" r="r" t="t"/>
+            <a:avLst/>
+            <a:gdLst/>
+            <a:ahLst/>
+            <a:cxnLst/>
+            <a:rect l="l" t="t" r="r" b="b"/>
             <a:pathLst>
-              <a:path extrusionOk="0" h="120000" w="120000">
+              <a:path w="120000" h="120000" extrusionOk="0">
                 <a:moveTo>
                   <a:pt x="0" y="0"/>
                 </a:moveTo>
@@ -1403,9 +1595,11 @@
       <p:sp>
         <p:nvSpPr>
           <p:cNvPr id="106" name="Google Shape;106;g90ddd6f0ac_0_35:notes"/>
-          <p:cNvSpPr txBox="1"/>
+          <p:cNvSpPr txBox="1">
+            <a:spLocks noGrp="1"/>
+          </p:cNvSpPr>
           <p:nvPr>
-            <p:ph idx="1" type="body"/>
+            <p:ph type="body" idx="1"/>
           </p:nvPr>
         </p:nvSpPr>
         <p:spPr>
@@ -1418,12 +1612,12 @@
           </a:prstGeom>
         </p:spPr>
         <p:txBody>
-          <a:bodyPr anchorCtr="0" anchor="t" bIns="91425" lIns="91425" spcFirstLastPara="1" rIns="91425" wrap="square" tIns="91425">
+          <a:bodyPr spcFirstLastPara="1" wrap="square" lIns="91425" tIns="91425" rIns="91425" bIns="91425" anchor="t" anchorCtr="0">
             <a:noAutofit/>
           </a:bodyPr>
           <a:lstStyle/>
           <a:p>
-            <a:pPr indent="0" lvl="0" marL="0" rtl="0" algn="l">
+            <a:pPr marL="0" lvl="0" indent="0" algn="l" rtl="0">
               <a:spcBef>
                 <a:spcPts val="0"/>
               </a:spcBef>
@@ -1432,9 +1626,6 @@
               </a:spcAft>
               <a:buNone/>
             </a:pPr>
-            <a:r>
-              <a:t/>
-            </a:r>
             <a:endParaRPr/>
           </a:p>
         </p:txBody>
@@ -1448,11 +1639,11 @@
 </file>
 
 <file path=ppt/slideLayouts/slideLayout1.xml><?xml version="1.0" encoding="utf-8"?>
-<p:sldLayout xmlns:a="http://schemas.openxmlformats.org/drawingml/2006/main" xmlns:r="http://schemas.openxmlformats.org/officeDocument/2006/relationships" xmlns:mc="http://schemas.openxmlformats.org/markup-compatibility/2006" xmlns:mv="urn:schemas-microsoft-com:mac:vml" xmlns:p="http://schemas.openxmlformats.org/presentationml/2006/main" xmlns:c="http://schemas.openxmlformats.org/drawingml/2006/chart" xmlns:dgm="http://schemas.openxmlformats.org/drawingml/2006/diagram" xmlns:o="urn:schemas-microsoft-com:office:office" xmlns:v="urn:schemas-microsoft-com:vml" xmlns:pvml="urn:schemas-microsoft-com:office:powerpoint" xmlns:com="http://schemas.openxmlformats.org/drawingml/2006/compatibility" xmlns:p14="http://schemas.microsoft.com/office/powerpoint/2010/main" xmlns:p15="http://schemas.microsoft.com/office/powerpoint/2012/main" xmlns:ahyp="http://schemas.microsoft.com/office/drawing/2018/hyperlinkcolor" matchingName="Headline, Subhead, Body">
+<p:sldLayout xmlns:a="http://schemas.openxmlformats.org/drawingml/2006/main" xmlns:r="http://schemas.openxmlformats.org/officeDocument/2006/relationships" xmlns:p="http://schemas.openxmlformats.org/presentationml/2006/main" matchingName="Headline, Subhead, Body">
   <p:cSld name="(Avoid) Title, Subtitle, Bullets_1">
     <p:spTree>
       <p:nvGrpSpPr>
-        <p:cNvPr id="8" name="Shape 8"/>
+        <p:cNvPr id="1" name="Shape 8"/>
         <p:cNvGrpSpPr/>
         <p:nvPr/>
       </p:nvGrpSpPr>
@@ -1495,7 +1686,9 @@
       <p:sp>
         <p:nvSpPr>
           <p:cNvPr id="10" name="Google Shape;10;p2"/>
-          <p:cNvSpPr txBox="1"/>
+          <p:cNvSpPr txBox="1">
+            <a:spLocks noGrp="1"/>
+          </p:cNvSpPr>
           <p:nvPr>
             <p:ph type="title"/>
           </p:nvPr>
@@ -1510,7 +1703,7 @@
           </a:prstGeom>
         </p:spPr>
         <p:txBody>
-          <a:bodyPr anchorCtr="0" anchor="t" bIns="91425" lIns="91425" spcFirstLastPara="1" rIns="91425" wrap="square" tIns="91425">
+          <a:bodyPr spcFirstLastPara="1" wrap="square" lIns="91425" tIns="91425" rIns="91425" bIns="91425" anchor="t" anchorCtr="0">
             <a:noAutofit/>
           </a:bodyPr>
           <a:lstStyle>
@@ -1641,15 +1834,19 @@
               </a:defRPr>
             </a:lvl9pPr>
           </a:lstStyle>
-          <a:p/>
+          <a:p>
+            <a:endParaRPr/>
+          </a:p>
         </p:txBody>
       </p:sp>
       <p:sp>
         <p:nvSpPr>
           <p:cNvPr id="11" name="Google Shape;11;p2"/>
-          <p:cNvSpPr txBox="1"/>
+          <p:cNvSpPr txBox="1">
+            <a:spLocks noGrp="1"/>
+          </p:cNvSpPr>
           <p:nvPr>
-            <p:ph idx="2" type="title"/>
+            <p:ph type="title" idx="2"/>
           </p:nvPr>
         </p:nvSpPr>
         <p:spPr>
@@ -1662,7 +1859,7 @@
           </a:prstGeom>
         </p:spPr>
         <p:txBody>
-          <a:bodyPr anchorCtr="0" anchor="t" bIns="91425" lIns="91425" spcFirstLastPara="1" rIns="91425" wrap="square" tIns="91425">
+          <a:bodyPr spcFirstLastPara="1" wrap="square" lIns="91425" tIns="91425" rIns="91425" bIns="91425" anchor="t" anchorCtr="0">
             <a:noAutofit/>
           </a:bodyPr>
           <a:lstStyle>
@@ -1793,15 +1990,19 @@
               </a:defRPr>
             </a:lvl9pPr>
           </a:lstStyle>
-          <a:p/>
+          <a:p>
+            <a:endParaRPr/>
+          </a:p>
         </p:txBody>
       </p:sp>
       <p:sp>
         <p:nvSpPr>
           <p:cNvPr id="12" name="Google Shape;12;p2"/>
-          <p:cNvSpPr txBox="1"/>
+          <p:cNvSpPr txBox="1">
+            <a:spLocks noGrp="1"/>
+          </p:cNvSpPr>
           <p:nvPr>
-            <p:ph idx="3" type="title"/>
+            <p:ph type="title" idx="3"/>
           </p:nvPr>
         </p:nvSpPr>
         <p:spPr>
@@ -1814,7 +2015,7 @@
           </a:prstGeom>
         </p:spPr>
         <p:txBody>
-          <a:bodyPr anchorCtr="0" anchor="t" bIns="91425" lIns="91425" spcFirstLastPara="1" rIns="91425" wrap="square" tIns="91425">
+          <a:bodyPr spcFirstLastPara="1" wrap="square" lIns="91425" tIns="91425" rIns="91425" bIns="91425" anchor="t" anchorCtr="0">
             <a:noAutofit/>
           </a:bodyPr>
           <a:lstStyle>
@@ -1948,7 +2149,9 @@
               </a:defRPr>
             </a:lvl9pPr>
           </a:lstStyle>
-          <a:p/>
+          <a:p>
+            <a:endParaRPr/>
+          </a:p>
         </p:txBody>
       </p:sp>
     </p:spTree>
@@ -1960,11 +2163,11 @@
 </file>
 
 <file path=ppt/slideLayouts/slideLayout10.xml><?xml version="1.0" encoding="utf-8"?>
-<p:sldLayout xmlns:a="http://schemas.openxmlformats.org/drawingml/2006/main" xmlns:r="http://schemas.openxmlformats.org/officeDocument/2006/relationships" xmlns:mc="http://schemas.openxmlformats.org/markup-compatibility/2006" xmlns:mv="urn:schemas-microsoft-com:mac:vml" xmlns:p="http://schemas.openxmlformats.org/presentationml/2006/main" xmlns:c="http://schemas.openxmlformats.org/drawingml/2006/chart" xmlns:dgm="http://schemas.openxmlformats.org/drawingml/2006/diagram" xmlns:o="urn:schemas-microsoft-com:office:office" xmlns:v="urn:schemas-microsoft-com:vml" xmlns:pvml="urn:schemas-microsoft-com:office:powerpoint" xmlns:com="http://schemas.openxmlformats.org/drawingml/2006/compatibility" xmlns:p14="http://schemas.microsoft.com/office/powerpoint/2010/main" xmlns:p15="http://schemas.microsoft.com/office/powerpoint/2012/main" xmlns:ahyp="http://schemas.microsoft.com/office/drawing/2018/hyperlinkcolor" matchingName="Blank - Black">
+<p:sldLayout xmlns:a="http://schemas.openxmlformats.org/drawingml/2006/main" xmlns:r="http://schemas.openxmlformats.org/officeDocument/2006/relationships" xmlns:p="http://schemas.openxmlformats.org/presentationml/2006/main" matchingName="Blank - Black">
   <p:cSld name="(Avoid) Title, Subtitle, Bullets_1_1_1_1_1_1">
     <p:spTree>
       <p:nvGrpSpPr>
-        <p:cNvPr id="46" name="Shape 46"/>
+        <p:cNvPr id="1" name="Shape 46"/>
         <p:cNvGrpSpPr/>
         <p:nvPr/>
       </p:nvGrpSpPr>
@@ -1998,12 +2201,12 @@
           </a:ln>
         </p:spPr>
         <p:txBody>
-          <a:bodyPr anchorCtr="0" anchor="ctr" bIns="91425" lIns="91425" spcFirstLastPara="1" rIns="91425" wrap="square" tIns="91425">
+          <a:bodyPr spcFirstLastPara="1" wrap="square" lIns="91425" tIns="91425" rIns="91425" bIns="91425" anchor="ctr" anchorCtr="0">
             <a:noAutofit/>
           </a:bodyPr>
           <a:lstStyle/>
           <a:p>
-            <a:pPr indent="0" lvl="0" marL="0" rtl="0" algn="l">
+            <a:pPr marL="0" lvl="0" indent="0" algn="l" rtl="0">
               <a:spcBef>
                 <a:spcPts val="0"/>
               </a:spcBef>
@@ -2012,9 +2215,6 @@
               </a:spcAft>
               <a:buNone/>
             </a:pPr>
-            <a:r>
-              <a:t/>
-            </a:r>
             <a:endParaRPr/>
           </a:p>
         </p:txBody>
@@ -2028,18 +2228,19 @@
 </file>
 
 <file path=ppt/slideLayouts/slideLayout11.xml><?xml version="1.0" encoding="utf-8"?>
-<p:sldLayout xmlns:a="http://schemas.openxmlformats.org/drawingml/2006/main" xmlns:r="http://schemas.openxmlformats.org/officeDocument/2006/relationships" xmlns:mc="http://schemas.openxmlformats.org/markup-compatibility/2006" xmlns:mv="urn:schemas-microsoft-com:mac:vml" xmlns:p="http://schemas.openxmlformats.org/presentationml/2006/main" xmlns:c="http://schemas.openxmlformats.org/drawingml/2006/chart" xmlns:dgm="http://schemas.openxmlformats.org/drawingml/2006/diagram" xmlns:o="urn:schemas-microsoft-com:office:office" xmlns:v="urn:schemas-microsoft-com:vml" xmlns:pvml="urn:schemas-microsoft-com:office:powerpoint" xmlns:com="http://schemas.openxmlformats.org/drawingml/2006/compatibility" xmlns:p14="http://schemas.microsoft.com/office/powerpoint/2010/main" xmlns:p15="http://schemas.microsoft.com/office/powerpoint/2012/main" xmlns:ahyp="http://schemas.microsoft.com/office/drawing/2018/hyperlinkcolor" matchingName="Blank Green Footer" showMasterSp="0">
+<p:sldLayout xmlns:a="http://schemas.openxmlformats.org/drawingml/2006/main" xmlns:r="http://schemas.openxmlformats.org/officeDocument/2006/relationships" xmlns:p="http://schemas.openxmlformats.org/presentationml/2006/main" showMasterSp="0" matchingName="Blank Green Footer">
   <p:cSld name="Blank Green Footer">
     <p:bg>
       <p:bgPr>
         <a:solidFill>
           <a:srgbClr val="FFFFFF"/>
         </a:solidFill>
+        <a:effectLst/>
       </p:bgPr>
     </p:bg>
     <p:spTree>
       <p:nvGrpSpPr>
-        <p:cNvPr id="48" name="Shape 48"/>
+        <p:cNvPr id="1" name="Shape 48"/>
         <p:cNvGrpSpPr/>
         <p:nvPr/>
       </p:nvGrpSpPr>
@@ -2054,7 +2255,9 @@
       <p:sp>
         <p:nvSpPr>
           <p:cNvPr id="49" name="Google Shape;49;p12"/>
-          <p:cNvSpPr txBox="1"/>
+          <p:cNvSpPr txBox="1">
+            <a:spLocks noGrp="1"/>
+          </p:cNvSpPr>
           <p:nvPr>
             <p:ph type="title"/>
           </p:nvPr>
@@ -2073,11 +2276,11 @@
           </a:ln>
         </p:spPr>
         <p:txBody>
-          <a:bodyPr anchorCtr="0" anchor="t" bIns="91425" lIns="91425" spcFirstLastPara="1" rIns="91425" wrap="square" tIns="91425">
+          <a:bodyPr spcFirstLastPara="1" wrap="square" lIns="91425" tIns="91425" rIns="91425" bIns="91425" anchor="t" anchorCtr="0">
             <a:noAutofit/>
           </a:bodyPr>
           <a:lstStyle>
-            <a:lvl1pPr indent="-165100" lvl="0" marL="165100" marR="0" rtl="0" algn="l">
+            <a:lvl1pPr marL="165100" marR="0" lvl="0" indent="-165100" algn="l" rtl="0">
               <a:lnSpc>
                 <a:spcPct val="100000"/>
               </a:lnSpc>
@@ -2093,7 +2296,7 @@
               <a:buSzPts val="1400"/>
               <a:buFont typeface="Google Sans"/>
               <a:buNone/>
-              <a:defRPr i="0" sz="6900" u="none" cap="none" strike="noStrike">
+              <a:defRPr sz="6900" i="0" u="none" strike="noStrike" cap="none">
                 <a:solidFill>
                   <a:srgbClr val="666666"/>
                 </a:solidFill>
@@ -2103,7 +2306,7 @@
                 <a:sym typeface="Google Sans"/>
               </a:defRPr>
             </a:lvl1pPr>
-            <a:lvl2pPr indent="-165100" lvl="1" marL="165100" marR="0" rtl="0" algn="l">
+            <a:lvl2pPr marL="165100" marR="0" lvl="1" indent="-165100" algn="l" rtl="0">
               <a:lnSpc>
                 <a:spcPct val="100000"/>
               </a:lnSpc>
@@ -2119,7 +2322,7 @@
               <a:buSzPts val="1400"/>
               <a:buFont typeface="Google Sans"/>
               <a:buNone/>
-              <a:defRPr i="0" sz="9600" u="none" cap="none" strike="noStrike">
+              <a:defRPr sz="9600" i="0" u="none" strike="noStrike" cap="none">
                 <a:solidFill>
                   <a:srgbClr val="FFFFFF"/>
                 </a:solidFill>
@@ -2129,7 +2332,7 @@
                 <a:sym typeface="Google Sans"/>
               </a:defRPr>
             </a:lvl2pPr>
-            <a:lvl3pPr indent="-165100" lvl="2" marL="165100" marR="0" rtl="0" algn="l">
+            <a:lvl3pPr marL="165100" marR="0" lvl="2" indent="-165100" algn="l" rtl="0">
               <a:lnSpc>
                 <a:spcPct val="100000"/>
               </a:lnSpc>
@@ -2145,7 +2348,7 @@
               <a:buSzPts val="1400"/>
               <a:buFont typeface="Google Sans"/>
               <a:buNone/>
-              <a:defRPr i="0" sz="9600" u="none" cap="none" strike="noStrike">
+              <a:defRPr sz="9600" i="0" u="none" strike="noStrike" cap="none">
                 <a:solidFill>
                   <a:srgbClr val="FFFFFF"/>
                 </a:solidFill>
@@ -2155,7 +2358,7 @@
                 <a:sym typeface="Google Sans"/>
               </a:defRPr>
             </a:lvl3pPr>
-            <a:lvl4pPr indent="-165100" lvl="3" marL="165100" marR="0" rtl="0" algn="l">
+            <a:lvl4pPr marL="165100" marR="0" lvl="3" indent="-165100" algn="l" rtl="0">
               <a:lnSpc>
                 <a:spcPct val="100000"/>
               </a:lnSpc>
@@ -2171,7 +2374,7 @@
               <a:buSzPts val="1400"/>
               <a:buFont typeface="Google Sans"/>
               <a:buNone/>
-              <a:defRPr i="0" sz="9600" u="none" cap="none" strike="noStrike">
+              <a:defRPr sz="9600" i="0" u="none" strike="noStrike" cap="none">
                 <a:solidFill>
                   <a:srgbClr val="FFFFFF"/>
                 </a:solidFill>
@@ -2181,7 +2384,7 @@
                 <a:sym typeface="Google Sans"/>
               </a:defRPr>
             </a:lvl4pPr>
-            <a:lvl5pPr indent="-165100" lvl="4" marL="165100" marR="0" rtl="0" algn="l">
+            <a:lvl5pPr marL="165100" marR="0" lvl="4" indent="-165100" algn="l" rtl="0">
               <a:lnSpc>
                 <a:spcPct val="100000"/>
               </a:lnSpc>
@@ -2197,7 +2400,7 @@
               <a:buSzPts val="1400"/>
               <a:buFont typeface="Google Sans"/>
               <a:buNone/>
-              <a:defRPr i="0" sz="9600" u="none" cap="none" strike="noStrike">
+              <a:defRPr sz="9600" i="0" u="none" strike="noStrike" cap="none">
                 <a:solidFill>
                   <a:srgbClr val="FFFFFF"/>
                 </a:solidFill>
@@ -2207,7 +2410,7 @@
                 <a:sym typeface="Google Sans"/>
               </a:defRPr>
             </a:lvl5pPr>
-            <a:lvl6pPr indent="-165100" lvl="5" marL="165100" marR="0" rtl="0" algn="l">
+            <a:lvl6pPr marL="165100" marR="0" lvl="5" indent="-165100" algn="l" rtl="0">
               <a:lnSpc>
                 <a:spcPct val="100000"/>
               </a:lnSpc>
@@ -2223,7 +2426,7 @@
               <a:buSzPts val="1400"/>
               <a:buFont typeface="Google Sans"/>
               <a:buNone/>
-              <a:defRPr i="0" sz="9600" u="none" cap="none" strike="noStrike">
+              <a:defRPr sz="9600" i="0" u="none" strike="noStrike" cap="none">
                 <a:solidFill>
                   <a:srgbClr val="FFFFFF"/>
                 </a:solidFill>
@@ -2233,7 +2436,7 @@
                 <a:sym typeface="Google Sans"/>
               </a:defRPr>
             </a:lvl6pPr>
-            <a:lvl7pPr indent="-165100" lvl="6" marL="165100" marR="0" rtl="0" algn="l">
+            <a:lvl7pPr marL="165100" marR="0" lvl="6" indent="-165100" algn="l" rtl="0">
               <a:lnSpc>
                 <a:spcPct val="100000"/>
               </a:lnSpc>
@@ -2249,7 +2452,7 @@
               <a:buSzPts val="1400"/>
               <a:buFont typeface="Google Sans"/>
               <a:buNone/>
-              <a:defRPr i="0" sz="9600" u="none" cap="none" strike="noStrike">
+              <a:defRPr sz="9600" i="0" u="none" strike="noStrike" cap="none">
                 <a:solidFill>
                   <a:srgbClr val="FFFFFF"/>
                 </a:solidFill>
@@ -2259,7 +2462,7 @@
                 <a:sym typeface="Google Sans"/>
               </a:defRPr>
             </a:lvl7pPr>
-            <a:lvl8pPr indent="-165100" lvl="7" marL="165100" marR="0" rtl="0" algn="l">
+            <a:lvl8pPr marL="165100" marR="0" lvl="7" indent="-165100" algn="l" rtl="0">
               <a:lnSpc>
                 <a:spcPct val="100000"/>
               </a:lnSpc>
@@ -2275,7 +2478,7 @@
               <a:buSzPts val="1400"/>
               <a:buFont typeface="Google Sans"/>
               <a:buNone/>
-              <a:defRPr i="0" sz="9600" u="none" cap="none" strike="noStrike">
+              <a:defRPr sz="9600" i="0" u="none" strike="noStrike" cap="none">
                 <a:solidFill>
                   <a:srgbClr val="FFFFFF"/>
                 </a:solidFill>
@@ -2285,7 +2488,7 @@
                 <a:sym typeface="Google Sans"/>
               </a:defRPr>
             </a:lvl8pPr>
-            <a:lvl9pPr indent="-165100" lvl="8" marL="165100" marR="0" rtl="0" algn="l">
+            <a:lvl9pPr marL="165100" marR="0" lvl="8" indent="-165100" algn="l" rtl="0">
               <a:lnSpc>
                 <a:spcPct val="100000"/>
               </a:lnSpc>
@@ -2301,7 +2504,7 @@
               <a:buSzPts val="1400"/>
               <a:buFont typeface="Google Sans"/>
               <a:buNone/>
-              <a:defRPr i="0" sz="9600" u="none" cap="none" strike="noStrike">
+              <a:defRPr sz="9600" i="0" u="none" strike="noStrike" cap="none">
                 <a:solidFill>
                   <a:srgbClr val="FFFFFF"/>
                 </a:solidFill>
@@ -2312,7 +2515,9 @@
               </a:defRPr>
             </a:lvl9pPr>
           </a:lstStyle>
-          <a:p/>
+          <a:p>
+            <a:endParaRPr/>
+          </a:p>
         </p:txBody>
       </p:sp>
       <p:sp>
@@ -2335,12 +2540,12 @@
           </a:ln>
         </p:spPr>
         <p:txBody>
-          <a:bodyPr anchorCtr="0" anchor="t" bIns="243800" lIns="243800" spcFirstLastPara="1" rIns="243800" wrap="square" tIns="243800">
+          <a:bodyPr spcFirstLastPara="1" wrap="square" lIns="243800" tIns="243800" rIns="243800" bIns="243800" anchor="t" anchorCtr="0">
             <a:noAutofit/>
           </a:bodyPr>
           <a:lstStyle/>
           <a:p>
-            <a:pPr indent="0" lvl="0" marL="0" marR="0" rtl="0" algn="l">
+            <a:pPr marL="0" marR="0" lvl="0" indent="0" algn="l" rtl="0">
               <a:lnSpc>
                 <a:spcPct val="100000"/>
               </a:lnSpc>
@@ -2357,7 +2562,7 @@
               <a:buNone/>
             </a:pPr>
             <a:r>
-              <a:rPr b="0" i="0" lang="en-US" sz="1600" u="none" cap="none" strike="noStrike">
+              <a:rPr lang="en-US" sz="1600" b="0" i="0" u="none" strike="noStrike" cap="none">
                 <a:solidFill>
                   <a:srgbClr val="D9D9D9"/>
                 </a:solidFill>
@@ -2375,9 +2580,11 @@
       <p:sp>
         <p:nvSpPr>
           <p:cNvPr id="51" name="Google Shape;51;p12"/>
-          <p:cNvSpPr txBox="1"/>
+          <p:cNvSpPr txBox="1">
+            <a:spLocks noGrp="1"/>
+          </p:cNvSpPr>
           <p:nvPr>
-            <p:ph idx="12" type="sldNum"/>
+            <p:ph type="sldNum" idx="12"/>
           </p:nvPr>
         </p:nvSpPr>
         <p:spPr>
@@ -2394,11 +2601,11 @@
           </a:ln>
         </p:spPr>
         <p:txBody>
-          <a:bodyPr anchorCtr="0" anchor="ctr" bIns="243800" lIns="243800" spcFirstLastPara="1" rIns="243800" wrap="square" tIns="243800">
+          <a:bodyPr spcFirstLastPara="1" wrap="square" lIns="243800" tIns="243800" rIns="243800" bIns="243800" anchor="ctr" anchorCtr="0">
             <a:noAutofit/>
           </a:bodyPr>
           <a:lstStyle>
-            <a:lvl1pPr indent="0" lvl="0" marL="0" marR="0" rtl="0" algn="r">
+            <a:lvl1pPr marL="0" marR="0" lvl="0" indent="0" algn="r" rtl="0">
               <a:lnSpc>
                 <a:spcPct val="100000"/>
               </a:lnSpc>
@@ -2413,7 +2620,7 @@
               </a:buClr>
               <a:buFont typeface="Arial"/>
               <a:buNone/>
-              <a:defRPr b="0" i="0" sz="2700" u="none" cap="none" strike="noStrike">
+              <a:defRPr sz="2700" b="0" i="0" u="none" strike="noStrike" cap="none">
                 <a:solidFill>
                   <a:srgbClr val="585858"/>
                 </a:solidFill>
@@ -2423,7 +2630,7 @@
                 <a:sym typeface="Arial"/>
               </a:defRPr>
             </a:lvl1pPr>
-            <a:lvl2pPr indent="0" lvl="1" marL="0" marR="0" rtl="0" algn="r">
+            <a:lvl2pPr marL="0" marR="0" lvl="1" indent="0" algn="r" rtl="0">
               <a:lnSpc>
                 <a:spcPct val="100000"/>
               </a:lnSpc>
@@ -2438,7 +2645,7 @@
               </a:buClr>
               <a:buFont typeface="Arial"/>
               <a:buNone/>
-              <a:defRPr b="0" i="0" sz="2700" u="none" cap="none" strike="noStrike">
+              <a:defRPr sz="2700" b="0" i="0" u="none" strike="noStrike" cap="none">
                 <a:solidFill>
                   <a:srgbClr val="585858"/>
                 </a:solidFill>
@@ -2448,7 +2655,7 @@
                 <a:sym typeface="Arial"/>
               </a:defRPr>
             </a:lvl2pPr>
-            <a:lvl3pPr indent="0" lvl="2" marL="0" marR="0" rtl="0" algn="r">
+            <a:lvl3pPr marL="0" marR="0" lvl="2" indent="0" algn="r" rtl="0">
               <a:lnSpc>
                 <a:spcPct val="100000"/>
               </a:lnSpc>
@@ -2463,7 +2670,7 @@
               </a:buClr>
               <a:buFont typeface="Arial"/>
               <a:buNone/>
-              <a:defRPr b="0" i="0" sz="2700" u="none" cap="none" strike="noStrike">
+              <a:defRPr sz="2700" b="0" i="0" u="none" strike="noStrike" cap="none">
                 <a:solidFill>
                   <a:srgbClr val="585858"/>
                 </a:solidFill>
@@ -2473,7 +2680,7 @@
                 <a:sym typeface="Arial"/>
               </a:defRPr>
             </a:lvl3pPr>
-            <a:lvl4pPr indent="0" lvl="3" marL="0" marR="0" rtl="0" algn="r">
+            <a:lvl4pPr marL="0" marR="0" lvl="3" indent="0" algn="r" rtl="0">
               <a:lnSpc>
                 <a:spcPct val="100000"/>
               </a:lnSpc>
@@ -2488,7 +2695,7 @@
               </a:buClr>
               <a:buFont typeface="Arial"/>
               <a:buNone/>
-              <a:defRPr b="0" i="0" sz="2700" u="none" cap="none" strike="noStrike">
+              <a:defRPr sz="2700" b="0" i="0" u="none" strike="noStrike" cap="none">
                 <a:solidFill>
                   <a:srgbClr val="585858"/>
                 </a:solidFill>
@@ -2498,7 +2705,7 @@
                 <a:sym typeface="Arial"/>
               </a:defRPr>
             </a:lvl4pPr>
-            <a:lvl5pPr indent="0" lvl="4" marL="0" marR="0" rtl="0" algn="r">
+            <a:lvl5pPr marL="0" marR="0" lvl="4" indent="0" algn="r" rtl="0">
               <a:lnSpc>
                 <a:spcPct val="100000"/>
               </a:lnSpc>
@@ -2513,7 +2720,7 @@
               </a:buClr>
               <a:buFont typeface="Arial"/>
               <a:buNone/>
-              <a:defRPr b="0" i="0" sz="2700" u="none" cap="none" strike="noStrike">
+              <a:defRPr sz="2700" b="0" i="0" u="none" strike="noStrike" cap="none">
                 <a:solidFill>
                   <a:srgbClr val="585858"/>
                 </a:solidFill>
@@ -2523,7 +2730,7 @@
                 <a:sym typeface="Arial"/>
               </a:defRPr>
             </a:lvl5pPr>
-            <a:lvl6pPr indent="0" lvl="5" marL="0" marR="0" rtl="0" algn="r">
+            <a:lvl6pPr marL="0" marR="0" lvl="5" indent="0" algn="r" rtl="0">
               <a:lnSpc>
                 <a:spcPct val="100000"/>
               </a:lnSpc>
@@ -2538,7 +2745,7 @@
               </a:buClr>
               <a:buFont typeface="Arial"/>
               <a:buNone/>
-              <a:defRPr b="0" i="0" sz="2700" u="none" cap="none" strike="noStrike">
+              <a:defRPr sz="2700" b="0" i="0" u="none" strike="noStrike" cap="none">
                 <a:solidFill>
                   <a:srgbClr val="585858"/>
                 </a:solidFill>
@@ -2548,7 +2755,7 @@
                 <a:sym typeface="Arial"/>
               </a:defRPr>
             </a:lvl6pPr>
-            <a:lvl7pPr indent="0" lvl="6" marL="0" marR="0" rtl="0" algn="r">
+            <a:lvl7pPr marL="0" marR="0" lvl="6" indent="0" algn="r" rtl="0">
               <a:lnSpc>
                 <a:spcPct val="100000"/>
               </a:lnSpc>
@@ -2563,7 +2770,7 @@
               </a:buClr>
               <a:buFont typeface="Arial"/>
               <a:buNone/>
-              <a:defRPr b="0" i="0" sz="2700" u="none" cap="none" strike="noStrike">
+              <a:defRPr sz="2700" b="0" i="0" u="none" strike="noStrike" cap="none">
                 <a:solidFill>
                   <a:srgbClr val="585858"/>
                 </a:solidFill>
@@ -2573,7 +2780,7 @@
                 <a:sym typeface="Arial"/>
               </a:defRPr>
             </a:lvl7pPr>
-            <a:lvl8pPr indent="0" lvl="7" marL="0" marR="0" rtl="0" algn="r">
+            <a:lvl8pPr marL="0" marR="0" lvl="7" indent="0" algn="r" rtl="0">
               <a:lnSpc>
                 <a:spcPct val="100000"/>
               </a:lnSpc>
@@ -2588,7 +2795,7 @@
               </a:buClr>
               <a:buFont typeface="Arial"/>
               <a:buNone/>
-              <a:defRPr b="0" i="0" sz="2700" u="none" cap="none" strike="noStrike">
+              <a:defRPr sz="2700" b="0" i="0" u="none" strike="noStrike" cap="none">
                 <a:solidFill>
                   <a:srgbClr val="585858"/>
                 </a:solidFill>
@@ -2598,7 +2805,7 @@
                 <a:sym typeface="Arial"/>
               </a:defRPr>
             </a:lvl8pPr>
-            <a:lvl9pPr indent="0" lvl="8" marL="0" marR="0" rtl="0" algn="r">
+            <a:lvl9pPr marL="0" marR="0" lvl="8" indent="0" algn="r" rtl="0">
               <a:lnSpc>
                 <a:spcPct val="100000"/>
               </a:lnSpc>
@@ -2613,7 +2820,7 @@
               </a:buClr>
               <a:buFont typeface="Arial"/>
               <a:buNone/>
-              <a:defRPr b="0" i="0" sz="2700" u="none" cap="none" strike="noStrike">
+              <a:defRPr sz="2700" b="0" i="0" u="none" strike="noStrike" cap="none">
                 <a:solidFill>
                   <a:srgbClr val="585858"/>
                 </a:solidFill>
@@ -2625,7 +2832,7 @@
             </a:lvl9pPr>
           </a:lstStyle>
           <a:p>
-            <a:pPr indent="0" lvl="0" marL="0" rtl="0" algn="r">
+            <a:pPr marL="0" lvl="0" indent="0" algn="r" rtl="0">
               <a:spcBef>
                 <a:spcPts val="0"/>
               </a:spcBef>
@@ -2655,18 +2862,19 @@
 </file>
 
 <file path=ppt/slideLayouts/slideLayout12.xml><?xml version="1.0" encoding="utf-8"?>
-<p:sldLayout xmlns:a="http://schemas.openxmlformats.org/drawingml/2006/main" xmlns:r="http://schemas.openxmlformats.org/officeDocument/2006/relationships" xmlns:mc="http://schemas.openxmlformats.org/markup-compatibility/2006" xmlns:mv="urn:schemas-microsoft-com:mac:vml" xmlns:p="http://schemas.openxmlformats.org/presentationml/2006/main" xmlns:c="http://schemas.openxmlformats.org/drawingml/2006/chart" xmlns:dgm="http://schemas.openxmlformats.org/drawingml/2006/diagram" xmlns:o="urn:schemas-microsoft-com:office:office" xmlns:v="urn:schemas-microsoft-com:vml" xmlns:pvml="urn:schemas-microsoft-com:office:powerpoint" xmlns:com="http://schemas.openxmlformats.org/drawingml/2006/compatibility" xmlns:p14="http://schemas.microsoft.com/office/powerpoint/2010/main" xmlns:p15="http://schemas.microsoft.com/office/powerpoint/2012/main" xmlns:ahyp="http://schemas.microsoft.com/office/drawing/2018/hyperlinkcolor" matchingName="Blank Red Footer" showMasterSp="0">
+<p:sldLayout xmlns:a="http://schemas.openxmlformats.org/drawingml/2006/main" xmlns:r="http://schemas.openxmlformats.org/officeDocument/2006/relationships" xmlns:p="http://schemas.openxmlformats.org/presentationml/2006/main" showMasterSp="0" matchingName="Blank Red Footer">
   <p:cSld name="Blank Red Footer">
     <p:bg>
       <p:bgPr>
         <a:solidFill>
           <a:srgbClr val="FFFFFF"/>
         </a:solidFill>
+        <a:effectLst/>
       </p:bgPr>
     </p:bg>
     <p:spTree>
       <p:nvGrpSpPr>
-        <p:cNvPr id="52" name="Shape 52"/>
+        <p:cNvPr id="1" name="Shape 52"/>
         <p:cNvGrpSpPr/>
         <p:nvPr/>
       </p:nvGrpSpPr>
@@ -2681,7 +2889,9 @@
       <p:sp>
         <p:nvSpPr>
           <p:cNvPr id="53" name="Google Shape;53;p13"/>
-          <p:cNvSpPr txBox="1"/>
+          <p:cNvSpPr txBox="1">
+            <a:spLocks noGrp="1"/>
+          </p:cNvSpPr>
           <p:nvPr>
             <p:ph type="title"/>
           </p:nvPr>
@@ -2700,11 +2910,11 @@
           </a:ln>
         </p:spPr>
         <p:txBody>
-          <a:bodyPr anchorCtr="0" anchor="t" bIns="91425" lIns="91425" spcFirstLastPara="1" rIns="91425" wrap="square" tIns="91425">
+          <a:bodyPr spcFirstLastPara="1" wrap="square" lIns="91425" tIns="91425" rIns="91425" bIns="91425" anchor="t" anchorCtr="0">
             <a:noAutofit/>
           </a:bodyPr>
           <a:lstStyle>
-            <a:lvl1pPr indent="-165100" lvl="0" marL="165100" marR="0" rtl="0" algn="l">
+            <a:lvl1pPr marL="165100" marR="0" lvl="0" indent="-165100" algn="l" rtl="0">
               <a:lnSpc>
                 <a:spcPct val="100000"/>
               </a:lnSpc>
@@ -2720,7 +2930,7 @@
               <a:buSzPts val="1400"/>
               <a:buFont typeface="Google Sans"/>
               <a:buNone/>
-              <a:defRPr i="0" sz="6900" u="none" cap="none" strike="noStrike">
+              <a:defRPr sz="6900" i="0" u="none" strike="noStrike" cap="none">
                 <a:solidFill>
                   <a:srgbClr val="666666"/>
                 </a:solidFill>
@@ -2730,7 +2940,7 @@
                 <a:sym typeface="Google Sans"/>
               </a:defRPr>
             </a:lvl1pPr>
-            <a:lvl2pPr indent="-165100" lvl="1" marL="165100" marR="0" rtl="0" algn="l">
+            <a:lvl2pPr marL="165100" marR="0" lvl="1" indent="-165100" algn="l" rtl="0">
               <a:lnSpc>
                 <a:spcPct val="100000"/>
               </a:lnSpc>
@@ -2746,7 +2956,7 @@
               <a:buSzPts val="1400"/>
               <a:buFont typeface="Google Sans"/>
               <a:buNone/>
-              <a:defRPr i="0" sz="9600" u="none" cap="none" strike="noStrike">
+              <a:defRPr sz="9600" i="0" u="none" strike="noStrike" cap="none">
                 <a:solidFill>
                   <a:srgbClr val="FFFFFF"/>
                 </a:solidFill>
@@ -2756,7 +2966,7 @@
                 <a:sym typeface="Google Sans"/>
               </a:defRPr>
             </a:lvl2pPr>
-            <a:lvl3pPr indent="-165100" lvl="2" marL="165100" marR="0" rtl="0" algn="l">
+            <a:lvl3pPr marL="165100" marR="0" lvl="2" indent="-165100" algn="l" rtl="0">
               <a:lnSpc>
                 <a:spcPct val="100000"/>
               </a:lnSpc>
@@ -2772,7 +2982,7 @@
               <a:buSzPts val="1400"/>
               <a:buFont typeface="Google Sans"/>
               <a:buNone/>
-              <a:defRPr i="0" sz="9600" u="none" cap="none" strike="noStrike">
+              <a:defRPr sz="9600" i="0" u="none" strike="noStrike" cap="none">
                 <a:solidFill>
                   <a:srgbClr val="FFFFFF"/>
                 </a:solidFill>
@@ -2782,7 +2992,7 @@
                 <a:sym typeface="Google Sans"/>
               </a:defRPr>
             </a:lvl3pPr>
-            <a:lvl4pPr indent="-165100" lvl="3" marL="165100" marR="0" rtl="0" algn="l">
+            <a:lvl4pPr marL="165100" marR="0" lvl="3" indent="-165100" algn="l" rtl="0">
               <a:lnSpc>
                 <a:spcPct val="100000"/>
               </a:lnSpc>
@@ -2798,7 +3008,7 @@
               <a:buSzPts val="1400"/>
               <a:buFont typeface="Google Sans"/>
               <a:buNone/>
-              <a:defRPr i="0" sz="9600" u="none" cap="none" strike="noStrike">
+              <a:defRPr sz="9600" i="0" u="none" strike="noStrike" cap="none">
                 <a:solidFill>
                   <a:srgbClr val="FFFFFF"/>
                 </a:solidFill>
@@ -2808,7 +3018,7 @@
                 <a:sym typeface="Google Sans"/>
               </a:defRPr>
             </a:lvl4pPr>
-            <a:lvl5pPr indent="-165100" lvl="4" marL="165100" marR="0" rtl="0" algn="l">
+            <a:lvl5pPr marL="165100" marR="0" lvl="4" indent="-165100" algn="l" rtl="0">
               <a:lnSpc>
                 <a:spcPct val="100000"/>
               </a:lnSpc>
@@ -2824,7 +3034,7 @@
               <a:buSzPts val="1400"/>
               <a:buFont typeface="Google Sans"/>
               <a:buNone/>
-              <a:defRPr i="0" sz="9600" u="none" cap="none" strike="noStrike">
+              <a:defRPr sz="9600" i="0" u="none" strike="noStrike" cap="none">
                 <a:solidFill>
                   <a:srgbClr val="FFFFFF"/>
                 </a:solidFill>
@@ -2834,7 +3044,7 @@
                 <a:sym typeface="Google Sans"/>
               </a:defRPr>
             </a:lvl5pPr>
-            <a:lvl6pPr indent="-165100" lvl="5" marL="165100" marR="0" rtl="0" algn="l">
+            <a:lvl6pPr marL="165100" marR="0" lvl="5" indent="-165100" algn="l" rtl="0">
               <a:lnSpc>
                 <a:spcPct val="100000"/>
               </a:lnSpc>
@@ -2850,7 +3060,7 @@
               <a:buSzPts val="1400"/>
               <a:buFont typeface="Google Sans"/>
               <a:buNone/>
-              <a:defRPr i="0" sz="9600" u="none" cap="none" strike="noStrike">
+              <a:defRPr sz="9600" i="0" u="none" strike="noStrike" cap="none">
                 <a:solidFill>
                   <a:srgbClr val="FFFFFF"/>
                 </a:solidFill>
@@ -2860,7 +3070,7 @@
                 <a:sym typeface="Google Sans"/>
               </a:defRPr>
             </a:lvl6pPr>
-            <a:lvl7pPr indent="-165100" lvl="6" marL="165100" marR="0" rtl="0" algn="l">
+            <a:lvl7pPr marL="165100" marR="0" lvl="6" indent="-165100" algn="l" rtl="0">
               <a:lnSpc>
                 <a:spcPct val="100000"/>
               </a:lnSpc>
@@ -2876,7 +3086,7 @@
               <a:buSzPts val="1400"/>
               <a:buFont typeface="Google Sans"/>
               <a:buNone/>
-              <a:defRPr i="0" sz="9600" u="none" cap="none" strike="noStrike">
+              <a:defRPr sz="9600" i="0" u="none" strike="noStrike" cap="none">
                 <a:solidFill>
                   <a:srgbClr val="FFFFFF"/>
                 </a:solidFill>
@@ -2886,7 +3096,7 @@
                 <a:sym typeface="Google Sans"/>
               </a:defRPr>
             </a:lvl7pPr>
-            <a:lvl8pPr indent="-165100" lvl="7" marL="165100" marR="0" rtl="0" algn="l">
+            <a:lvl8pPr marL="165100" marR="0" lvl="7" indent="-165100" algn="l" rtl="0">
               <a:lnSpc>
                 <a:spcPct val="100000"/>
               </a:lnSpc>
@@ -2902,7 +3112,7 @@
               <a:buSzPts val="1400"/>
               <a:buFont typeface="Google Sans"/>
               <a:buNone/>
-              <a:defRPr i="0" sz="9600" u="none" cap="none" strike="noStrike">
+              <a:defRPr sz="9600" i="0" u="none" strike="noStrike" cap="none">
                 <a:solidFill>
                   <a:srgbClr val="FFFFFF"/>
                 </a:solidFill>
@@ -2912,7 +3122,7 @@
                 <a:sym typeface="Google Sans"/>
               </a:defRPr>
             </a:lvl8pPr>
-            <a:lvl9pPr indent="-165100" lvl="8" marL="165100" marR="0" rtl="0" algn="l">
+            <a:lvl9pPr marL="165100" marR="0" lvl="8" indent="-165100" algn="l" rtl="0">
               <a:lnSpc>
                 <a:spcPct val="100000"/>
               </a:lnSpc>
@@ -2928,7 +3138,7 @@
               <a:buSzPts val="1400"/>
               <a:buFont typeface="Google Sans"/>
               <a:buNone/>
-              <a:defRPr i="0" sz="9600" u="none" cap="none" strike="noStrike">
+              <a:defRPr sz="9600" i="0" u="none" strike="noStrike" cap="none">
                 <a:solidFill>
                   <a:srgbClr val="FFFFFF"/>
                 </a:solidFill>
@@ -2939,7 +3149,9 @@
               </a:defRPr>
             </a:lvl9pPr>
           </a:lstStyle>
-          <a:p/>
+          <a:p>
+            <a:endParaRPr/>
+          </a:p>
         </p:txBody>
       </p:sp>
       <p:sp>
@@ -2962,12 +3174,12 @@
           </a:ln>
         </p:spPr>
         <p:txBody>
-          <a:bodyPr anchorCtr="0" anchor="t" bIns="243800" lIns="243800" spcFirstLastPara="1" rIns="243800" wrap="square" tIns="243800">
+          <a:bodyPr spcFirstLastPara="1" wrap="square" lIns="243800" tIns="243800" rIns="243800" bIns="243800" anchor="t" anchorCtr="0">
             <a:noAutofit/>
           </a:bodyPr>
           <a:lstStyle/>
           <a:p>
-            <a:pPr indent="0" lvl="0" marL="0" marR="0" rtl="0" algn="l">
+            <a:pPr marL="0" marR="0" lvl="0" indent="0" algn="l" rtl="0">
               <a:lnSpc>
                 <a:spcPct val="100000"/>
               </a:lnSpc>
@@ -2984,7 +3196,7 @@
               <a:buNone/>
             </a:pPr>
             <a:r>
-              <a:rPr b="0" i="0" lang="en-US" sz="1600" u="none" cap="none" strike="noStrike">
+              <a:rPr lang="en-US" sz="1600" b="0" i="0" u="none" strike="noStrike" cap="none">
                 <a:solidFill>
                   <a:srgbClr val="D9D9D9"/>
                 </a:solidFill>
@@ -3002,9 +3214,11 @@
       <p:sp>
         <p:nvSpPr>
           <p:cNvPr id="55" name="Google Shape;55;p13"/>
-          <p:cNvSpPr txBox="1"/>
+          <p:cNvSpPr txBox="1">
+            <a:spLocks noGrp="1"/>
+          </p:cNvSpPr>
           <p:nvPr>
-            <p:ph idx="12" type="sldNum"/>
+            <p:ph type="sldNum" idx="12"/>
           </p:nvPr>
         </p:nvSpPr>
         <p:spPr>
@@ -3021,11 +3235,11 @@
           </a:ln>
         </p:spPr>
         <p:txBody>
-          <a:bodyPr anchorCtr="0" anchor="ctr" bIns="243800" lIns="243800" spcFirstLastPara="1" rIns="243800" wrap="square" tIns="243800">
+          <a:bodyPr spcFirstLastPara="1" wrap="square" lIns="243800" tIns="243800" rIns="243800" bIns="243800" anchor="ctr" anchorCtr="0">
             <a:noAutofit/>
           </a:bodyPr>
           <a:lstStyle>
-            <a:lvl1pPr indent="0" lvl="0" marL="0" marR="0" rtl="0" algn="r">
+            <a:lvl1pPr marL="0" marR="0" lvl="0" indent="0" algn="r" rtl="0">
               <a:lnSpc>
                 <a:spcPct val="100000"/>
               </a:lnSpc>
@@ -3040,7 +3254,7 @@
               </a:buClr>
               <a:buFont typeface="Arial"/>
               <a:buNone/>
-              <a:defRPr b="0" i="0" sz="2700" u="none" cap="none" strike="noStrike">
+              <a:defRPr sz="2700" b="0" i="0" u="none" strike="noStrike" cap="none">
                 <a:solidFill>
                   <a:srgbClr val="585858"/>
                 </a:solidFill>
@@ -3050,7 +3264,7 @@
                 <a:sym typeface="Arial"/>
               </a:defRPr>
             </a:lvl1pPr>
-            <a:lvl2pPr indent="0" lvl="1" marL="0" marR="0" rtl="0" algn="r">
+            <a:lvl2pPr marL="0" marR="0" lvl="1" indent="0" algn="r" rtl="0">
               <a:lnSpc>
                 <a:spcPct val="100000"/>
               </a:lnSpc>
@@ -3065,7 +3279,7 @@
               </a:buClr>
               <a:buFont typeface="Arial"/>
               <a:buNone/>
-              <a:defRPr b="0" i="0" sz="2700" u="none" cap="none" strike="noStrike">
+              <a:defRPr sz="2700" b="0" i="0" u="none" strike="noStrike" cap="none">
                 <a:solidFill>
                   <a:srgbClr val="585858"/>
                 </a:solidFill>
@@ -3075,7 +3289,7 @@
                 <a:sym typeface="Arial"/>
               </a:defRPr>
             </a:lvl2pPr>
-            <a:lvl3pPr indent="0" lvl="2" marL="0" marR="0" rtl="0" algn="r">
+            <a:lvl3pPr marL="0" marR="0" lvl="2" indent="0" algn="r" rtl="0">
               <a:lnSpc>
                 <a:spcPct val="100000"/>
               </a:lnSpc>
@@ -3090,7 +3304,7 @@
               </a:buClr>
               <a:buFont typeface="Arial"/>
               <a:buNone/>
-              <a:defRPr b="0" i="0" sz="2700" u="none" cap="none" strike="noStrike">
+              <a:defRPr sz="2700" b="0" i="0" u="none" strike="noStrike" cap="none">
                 <a:solidFill>
                   <a:srgbClr val="585858"/>
                 </a:solidFill>
@@ -3100,7 +3314,7 @@
                 <a:sym typeface="Arial"/>
               </a:defRPr>
             </a:lvl3pPr>
-            <a:lvl4pPr indent="0" lvl="3" marL="0" marR="0" rtl="0" algn="r">
+            <a:lvl4pPr marL="0" marR="0" lvl="3" indent="0" algn="r" rtl="0">
               <a:lnSpc>
                 <a:spcPct val="100000"/>
               </a:lnSpc>
@@ -3115,7 +3329,7 @@
               </a:buClr>
               <a:buFont typeface="Arial"/>
               <a:buNone/>
-              <a:defRPr b="0" i="0" sz="2700" u="none" cap="none" strike="noStrike">
+              <a:defRPr sz="2700" b="0" i="0" u="none" strike="noStrike" cap="none">
                 <a:solidFill>
                   <a:srgbClr val="585858"/>
                 </a:solidFill>
@@ -3125,7 +3339,7 @@
                 <a:sym typeface="Arial"/>
               </a:defRPr>
             </a:lvl4pPr>
-            <a:lvl5pPr indent="0" lvl="4" marL="0" marR="0" rtl="0" algn="r">
+            <a:lvl5pPr marL="0" marR="0" lvl="4" indent="0" algn="r" rtl="0">
               <a:lnSpc>
                 <a:spcPct val="100000"/>
               </a:lnSpc>
@@ -3140,7 +3354,7 @@
               </a:buClr>
               <a:buFont typeface="Arial"/>
               <a:buNone/>
-              <a:defRPr b="0" i="0" sz="2700" u="none" cap="none" strike="noStrike">
+              <a:defRPr sz="2700" b="0" i="0" u="none" strike="noStrike" cap="none">
                 <a:solidFill>
                   <a:srgbClr val="585858"/>
                 </a:solidFill>
@@ -3150,7 +3364,7 @@
                 <a:sym typeface="Arial"/>
               </a:defRPr>
             </a:lvl5pPr>
-            <a:lvl6pPr indent="0" lvl="5" marL="0" marR="0" rtl="0" algn="r">
+            <a:lvl6pPr marL="0" marR="0" lvl="5" indent="0" algn="r" rtl="0">
               <a:lnSpc>
                 <a:spcPct val="100000"/>
               </a:lnSpc>
@@ -3165,7 +3379,7 @@
               </a:buClr>
               <a:buFont typeface="Arial"/>
               <a:buNone/>
-              <a:defRPr b="0" i="0" sz="2700" u="none" cap="none" strike="noStrike">
+              <a:defRPr sz="2700" b="0" i="0" u="none" strike="noStrike" cap="none">
                 <a:solidFill>
                   <a:srgbClr val="585858"/>
                 </a:solidFill>
@@ -3175,7 +3389,7 @@
                 <a:sym typeface="Arial"/>
               </a:defRPr>
             </a:lvl6pPr>
-            <a:lvl7pPr indent="0" lvl="6" marL="0" marR="0" rtl="0" algn="r">
+            <a:lvl7pPr marL="0" marR="0" lvl="6" indent="0" algn="r" rtl="0">
               <a:lnSpc>
                 <a:spcPct val="100000"/>
               </a:lnSpc>
@@ -3190,7 +3404,7 @@
               </a:buClr>
               <a:buFont typeface="Arial"/>
               <a:buNone/>
-              <a:defRPr b="0" i="0" sz="2700" u="none" cap="none" strike="noStrike">
+              <a:defRPr sz="2700" b="0" i="0" u="none" strike="noStrike" cap="none">
                 <a:solidFill>
                   <a:srgbClr val="585858"/>
                 </a:solidFill>
@@ -3200,7 +3414,7 @@
                 <a:sym typeface="Arial"/>
               </a:defRPr>
             </a:lvl7pPr>
-            <a:lvl8pPr indent="0" lvl="7" marL="0" marR="0" rtl="0" algn="r">
+            <a:lvl8pPr marL="0" marR="0" lvl="7" indent="0" algn="r" rtl="0">
               <a:lnSpc>
                 <a:spcPct val="100000"/>
               </a:lnSpc>
@@ -3215,7 +3429,7 @@
               </a:buClr>
               <a:buFont typeface="Arial"/>
               <a:buNone/>
-              <a:defRPr b="0" i="0" sz="2700" u="none" cap="none" strike="noStrike">
+              <a:defRPr sz="2700" b="0" i="0" u="none" strike="noStrike" cap="none">
                 <a:solidFill>
                   <a:srgbClr val="585858"/>
                 </a:solidFill>
@@ -3225,7 +3439,7 @@
                 <a:sym typeface="Arial"/>
               </a:defRPr>
             </a:lvl8pPr>
-            <a:lvl9pPr indent="0" lvl="8" marL="0" marR="0" rtl="0" algn="r">
+            <a:lvl9pPr marL="0" marR="0" lvl="8" indent="0" algn="r" rtl="0">
               <a:lnSpc>
                 <a:spcPct val="100000"/>
               </a:lnSpc>
@@ -3240,7 +3454,7 @@
               </a:buClr>
               <a:buFont typeface="Arial"/>
               <a:buNone/>
-              <a:defRPr b="0" i="0" sz="2700" u="none" cap="none" strike="noStrike">
+              <a:defRPr sz="2700" b="0" i="0" u="none" strike="noStrike" cap="none">
                 <a:solidFill>
                   <a:srgbClr val="585858"/>
                 </a:solidFill>
@@ -3252,7 +3466,7 @@
             </a:lvl9pPr>
           </a:lstStyle>
           <a:p>
-            <a:pPr indent="0" lvl="0" marL="0" rtl="0" algn="r">
+            <a:pPr marL="0" lvl="0" indent="0" algn="r" rtl="0">
               <a:spcBef>
                 <a:spcPts val="0"/>
               </a:spcBef>
@@ -3282,11 +3496,11 @@
 </file>
 
 <file path=ppt/slideLayouts/slideLayout2.xml><?xml version="1.0" encoding="utf-8"?>
-<p:sldLayout xmlns:a="http://schemas.openxmlformats.org/drawingml/2006/main" xmlns:r="http://schemas.openxmlformats.org/officeDocument/2006/relationships" xmlns:mc="http://schemas.openxmlformats.org/markup-compatibility/2006" xmlns:mv="urn:schemas-microsoft-com:mac:vml" xmlns:p="http://schemas.openxmlformats.org/presentationml/2006/main" xmlns:c="http://schemas.openxmlformats.org/drawingml/2006/chart" xmlns:dgm="http://schemas.openxmlformats.org/drawingml/2006/diagram" xmlns:o="urn:schemas-microsoft-com:office:office" xmlns:v="urn:schemas-microsoft-com:vml" xmlns:pvml="urn:schemas-microsoft-com:office:powerpoint" xmlns:com="http://schemas.openxmlformats.org/drawingml/2006/compatibility" xmlns:p14="http://schemas.microsoft.com/office/powerpoint/2010/main" xmlns:p15="http://schemas.microsoft.com/office/powerpoint/2012/main" xmlns:ahyp="http://schemas.microsoft.com/office/drawing/2018/hyperlinkcolor" matchingName="Main Title">
+<p:sldLayout xmlns:a="http://schemas.openxmlformats.org/drawingml/2006/main" xmlns:r="http://schemas.openxmlformats.org/officeDocument/2006/relationships" xmlns:p="http://schemas.openxmlformats.org/presentationml/2006/main" matchingName="Main Title">
   <p:cSld name="(Avoid) Title, Subtitle, Bullets_1_2">
     <p:spTree>
       <p:nvGrpSpPr>
-        <p:cNvPr id="13" name="Shape 13"/>
+        <p:cNvPr id="1" name="Shape 13"/>
         <p:cNvGrpSpPr/>
         <p:nvPr/>
       </p:nvGrpSpPr>
@@ -3329,7 +3543,9 @@
       <p:sp>
         <p:nvSpPr>
           <p:cNvPr id="15" name="Google Shape;15;p3"/>
-          <p:cNvSpPr txBox="1"/>
+          <p:cNvSpPr txBox="1">
+            <a:spLocks noGrp="1"/>
+          </p:cNvSpPr>
           <p:nvPr>
             <p:ph type="title"/>
           </p:nvPr>
@@ -3344,7 +3560,7 @@
           </a:prstGeom>
         </p:spPr>
         <p:txBody>
-          <a:bodyPr anchorCtr="0" anchor="t" bIns="91425" lIns="91425" spcFirstLastPara="1" rIns="91425" wrap="square" tIns="91425">
+          <a:bodyPr spcFirstLastPara="1" wrap="square" lIns="91425" tIns="91425" rIns="91425" bIns="91425" anchor="t" anchorCtr="0">
             <a:noAutofit/>
           </a:bodyPr>
           <a:lstStyle>
@@ -3475,15 +3691,19 @@
               </a:defRPr>
             </a:lvl9pPr>
           </a:lstStyle>
-          <a:p/>
+          <a:p>
+            <a:endParaRPr/>
+          </a:p>
         </p:txBody>
       </p:sp>
       <p:sp>
         <p:nvSpPr>
           <p:cNvPr id="16" name="Google Shape;16;p3"/>
-          <p:cNvSpPr txBox="1"/>
+          <p:cNvSpPr txBox="1">
+            <a:spLocks noGrp="1"/>
+          </p:cNvSpPr>
           <p:nvPr>
-            <p:ph idx="2" type="title"/>
+            <p:ph type="title" idx="2"/>
           </p:nvPr>
         </p:nvSpPr>
         <p:spPr>
@@ -3496,7 +3716,7 @@
           </a:prstGeom>
         </p:spPr>
         <p:txBody>
-          <a:bodyPr anchorCtr="0" anchor="t" bIns="91425" lIns="91425" spcFirstLastPara="1" rIns="91425" wrap="square" tIns="91425">
+          <a:bodyPr spcFirstLastPara="1" wrap="square" lIns="91425" tIns="91425" rIns="91425" bIns="91425" anchor="t" anchorCtr="0">
             <a:noAutofit/>
           </a:bodyPr>
           <a:lstStyle>
@@ -3630,15 +3850,19 @@
               </a:defRPr>
             </a:lvl9pPr>
           </a:lstStyle>
-          <a:p/>
+          <a:p>
+            <a:endParaRPr/>
+          </a:p>
         </p:txBody>
       </p:sp>
       <p:sp>
         <p:nvSpPr>
           <p:cNvPr id="17" name="Google Shape;17;p3"/>
-          <p:cNvSpPr txBox="1"/>
+          <p:cNvSpPr txBox="1">
+            <a:spLocks noGrp="1"/>
+          </p:cNvSpPr>
           <p:nvPr>
-            <p:ph idx="3" type="title"/>
+            <p:ph type="title" idx="3"/>
           </p:nvPr>
         </p:nvSpPr>
         <p:spPr>
@@ -3651,7 +3875,7 @@
           </a:prstGeom>
         </p:spPr>
         <p:txBody>
-          <a:bodyPr anchorCtr="0" anchor="t" bIns="91425" lIns="91425" spcFirstLastPara="1" rIns="91425" wrap="square" tIns="91425">
+          <a:bodyPr spcFirstLastPara="1" wrap="square" lIns="91425" tIns="91425" rIns="91425" bIns="91425" anchor="t" anchorCtr="0">
             <a:noAutofit/>
           </a:bodyPr>
           <a:lstStyle>
@@ -3785,7 +4009,9 @@
               </a:defRPr>
             </a:lvl9pPr>
           </a:lstStyle>
-          <a:p/>
+          <a:p>
+            <a:endParaRPr/>
+          </a:p>
         </p:txBody>
       </p:sp>
     </p:spTree>
@@ -3797,11 +4023,11 @@
 </file>
 
 <file path=ppt/slideLayouts/slideLayout3.xml><?xml version="1.0" encoding="utf-8"?>
-<p:sldLayout xmlns:a="http://schemas.openxmlformats.org/drawingml/2006/main" xmlns:r="http://schemas.openxmlformats.org/officeDocument/2006/relationships" xmlns:mc="http://schemas.openxmlformats.org/markup-compatibility/2006" xmlns:mv="urn:schemas-microsoft-com:mac:vml" xmlns:p="http://schemas.openxmlformats.org/presentationml/2006/main" xmlns:c="http://schemas.openxmlformats.org/drawingml/2006/chart" xmlns:dgm="http://schemas.openxmlformats.org/drawingml/2006/diagram" xmlns:o="urn:schemas-microsoft-com:office:office" xmlns:v="urn:schemas-microsoft-com:vml" xmlns:pvml="urn:schemas-microsoft-com:office:powerpoint" xmlns:com="http://schemas.openxmlformats.org/drawingml/2006/compatibility" xmlns:p14="http://schemas.microsoft.com/office/powerpoint/2010/main" xmlns:p15="http://schemas.microsoft.com/office/powerpoint/2012/main" xmlns:ahyp="http://schemas.microsoft.com/office/drawing/2018/hyperlinkcolor" matchingName="Thank You!">
+<p:sldLayout xmlns:a="http://schemas.openxmlformats.org/drawingml/2006/main" xmlns:r="http://schemas.openxmlformats.org/officeDocument/2006/relationships" xmlns:p="http://schemas.openxmlformats.org/presentationml/2006/main" matchingName="Thank You!">
   <p:cSld name="(Avoid) Title, Subtitle, Bullets_1_2_2">
     <p:spTree>
       <p:nvGrpSpPr>
-        <p:cNvPr id="18" name="Shape 18"/>
+        <p:cNvPr id="1" name="Shape 18"/>
         <p:cNvGrpSpPr/>
         <p:nvPr/>
       </p:nvGrpSpPr>
@@ -3844,7 +4070,9 @@
       <p:sp>
         <p:nvSpPr>
           <p:cNvPr id="20" name="Google Shape;20;p4"/>
-          <p:cNvSpPr txBox="1"/>
+          <p:cNvSpPr txBox="1">
+            <a:spLocks noGrp="1"/>
+          </p:cNvSpPr>
           <p:nvPr>
             <p:ph type="title"/>
           </p:nvPr>
@@ -3859,7 +4087,7 @@
           </a:prstGeom>
         </p:spPr>
         <p:txBody>
-          <a:bodyPr anchorCtr="0" anchor="t" bIns="91425" lIns="91425" spcFirstLastPara="1" rIns="91425" wrap="square" tIns="91425">
+          <a:bodyPr spcFirstLastPara="1" wrap="square" lIns="91425" tIns="91425" rIns="91425" bIns="91425" anchor="t" anchorCtr="0">
             <a:noAutofit/>
           </a:bodyPr>
           <a:lstStyle>
@@ -3990,15 +4218,19 @@
               </a:defRPr>
             </a:lvl9pPr>
           </a:lstStyle>
-          <a:p/>
+          <a:p>
+            <a:endParaRPr/>
+          </a:p>
         </p:txBody>
       </p:sp>
       <p:sp>
         <p:nvSpPr>
           <p:cNvPr id="21" name="Google Shape;21;p4"/>
-          <p:cNvSpPr txBox="1"/>
+          <p:cNvSpPr txBox="1">
+            <a:spLocks noGrp="1"/>
+          </p:cNvSpPr>
           <p:nvPr>
-            <p:ph idx="2" type="title"/>
+            <p:ph type="title" idx="2"/>
           </p:nvPr>
         </p:nvSpPr>
         <p:spPr>
@@ -4011,7 +4243,7 @@
           </a:prstGeom>
         </p:spPr>
         <p:txBody>
-          <a:bodyPr anchorCtr="0" anchor="t" bIns="91425" lIns="91425" spcFirstLastPara="1" rIns="91425" wrap="square" tIns="91425">
+          <a:bodyPr spcFirstLastPara="1" wrap="square" lIns="91425" tIns="91425" rIns="91425" bIns="91425" anchor="t" anchorCtr="0">
             <a:noAutofit/>
           </a:bodyPr>
           <a:lstStyle>
@@ -4145,7 +4377,9 @@
               </a:defRPr>
             </a:lvl9pPr>
           </a:lstStyle>
-          <a:p/>
+          <a:p>
+            <a:endParaRPr/>
+          </a:p>
         </p:txBody>
       </p:sp>
     </p:spTree>
@@ -4157,11 +4391,11 @@
 </file>
 
 <file path=ppt/slideLayouts/slideLayout4.xml><?xml version="1.0" encoding="utf-8"?>
-<p:sldLayout xmlns:a="http://schemas.openxmlformats.org/drawingml/2006/main" xmlns:r="http://schemas.openxmlformats.org/officeDocument/2006/relationships" xmlns:mc="http://schemas.openxmlformats.org/markup-compatibility/2006" xmlns:mv="urn:schemas-microsoft-com:mac:vml" xmlns:p="http://schemas.openxmlformats.org/presentationml/2006/main" xmlns:c="http://schemas.openxmlformats.org/drawingml/2006/chart" xmlns:dgm="http://schemas.openxmlformats.org/drawingml/2006/diagram" xmlns:o="urn:schemas-microsoft-com:office:office" xmlns:v="urn:schemas-microsoft-com:vml" xmlns:pvml="urn:schemas-microsoft-com:office:powerpoint" xmlns:com="http://schemas.openxmlformats.org/drawingml/2006/compatibility" xmlns:p14="http://schemas.microsoft.com/office/powerpoint/2010/main" xmlns:p15="http://schemas.microsoft.com/office/powerpoint/2012/main" xmlns:ahyp="http://schemas.microsoft.com/office/drawing/2018/hyperlinkcolor" matchingName="Segue">
+<p:sldLayout xmlns:a="http://schemas.openxmlformats.org/drawingml/2006/main" xmlns:r="http://schemas.openxmlformats.org/officeDocument/2006/relationships" xmlns:p="http://schemas.openxmlformats.org/presentationml/2006/main" matchingName="Segue">
   <p:cSld name="(Avoid) Title, Subtitle, Bullets_1_2_1">
     <p:spTree>
       <p:nvGrpSpPr>
-        <p:cNvPr id="22" name="Shape 22"/>
+        <p:cNvPr id="1" name="Shape 22"/>
         <p:cNvGrpSpPr/>
         <p:nvPr/>
       </p:nvGrpSpPr>
@@ -4204,7 +4438,9 @@
       <p:sp>
         <p:nvSpPr>
           <p:cNvPr id="24" name="Google Shape;24;p5"/>
-          <p:cNvSpPr txBox="1"/>
+          <p:cNvSpPr txBox="1">
+            <a:spLocks noGrp="1"/>
+          </p:cNvSpPr>
           <p:nvPr>
             <p:ph type="title"/>
           </p:nvPr>
@@ -4219,7 +4455,7 @@
           </a:prstGeom>
         </p:spPr>
         <p:txBody>
-          <a:bodyPr anchorCtr="0" anchor="t" bIns="91425" lIns="91425" spcFirstLastPara="1" rIns="91425" wrap="square" tIns="91425">
+          <a:bodyPr spcFirstLastPara="1" wrap="square" lIns="91425" tIns="91425" rIns="91425" bIns="91425" anchor="t" anchorCtr="0">
             <a:noAutofit/>
           </a:bodyPr>
           <a:lstStyle>
@@ -4350,15 +4586,19 @@
               </a:defRPr>
             </a:lvl9pPr>
           </a:lstStyle>
-          <a:p/>
+          <a:p>
+            <a:endParaRPr/>
+          </a:p>
         </p:txBody>
       </p:sp>
       <p:sp>
         <p:nvSpPr>
           <p:cNvPr id="25" name="Google Shape;25;p5"/>
-          <p:cNvSpPr txBox="1"/>
+          <p:cNvSpPr txBox="1">
+            <a:spLocks noGrp="1"/>
+          </p:cNvSpPr>
           <p:nvPr>
-            <p:ph idx="2" type="title"/>
+            <p:ph type="title" idx="2"/>
           </p:nvPr>
         </p:nvSpPr>
         <p:spPr>
@@ -4371,7 +4611,7 @@
           </a:prstGeom>
         </p:spPr>
         <p:txBody>
-          <a:bodyPr anchorCtr="0" anchor="t" bIns="91425" lIns="91425" spcFirstLastPara="1" rIns="91425" wrap="square" tIns="91425">
+          <a:bodyPr spcFirstLastPara="1" wrap="square" lIns="91425" tIns="91425" rIns="91425" bIns="91425" anchor="t" anchorCtr="0">
             <a:noAutofit/>
           </a:bodyPr>
           <a:lstStyle>
@@ -4505,7 +4745,9 @@
               </a:defRPr>
             </a:lvl9pPr>
           </a:lstStyle>
-          <a:p/>
+          <a:p>
+            <a:endParaRPr/>
+          </a:p>
         </p:txBody>
       </p:sp>
     </p:spTree>
@@ -4517,11 +4759,11 @@
 </file>
 
 <file path=ppt/slideLayouts/slideLayout5.xml><?xml version="1.0" encoding="utf-8"?>
-<p:sldLayout xmlns:a="http://schemas.openxmlformats.org/drawingml/2006/main" xmlns:r="http://schemas.openxmlformats.org/officeDocument/2006/relationships" xmlns:mc="http://schemas.openxmlformats.org/markup-compatibility/2006" xmlns:mv="urn:schemas-microsoft-com:mac:vml" xmlns:p="http://schemas.openxmlformats.org/presentationml/2006/main" xmlns:c="http://schemas.openxmlformats.org/drawingml/2006/chart" xmlns:dgm="http://schemas.openxmlformats.org/drawingml/2006/diagram" xmlns:o="urn:schemas-microsoft-com:office:office" xmlns:v="urn:schemas-microsoft-com:vml" xmlns:pvml="urn:schemas-microsoft-com:office:powerpoint" xmlns:com="http://schemas.openxmlformats.org/drawingml/2006/compatibility" xmlns:p14="http://schemas.microsoft.com/office/powerpoint/2010/main" xmlns:p15="http://schemas.microsoft.com/office/powerpoint/2012/main" xmlns:ahyp="http://schemas.microsoft.com/office/drawing/2018/hyperlinkcolor" matchingName="Headline, Subhead, 2-Col Bullets">
+<p:sldLayout xmlns:a="http://schemas.openxmlformats.org/drawingml/2006/main" xmlns:r="http://schemas.openxmlformats.org/officeDocument/2006/relationships" xmlns:p="http://schemas.openxmlformats.org/presentationml/2006/main" matchingName="Headline, Subhead, 2-Col Bullets">
   <p:cSld name="(Avoid) Title, Subtitle, Bullets_1_1">
     <p:spTree>
       <p:nvGrpSpPr>
-        <p:cNvPr id="26" name="Shape 26"/>
+        <p:cNvPr id="1" name="Shape 26"/>
         <p:cNvGrpSpPr/>
         <p:nvPr/>
       </p:nvGrpSpPr>
@@ -4564,7 +4806,9 @@
       <p:sp>
         <p:nvSpPr>
           <p:cNvPr id="28" name="Google Shape;28;p6"/>
-          <p:cNvSpPr txBox="1"/>
+          <p:cNvSpPr txBox="1">
+            <a:spLocks noGrp="1"/>
+          </p:cNvSpPr>
           <p:nvPr>
             <p:ph type="title"/>
           </p:nvPr>
@@ -4579,7 +4823,7 @@
           </a:prstGeom>
         </p:spPr>
         <p:txBody>
-          <a:bodyPr anchorCtr="0" anchor="t" bIns="91425" lIns="91425" spcFirstLastPara="1" rIns="91425" wrap="square" tIns="91425">
+          <a:bodyPr spcFirstLastPara="1" wrap="square" lIns="91425" tIns="91425" rIns="91425" bIns="91425" anchor="t" anchorCtr="0">
             <a:noAutofit/>
           </a:bodyPr>
           <a:lstStyle>
@@ -4710,15 +4954,19 @@
               </a:defRPr>
             </a:lvl9pPr>
           </a:lstStyle>
-          <a:p/>
+          <a:p>
+            <a:endParaRPr/>
+          </a:p>
         </p:txBody>
       </p:sp>
       <p:sp>
         <p:nvSpPr>
           <p:cNvPr id="29" name="Google Shape;29;p6"/>
-          <p:cNvSpPr txBox="1"/>
+          <p:cNvSpPr txBox="1">
+            <a:spLocks noGrp="1"/>
+          </p:cNvSpPr>
           <p:nvPr>
-            <p:ph idx="2" type="title"/>
+            <p:ph type="title" idx="2"/>
           </p:nvPr>
         </p:nvSpPr>
         <p:spPr>
@@ -4731,7 +4979,7 @@
           </a:prstGeom>
         </p:spPr>
         <p:txBody>
-          <a:bodyPr anchorCtr="0" anchor="t" bIns="91425" lIns="91425" spcFirstLastPara="1" rIns="91425" wrap="square" tIns="91425">
+          <a:bodyPr spcFirstLastPara="1" wrap="square" lIns="91425" tIns="91425" rIns="91425" bIns="91425" anchor="t" anchorCtr="0">
             <a:noAutofit/>
           </a:bodyPr>
           <a:lstStyle>
@@ -4862,15 +5110,19 @@
               </a:defRPr>
             </a:lvl9pPr>
           </a:lstStyle>
-          <a:p/>
+          <a:p>
+            <a:endParaRPr/>
+          </a:p>
         </p:txBody>
       </p:sp>
       <p:sp>
         <p:nvSpPr>
           <p:cNvPr id="30" name="Google Shape;30;p6"/>
-          <p:cNvSpPr txBox="1"/>
+          <p:cNvSpPr txBox="1">
+            <a:spLocks noGrp="1"/>
+          </p:cNvSpPr>
           <p:nvPr>
-            <p:ph idx="1" type="body"/>
+            <p:ph type="body" idx="1"/>
           </p:nvPr>
         </p:nvSpPr>
         <p:spPr>
@@ -4883,11 +5135,11 @@
           </a:prstGeom>
         </p:spPr>
         <p:txBody>
-          <a:bodyPr anchorCtr="0" anchor="t" bIns="91425" lIns="91425" spcFirstLastPara="1" rIns="91425" wrap="square" tIns="91425">
+          <a:bodyPr spcFirstLastPara="1" wrap="square" lIns="91425" tIns="91425" rIns="91425" bIns="91425" anchor="t" anchorCtr="0">
             <a:noAutofit/>
           </a:bodyPr>
           <a:lstStyle>
-            <a:lvl1pPr indent="-482600" lvl="0" marL="457200" rtl="0">
+            <a:lvl1pPr marL="457200" lvl="0" indent="-482600" rtl="0">
               <a:spcBef>
                 <a:spcPts val="0"/>
               </a:spcBef>
@@ -4905,7 +5157,7 @@
                 </a:solidFill>
               </a:defRPr>
             </a:lvl1pPr>
-            <a:lvl2pPr indent="-482600" lvl="1" marL="914400" rtl="0">
+            <a:lvl2pPr marL="914400" lvl="1" indent="-482600" rtl="0">
               <a:spcBef>
                 <a:spcPts val="0"/>
               </a:spcBef>
@@ -4923,7 +5175,7 @@
                 </a:solidFill>
               </a:defRPr>
             </a:lvl2pPr>
-            <a:lvl3pPr indent="-482600" lvl="2" marL="1371600" rtl="0">
+            <a:lvl3pPr marL="1371600" lvl="2" indent="-482600" rtl="0">
               <a:spcBef>
                 <a:spcPts val="0"/>
               </a:spcBef>
@@ -4941,7 +5193,7 @@
                 </a:solidFill>
               </a:defRPr>
             </a:lvl3pPr>
-            <a:lvl4pPr indent="-482600" lvl="3" marL="1828800" rtl="0">
+            <a:lvl4pPr marL="1828800" lvl="3" indent="-482600" rtl="0">
               <a:spcBef>
                 <a:spcPts val="0"/>
               </a:spcBef>
@@ -4959,7 +5211,7 @@
                 </a:solidFill>
               </a:defRPr>
             </a:lvl4pPr>
-            <a:lvl5pPr indent="-482600" lvl="4" marL="2286000" rtl="0">
+            <a:lvl5pPr marL="2286000" lvl="4" indent="-482600" rtl="0">
               <a:spcBef>
                 <a:spcPts val="0"/>
               </a:spcBef>
@@ -4977,7 +5229,7 @@
                 </a:solidFill>
               </a:defRPr>
             </a:lvl5pPr>
-            <a:lvl6pPr indent="-482600" lvl="5" marL="2743200" rtl="0">
+            <a:lvl6pPr marL="2743200" lvl="5" indent="-482600" rtl="0">
               <a:spcBef>
                 <a:spcPts val="0"/>
               </a:spcBef>
@@ -4995,7 +5247,7 @@
                 </a:solidFill>
               </a:defRPr>
             </a:lvl6pPr>
-            <a:lvl7pPr indent="-482600" lvl="6" marL="3200400" rtl="0">
+            <a:lvl7pPr marL="3200400" lvl="6" indent="-482600" rtl="0">
               <a:spcBef>
                 <a:spcPts val="0"/>
               </a:spcBef>
@@ -5013,7 +5265,7 @@
                 </a:solidFill>
               </a:defRPr>
             </a:lvl7pPr>
-            <a:lvl8pPr indent="-482600" lvl="7" marL="3657600" rtl="0">
+            <a:lvl8pPr marL="3657600" lvl="7" indent="-482600" rtl="0">
               <a:spcBef>
                 <a:spcPts val="0"/>
               </a:spcBef>
@@ -5031,7 +5283,7 @@
                 </a:solidFill>
               </a:defRPr>
             </a:lvl8pPr>
-            <a:lvl9pPr indent="-482600" lvl="8" marL="4114800" rtl="0">
+            <a:lvl9pPr marL="4114800" lvl="8" indent="-482600" rtl="0">
               <a:spcBef>
                 <a:spcPts val="0"/>
               </a:spcBef>
@@ -5050,15 +5302,19 @@
               </a:defRPr>
             </a:lvl9pPr>
           </a:lstStyle>
-          <a:p/>
+          <a:p>
+            <a:endParaRPr/>
+          </a:p>
         </p:txBody>
       </p:sp>
       <p:sp>
         <p:nvSpPr>
           <p:cNvPr id="31" name="Google Shape;31;p6"/>
-          <p:cNvSpPr txBox="1"/>
+          <p:cNvSpPr txBox="1">
+            <a:spLocks noGrp="1"/>
+          </p:cNvSpPr>
           <p:nvPr>
-            <p:ph idx="3" type="body"/>
+            <p:ph type="body" idx="3"/>
           </p:nvPr>
         </p:nvSpPr>
         <p:spPr>
@@ -5071,11 +5327,11 @@
           </a:prstGeom>
         </p:spPr>
         <p:txBody>
-          <a:bodyPr anchorCtr="0" anchor="t" bIns="91425" lIns="91425" spcFirstLastPara="1" rIns="91425" wrap="square" tIns="91425">
+          <a:bodyPr spcFirstLastPara="1" wrap="square" lIns="91425" tIns="91425" rIns="91425" bIns="91425" anchor="t" anchorCtr="0">
             <a:noAutofit/>
           </a:bodyPr>
           <a:lstStyle>
-            <a:lvl1pPr indent="-482600" lvl="0" marL="457200" rtl="0">
+            <a:lvl1pPr marL="457200" lvl="0" indent="-482600" rtl="0">
               <a:spcBef>
                 <a:spcPts val="0"/>
               </a:spcBef>
@@ -5093,7 +5349,7 @@
                 </a:solidFill>
               </a:defRPr>
             </a:lvl1pPr>
-            <a:lvl2pPr indent="-482600" lvl="1" marL="914400" rtl="0">
+            <a:lvl2pPr marL="914400" lvl="1" indent="-482600" rtl="0">
               <a:spcBef>
                 <a:spcPts val="0"/>
               </a:spcBef>
@@ -5111,7 +5367,7 @@
                 </a:solidFill>
               </a:defRPr>
             </a:lvl2pPr>
-            <a:lvl3pPr indent="-482600" lvl="2" marL="1371600" rtl="0">
+            <a:lvl3pPr marL="1371600" lvl="2" indent="-482600" rtl="0">
               <a:spcBef>
                 <a:spcPts val="0"/>
               </a:spcBef>
@@ -5129,7 +5385,7 @@
                 </a:solidFill>
               </a:defRPr>
             </a:lvl3pPr>
-            <a:lvl4pPr indent="-482600" lvl="3" marL="1828800" rtl="0">
+            <a:lvl4pPr marL="1828800" lvl="3" indent="-482600" rtl="0">
               <a:spcBef>
                 <a:spcPts val="0"/>
               </a:spcBef>
@@ -5147,7 +5403,7 @@
                 </a:solidFill>
               </a:defRPr>
             </a:lvl4pPr>
-            <a:lvl5pPr indent="-482600" lvl="4" marL="2286000" rtl="0">
+            <a:lvl5pPr marL="2286000" lvl="4" indent="-482600" rtl="0">
               <a:spcBef>
                 <a:spcPts val="0"/>
               </a:spcBef>
@@ -5165,7 +5421,7 @@
                 </a:solidFill>
               </a:defRPr>
             </a:lvl5pPr>
-            <a:lvl6pPr indent="-482600" lvl="5" marL="2743200" rtl="0">
+            <a:lvl6pPr marL="2743200" lvl="5" indent="-482600" rtl="0">
               <a:spcBef>
                 <a:spcPts val="0"/>
               </a:spcBef>
@@ -5183,7 +5439,7 @@
                 </a:solidFill>
               </a:defRPr>
             </a:lvl6pPr>
-            <a:lvl7pPr indent="-482600" lvl="6" marL="3200400" rtl="0">
+            <a:lvl7pPr marL="3200400" lvl="6" indent="-482600" rtl="0">
               <a:spcBef>
                 <a:spcPts val="0"/>
               </a:spcBef>
@@ -5201,7 +5457,7 @@
                 </a:solidFill>
               </a:defRPr>
             </a:lvl7pPr>
-            <a:lvl8pPr indent="-482600" lvl="7" marL="3657600" rtl="0">
+            <a:lvl8pPr marL="3657600" lvl="7" indent="-482600" rtl="0">
               <a:spcBef>
                 <a:spcPts val="0"/>
               </a:spcBef>
@@ -5219,7 +5475,7 @@
                 </a:solidFill>
               </a:defRPr>
             </a:lvl8pPr>
-            <a:lvl9pPr indent="-482600" lvl="8" marL="4114800" rtl="0">
+            <a:lvl9pPr marL="4114800" lvl="8" indent="-482600" rtl="0">
               <a:spcBef>
                 <a:spcPts val="0"/>
               </a:spcBef>
@@ -5238,7 +5494,9 @@
               </a:defRPr>
             </a:lvl9pPr>
           </a:lstStyle>
-          <a:p/>
+          <a:p>
+            <a:endParaRPr/>
+          </a:p>
         </p:txBody>
       </p:sp>
     </p:spTree>
@@ -5250,11 +5508,11 @@
 </file>
 
 <file path=ppt/slideLayouts/slideLayout6.xml><?xml version="1.0" encoding="utf-8"?>
-<p:sldLayout xmlns:a="http://schemas.openxmlformats.org/drawingml/2006/main" xmlns:r="http://schemas.openxmlformats.org/officeDocument/2006/relationships" xmlns:mc="http://schemas.openxmlformats.org/markup-compatibility/2006" xmlns:mv="urn:schemas-microsoft-com:mac:vml" xmlns:p="http://schemas.openxmlformats.org/presentationml/2006/main" xmlns:c="http://schemas.openxmlformats.org/drawingml/2006/chart" xmlns:dgm="http://schemas.openxmlformats.org/drawingml/2006/diagram" xmlns:o="urn:schemas-microsoft-com:office:office" xmlns:v="urn:schemas-microsoft-com:vml" xmlns:pvml="urn:schemas-microsoft-com:office:powerpoint" xmlns:com="http://schemas.openxmlformats.org/drawingml/2006/compatibility" xmlns:p14="http://schemas.microsoft.com/office/powerpoint/2010/main" xmlns:p15="http://schemas.microsoft.com/office/powerpoint/2012/main" xmlns:ahyp="http://schemas.microsoft.com/office/drawing/2018/hyperlinkcolor" matchingName="Quote - Light">
+<p:sldLayout xmlns:a="http://schemas.openxmlformats.org/drawingml/2006/main" xmlns:r="http://schemas.openxmlformats.org/officeDocument/2006/relationships" xmlns:p="http://schemas.openxmlformats.org/presentationml/2006/main" matchingName="Quote - Light">
   <p:cSld name="(Avoid) Title, Subtitle, Bullets_1_1_1">
     <p:spTree>
       <p:nvGrpSpPr>
-        <p:cNvPr id="32" name="Shape 32"/>
+        <p:cNvPr id="1" name="Shape 32"/>
         <p:cNvGrpSpPr/>
         <p:nvPr/>
       </p:nvGrpSpPr>
@@ -5297,7 +5555,9 @@
       <p:sp>
         <p:nvSpPr>
           <p:cNvPr id="34" name="Google Shape;34;p7"/>
-          <p:cNvSpPr txBox="1"/>
+          <p:cNvSpPr txBox="1">
+            <a:spLocks noGrp="1"/>
+          </p:cNvSpPr>
           <p:nvPr>
             <p:ph type="title"/>
           </p:nvPr>
@@ -5312,7 +5572,7 @@
           </a:prstGeom>
         </p:spPr>
         <p:txBody>
-          <a:bodyPr anchorCtr="0" anchor="t" bIns="91425" lIns="91425" spcFirstLastPara="1" rIns="91425" wrap="square" tIns="91425">
+          <a:bodyPr spcFirstLastPara="1" wrap="square" lIns="91425" tIns="91425" rIns="91425" bIns="91425" anchor="t" anchorCtr="0">
             <a:noAutofit/>
           </a:bodyPr>
           <a:lstStyle>
@@ -5443,15 +5703,19 @@
               </a:defRPr>
             </a:lvl9pPr>
           </a:lstStyle>
-          <a:p/>
+          <a:p>
+            <a:endParaRPr/>
+          </a:p>
         </p:txBody>
       </p:sp>
       <p:sp>
         <p:nvSpPr>
           <p:cNvPr id="35" name="Google Shape;35;p7"/>
-          <p:cNvSpPr txBox="1"/>
+          <p:cNvSpPr txBox="1">
+            <a:spLocks noGrp="1"/>
+          </p:cNvSpPr>
           <p:nvPr>
-            <p:ph idx="2" type="title"/>
+            <p:ph type="title" idx="2"/>
           </p:nvPr>
         </p:nvSpPr>
         <p:spPr>
@@ -5464,7 +5728,7 @@
           </a:prstGeom>
         </p:spPr>
         <p:txBody>
-          <a:bodyPr anchorCtr="0" anchor="t" bIns="91425" lIns="91425" spcFirstLastPara="1" rIns="91425" wrap="square" tIns="91425">
+          <a:bodyPr spcFirstLastPara="1" wrap="square" lIns="91425" tIns="91425" rIns="91425" bIns="91425" anchor="t" anchorCtr="0">
             <a:noAutofit/>
           </a:bodyPr>
           <a:lstStyle>
@@ -5598,7 +5862,9 @@
               </a:defRPr>
             </a:lvl9pPr>
           </a:lstStyle>
-          <a:p/>
+          <a:p>
+            <a:endParaRPr/>
+          </a:p>
         </p:txBody>
       </p:sp>
     </p:spTree>
@@ -5610,11 +5876,11 @@
 </file>
 
 <file path=ppt/slideLayouts/slideLayout7.xml><?xml version="1.0" encoding="utf-8"?>
-<p:sldLayout xmlns:a="http://schemas.openxmlformats.org/drawingml/2006/main" xmlns:r="http://schemas.openxmlformats.org/officeDocument/2006/relationships" xmlns:mc="http://schemas.openxmlformats.org/markup-compatibility/2006" xmlns:mv="urn:schemas-microsoft-com:mac:vml" xmlns:p="http://schemas.openxmlformats.org/presentationml/2006/main" xmlns:c="http://schemas.openxmlformats.org/drawingml/2006/chart" xmlns:dgm="http://schemas.openxmlformats.org/drawingml/2006/diagram" xmlns:o="urn:schemas-microsoft-com:office:office" xmlns:v="urn:schemas-microsoft-com:vml" xmlns:pvml="urn:schemas-microsoft-com:office:powerpoint" xmlns:com="http://schemas.openxmlformats.org/drawingml/2006/compatibility" xmlns:p14="http://schemas.microsoft.com/office/powerpoint/2010/main" xmlns:p15="http://schemas.microsoft.com/office/powerpoint/2012/main" xmlns:ahyp="http://schemas.microsoft.com/office/drawing/2018/hyperlinkcolor" matchingName="Half Text, Half Photo">
+<p:sldLayout xmlns:a="http://schemas.openxmlformats.org/drawingml/2006/main" xmlns:r="http://schemas.openxmlformats.org/officeDocument/2006/relationships" xmlns:p="http://schemas.openxmlformats.org/presentationml/2006/main" matchingName="Half Text, Half Photo">
   <p:cSld name="(Avoid) Title, Subtitle, Bullets_1_1_1_2">
     <p:spTree>
       <p:nvGrpSpPr>
-        <p:cNvPr id="36" name="Shape 36"/>
+        <p:cNvPr id="1" name="Shape 36"/>
         <p:cNvGrpSpPr/>
         <p:nvPr/>
       </p:nvGrpSpPr>
@@ -5657,7 +5923,9 @@
       <p:sp>
         <p:nvSpPr>
           <p:cNvPr id="38" name="Google Shape;38;p8"/>
-          <p:cNvSpPr txBox="1"/>
+          <p:cNvSpPr txBox="1">
+            <a:spLocks noGrp="1"/>
+          </p:cNvSpPr>
           <p:nvPr>
             <p:ph type="title"/>
           </p:nvPr>
@@ -5672,7 +5940,7 @@
           </a:prstGeom>
         </p:spPr>
         <p:txBody>
-          <a:bodyPr anchorCtr="0" anchor="t" bIns="91425" lIns="91425" spcFirstLastPara="1" rIns="91425" wrap="square" tIns="91425">
+          <a:bodyPr spcFirstLastPara="1" wrap="square" lIns="91425" tIns="91425" rIns="91425" bIns="91425" anchor="t" anchorCtr="0">
             <a:noAutofit/>
           </a:bodyPr>
           <a:lstStyle>
@@ -5803,15 +6071,19 @@
               </a:defRPr>
             </a:lvl9pPr>
           </a:lstStyle>
-          <a:p/>
+          <a:p>
+            <a:endParaRPr/>
+          </a:p>
         </p:txBody>
       </p:sp>
       <p:sp>
         <p:nvSpPr>
           <p:cNvPr id="39" name="Google Shape;39;p8"/>
-          <p:cNvSpPr txBox="1"/>
+          <p:cNvSpPr txBox="1">
+            <a:spLocks noGrp="1"/>
+          </p:cNvSpPr>
           <p:nvPr>
-            <p:ph idx="2" type="title"/>
+            <p:ph type="title" idx="2"/>
           </p:nvPr>
         </p:nvSpPr>
         <p:spPr>
@@ -5824,7 +6096,7 @@
           </a:prstGeom>
         </p:spPr>
         <p:txBody>
-          <a:bodyPr anchorCtr="0" anchor="t" bIns="91425" lIns="91425" spcFirstLastPara="1" rIns="91425" wrap="square" tIns="91425">
+          <a:bodyPr spcFirstLastPara="1" wrap="square" lIns="91425" tIns="91425" rIns="91425" bIns="91425" anchor="t" anchorCtr="0">
             <a:noAutofit/>
           </a:bodyPr>
           <a:lstStyle>
@@ -5958,15 +6230,19 @@
               </a:defRPr>
             </a:lvl9pPr>
           </a:lstStyle>
-          <a:p/>
+          <a:p>
+            <a:endParaRPr/>
+          </a:p>
         </p:txBody>
       </p:sp>
       <p:sp>
         <p:nvSpPr>
           <p:cNvPr id="40" name="Google Shape;40;p8"/>
-          <p:cNvSpPr txBox="1"/>
+          <p:cNvSpPr txBox="1">
+            <a:spLocks noGrp="1"/>
+          </p:cNvSpPr>
           <p:nvPr>
-            <p:ph idx="3" type="title"/>
+            <p:ph type="title" idx="3"/>
           </p:nvPr>
         </p:nvSpPr>
         <p:spPr>
@@ -5979,7 +6255,7 @@
           </a:prstGeom>
         </p:spPr>
         <p:txBody>
-          <a:bodyPr anchorCtr="0" anchor="t" bIns="91425" lIns="91425" spcFirstLastPara="1" rIns="91425" wrap="square" tIns="91425">
+          <a:bodyPr spcFirstLastPara="1" wrap="square" lIns="91425" tIns="91425" rIns="91425" bIns="91425" anchor="t" anchorCtr="0">
             <a:noAutofit/>
           </a:bodyPr>
           <a:lstStyle>
@@ -6113,7 +6389,9 @@
               </a:defRPr>
             </a:lvl9pPr>
           </a:lstStyle>
-          <a:p/>
+          <a:p>
+            <a:endParaRPr/>
+          </a:p>
         </p:txBody>
       </p:sp>
     </p:spTree>
@@ -6125,11 +6403,11 @@
 </file>
 
 <file path=ppt/slideLayouts/slideLayout8.xml><?xml version="1.0" encoding="utf-8"?>
-<p:sldLayout xmlns:a="http://schemas.openxmlformats.org/drawingml/2006/main" xmlns:r="http://schemas.openxmlformats.org/officeDocument/2006/relationships" xmlns:mc="http://schemas.openxmlformats.org/markup-compatibility/2006" xmlns:mv="urn:schemas-microsoft-com:mac:vml" xmlns:p="http://schemas.openxmlformats.org/presentationml/2006/main" xmlns:c="http://schemas.openxmlformats.org/drawingml/2006/chart" xmlns:dgm="http://schemas.openxmlformats.org/drawingml/2006/diagram" xmlns:o="urn:schemas-microsoft-com:office:office" xmlns:v="urn:schemas-microsoft-com:vml" xmlns:pvml="urn:schemas-microsoft-com:office:powerpoint" xmlns:com="http://schemas.openxmlformats.org/drawingml/2006/compatibility" xmlns:p14="http://schemas.microsoft.com/office/powerpoint/2010/main" xmlns:p15="http://schemas.microsoft.com/office/powerpoint/2012/main" xmlns:ahyp="http://schemas.microsoft.com/office/drawing/2018/hyperlinkcolor" matchingName="Quote - Dark">
+<p:sldLayout xmlns:a="http://schemas.openxmlformats.org/drawingml/2006/main" xmlns:r="http://schemas.openxmlformats.org/officeDocument/2006/relationships" xmlns:p="http://schemas.openxmlformats.org/presentationml/2006/main" matchingName="Quote - Dark">
   <p:cSld name="(Avoid) Title, Subtitle, Bullets_1_1_1_1">
     <p:spTree>
       <p:nvGrpSpPr>
-        <p:cNvPr id="41" name="Shape 41"/>
+        <p:cNvPr id="1" name="Shape 41"/>
         <p:cNvGrpSpPr/>
         <p:nvPr/>
       </p:nvGrpSpPr>
@@ -6172,7 +6450,9 @@
       <p:sp>
         <p:nvSpPr>
           <p:cNvPr id="43" name="Google Shape;43;p9"/>
-          <p:cNvSpPr txBox="1"/>
+          <p:cNvSpPr txBox="1">
+            <a:spLocks noGrp="1"/>
+          </p:cNvSpPr>
           <p:nvPr>
             <p:ph type="title"/>
           </p:nvPr>
@@ -6187,7 +6467,7 @@
           </a:prstGeom>
         </p:spPr>
         <p:txBody>
-          <a:bodyPr anchorCtr="0" anchor="t" bIns="91425" lIns="91425" spcFirstLastPara="1" rIns="91425" wrap="square" tIns="91425">
+          <a:bodyPr spcFirstLastPara="1" wrap="square" lIns="91425" tIns="91425" rIns="91425" bIns="91425" anchor="t" anchorCtr="0">
             <a:noAutofit/>
           </a:bodyPr>
           <a:lstStyle>
@@ -6318,15 +6598,19 @@
               </a:defRPr>
             </a:lvl9pPr>
           </a:lstStyle>
-          <a:p/>
+          <a:p>
+            <a:endParaRPr/>
+          </a:p>
         </p:txBody>
       </p:sp>
       <p:sp>
         <p:nvSpPr>
           <p:cNvPr id="44" name="Google Shape;44;p9"/>
-          <p:cNvSpPr txBox="1"/>
+          <p:cNvSpPr txBox="1">
+            <a:spLocks noGrp="1"/>
+          </p:cNvSpPr>
           <p:nvPr>
-            <p:ph idx="2" type="title"/>
+            <p:ph type="title" idx="2"/>
           </p:nvPr>
         </p:nvSpPr>
         <p:spPr>
@@ -6339,7 +6623,7 @@
           </a:prstGeom>
         </p:spPr>
         <p:txBody>
-          <a:bodyPr anchorCtr="0" anchor="t" bIns="91425" lIns="91425" spcFirstLastPara="1" rIns="91425" wrap="square" tIns="91425">
+          <a:bodyPr spcFirstLastPara="1" wrap="square" lIns="91425" tIns="91425" rIns="91425" bIns="91425" anchor="t" anchorCtr="0">
             <a:noAutofit/>
           </a:bodyPr>
           <a:lstStyle>
@@ -6473,7 +6757,9 @@
               </a:defRPr>
             </a:lvl9pPr>
           </a:lstStyle>
-          <a:p/>
+          <a:p>
+            <a:endParaRPr/>
+          </a:p>
         </p:txBody>
       </p:sp>
     </p:spTree>
@@ -6485,11 +6771,11 @@
 </file>
 
 <file path=ppt/slideLayouts/slideLayout9.xml><?xml version="1.0" encoding="utf-8"?>
-<p:sldLayout xmlns:a="http://schemas.openxmlformats.org/drawingml/2006/main" xmlns:r="http://schemas.openxmlformats.org/officeDocument/2006/relationships" xmlns:mc="http://schemas.openxmlformats.org/markup-compatibility/2006" xmlns:mv="urn:schemas-microsoft-com:mac:vml" xmlns:p="http://schemas.openxmlformats.org/presentationml/2006/main" xmlns:c="http://schemas.openxmlformats.org/drawingml/2006/chart" xmlns:dgm="http://schemas.openxmlformats.org/drawingml/2006/diagram" xmlns:o="urn:schemas-microsoft-com:office:office" xmlns:v="urn:schemas-microsoft-com:vml" xmlns:pvml="urn:schemas-microsoft-com:office:powerpoint" xmlns:com="http://schemas.openxmlformats.org/drawingml/2006/compatibility" xmlns:p14="http://schemas.microsoft.com/office/powerpoint/2010/main" xmlns:p15="http://schemas.microsoft.com/office/powerpoint/2012/main" xmlns:ahyp="http://schemas.microsoft.com/office/drawing/2018/hyperlinkcolor" matchingName="Blank - White">
+<p:sldLayout xmlns:a="http://schemas.openxmlformats.org/drawingml/2006/main" xmlns:r="http://schemas.openxmlformats.org/officeDocument/2006/relationships" xmlns:p="http://schemas.openxmlformats.org/presentationml/2006/main" matchingName="Blank - White">
   <p:cSld name="(Avoid) Title, Subtitle, Bullets_1_1_1_1_1">
     <p:spTree>
       <p:nvGrpSpPr>
-        <p:cNvPr id="45" name="Shape 45"/>
+        <p:cNvPr id="1" name="Shape 45"/>
         <p:cNvGrpSpPr/>
         <p:nvPr/>
       </p:nvGrpSpPr>
@@ -6510,18 +6796,19 @@
 </file>
 
 <file path=ppt/slideMasters/slideMaster1.xml><?xml version="1.0" encoding="utf-8"?>
-<p:sldMaster xmlns:a="http://schemas.openxmlformats.org/drawingml/2006/main" xmlns:r="http://schemas.openxmlformats.org/officeDocument/2006/relationships" xmlns:mc="http://schemas.openxmlformats.org/markup-compatibility/2006" xmlns:mv="urn:schemas-microsoft-com:mac:vml" xmlns:p="http://schemas.openxmlformats.org/presentationml/2006/main" xmlns:c="http://schemas.openxmlformats.org/drawingml/2006/chart" xmlns:dgm="http://schemas.openxmlformats.org/drawingml/2006/diagram" xmlns:o="urn:schemas-microsoft-com:office:office" xmlns:v="urn:schemas-microsoft-com:vml" xmlns:pvml="urn:schemas-microsoft-com:office:powerpoint" xmlns:com="http://schemas.openxmlformats.org/drawingml/2006/compatibility" xmlns:p14="http://schemas.microsoft.com/office/powerpoint/2010/main" xmlns:p15="http://schemas.microsoft.com/office/powerpoint/2012/main" xmlns:ahyp="http://schemas.microsoft.com/office/drawing/2018/hyperlinkcolor">
+<p:sldMaster xmlns:a="http://schemas.openxmlformats.org/drawingml/2006/main" xmlns:r="http://schemas.openxmlformats.org/officeDocument/2006/relationships" xmlns:p="http://schemas.openxmlformats.org/presentationml/2006/main">
   <p:cSld>
     <p:bg>
       <p:bgPr>
         <a:solidFill>
           <a:srgbClr val="FFFFFF"/>
         </a:solidFill>
+        <a:effectLst/>
       </p:bgPr>
     </p:bg>
     <p:spTree>
       <p:nvGrpSpPr>
-        <p:cNvPr id="5" name="Shape 5"/>
+        <p:cNvPr id="1" name="Shape 5"/>
         <p:cNvGrpSpPr/>
         <p:nvPr/>
       </p:nvGrpSpPr>
@@ -6536,7 +6823,9 @@
       <p:sp>
         <p:nvSpPr>
           <p:cNvPr id="6" name="Google Shape;6;p1"/>
-          <p:cNvSpPr txBox="1"/>
+          <p:cNvSpPr txBox="1">
+            <a:spLocks noGrp="1"/>
+          </p:cNvSpPr>
           <p:nvPr>
             <p:ph type="title"/>
           </p:nvPr>
@@ -6555,7 +6844,7 @@
           </a:ln>
         </p:spPr>
         <p:txBody>
-          <a:bodyPr anchorCtr="0" anchor="t" bIns="91425" lIns="91425" spcFirstLastPara="1" rIns="91425" wrap="square" tIns="91425">
+          <a:bodyPr spcFirstLastPara="1" wrap="square" lIns="91425" tIns="91425" rIns="91425" bIns="91425" anchor="t" anchorCtr="0">
             <a:noAutofit/>
           </a:bodyPr>
           <a:lstStyle>
@@ -6749,15 +7038,19 @@
               </a:defRPr>
             </a:lvl9pPr>
           </a:lstStyle>
-          <a:p/>
+          <a:p>
+            <a:endParaRPr/>
+          </a:p>
         </p:txBody>
       </p:sp>
       <p:sp>
         <p:nvSpPr>
           <p:cNvPr id="7" name="Google Shape;7;p1"/>
-          <p:cNvSpPr txBox="1"/>
+          <p:cNvSpPr txBox="1">
+            <a:spLocks noGrp="1"/>
+          </p:cNvSpPr>
           <p:nvPr>
-            <p:ph idx="1" type="body"/>
+            <p:ph type="body" idx="1"/>
           </p:nvPr>
         </p:nvSpPr>
         <p:spPr>
@@ -6774,11 +7067,11 @@
           </a:ln>
         </p:spPr>
         <p:txBody>
-          <a:bodyPr anchorCtr="0" anchor="t" bIns="91425" lIns="91425" spcFirstLastPara="1" rIns="91425" wrap="square" tIns="91425">
+          <a:bodyPr spcFirstLastPara="1" wrap="square" lIns="91425" tIns="91425" rIns="91425" bIns="91425" anchor="t" anchorCtr="0">
             <a:noAutofit/>
           </a:bodyPr>
           <a:lstStyle>
-            <a:lvl1pPr indent="-482600" lvl="0" marL="457200" rtl="0">
+            <a:lvl1pPr marL="457200" lvl="0" indent="-482600" rtl="0">
               <a:lnSpc>
                 <a:spcPct val="125000"/>
               </a:lnSpc>
@@ -6804,7 +7097,7 @@
                 <a:sym typeface="Google Sans"/>
               </a:defRPr>
             </a:lvl1pPr>
-            <a:lvl2pPr indent="-482600" lvl="1" marL="914400" rtl="0">
+            <a:lvl2pPr marL="914400" lvl="1" indent="-482600" rtl="0">
               <a:lnSpc>
                 <a:spcPct val="125000"/>
               </a:lnSpc>
@@ -6830,7 +7123,7 @@
                 <a:sym typeface="Google Sans"/>
               </a:defRPr>
             </a:lvl2pPr>
-            <a:lvl3pPr indent="-482600" lvl="2" marL="1371600" rtl="0">
+            <a:lvl3pPr marL="1371600" lvl="2" indent="-482600" rtl="0">
               <a:lnSpc>
                 <a:spcPct val="125000"/>
               </a:lnSpc>
@@ -6856,7 +7149,7 @@
                 <a:sym typeface="Google Sans"/>
               </a:defRPr>
             </a:lvl3pPr>
-            <a:lvl4pPr indent="-482600" lvl="3" marL="1828800" rtl="0">
+            <a:lvl4pPr marL="1828800" lvl="3" indent="-482600" rtl="0">
               <a:lnSpc>
                 <a:spcPct val="125000"/>
               </a:lnSpc>
@@ -6882,7 +7175,7 @@
                 <a:sym typeface="Google Sans"/>
               </a:defRPr>
             </a:lvl4pPr>
-            <a:lvl5pPr indent="-482600" lvl="4" marL="2286000" rtl="0">
+            <a:lvl5pPr marL="2286000" lvl="4" indent="-482600" rtl="0">
               <a:lnSpc>
                 <a:spcPct val="125000"/>
               </a:lnSpc>
@@ -6908,7 +7201,7 @@
                 <a:sym typeface="Google Sans"/>
               </a:defRPr>
             </a:lvl5pPr>
-            <a:lvl6pPr indent="-482600" lvl="5" marL="2743200" rtl="0">
+            <a:lvl6pPr marL="2743200" lvl="5" indent="-482600" rtl="0">
               <a:lnSpc>
                 <a:spcPct val="125000"/>
               </a:lnSpc>
@@ -6934,7 +7227,7 @@
                 <a:sym typeface="Google Sans"/>
               </a:defRPr>
             </a:lvl6pPr>
-            <a:lvl7pPr indent="-482600" lvl="6" marL="3200400" rtl="0">
+            <a:lvl7pPr marL="3200400" lvl="6" indent="-482600" rtl="0">
               <a:lnSpc>
                 <a:spcPct val="125000"/>
               </a:lnSpc>
@@ -6960,7 +7253,7 @@
                 <a:sym typeface="Google Sans"/>
               </a:defRPr>
             </a:lvl7pPr>
-            <a:lvl8pPr indent="-482600" lvl="7" marL="3657600" rtl="0">
+            <a:lvl8pPr marL="3657600" lvl="7" indent="-482600" rtl="0">
               <a:lnSpc>
                 <a:spcPct val="125000"/>
               </a:lnSpc>
@@ -6986,7 +7279,7 @@
                 <a:sym typeface="Google Sans"/>
               </a:defRPr>
             </a:lvl8pPr>
-            <a:lvl9pPr indent="-482600" lvl="8" marL="4114800" rtl="0">
+            <a:lvl9pPr marL="4114800" lvl="8" indent="-482600" rtl="0">
               <a:lnSpc>
                 <a:spcPct val="125000"/>
               </a:lnSpc>
@@ -7013,12 +7306,14 @@
               </a:defRPr>
             </a:lvl9pPr>
           </a:lstStyle>
-          <a:p/>
+          <a:p>
+            <a:endParaRPr/>
+          </a:p>
         </p:txBody>
       </p:sp>
     </p:spTree>
   </p:cSld>
-  <p:clrMap accent1="accent1" accent2="accent2" accent3="accent3" accent4="accent4" accent5="accent5" accent6="accent6" bg1="lt1" bg2="dk2" tx1="dk1" tx2="lt2" folHlink="folHlink" hlink="hlink"/>
+  <p:clrMap bg1="lt1" tx1="dk1" bg2="dk2" tx2="lt2" accent1="accent1" accent2="accent2" accent3="accent3" accent4="accent4" accent5="accent5" accent6="accent6" hlink="hlink" folHlink="folHlink"/>
   <p:sldLayoutIdLst>
     <p:sldLayoutId id="2147483648" r:id="rId1"/>
     <p:sldLayoutId id="2147483649" r:id="rId2"/>
@@ -7033,22 +7328,22 @@
     <p:sldLayoutId id="2147483658" r:id="rId11"/>
     <p:sldLayoutId id="2147483659" r:id="rId12"/>
   </p:sldLayoutIdLst>
-  <mc:AlternateContent>
+  <mc:AlternateContent xmlns:mc="http://schemas.openxmlformats.org/markup-compatibility/2006" xmlns:p14="http://schemas.microsoft.com/office/powerpoint/2010/main">
     <mc:Choice Requires="p14">
-      <p:transition spd="slow" p14:dur="1000">
+      <p:transition spd="slow">
         <p:fade thruBlk="1"/>
       </p:transition>
     </mc:Choice>
-    <mc:Fallback>
+    <mc:Fallback xmlns:ahyp="http://schemas.microsoft.com/office/drawing/2018/hyperlinkcolor" xmlns:p15="http://schemas.microsoft.com/office/powerpoint/2012/main" xmlns:com="http://schemas.openxmlformats.org/drawingml/2006/compatibility" xmlns:pvml="urn:schemas-microsoft-com:office:powerpoint" xmlns:v="urn:schemas-microsoft-com:vml" xmlns:o="urn:schemas-microsoft-com:office:office" xmlns:dgm="http://schemas.openxmlformats.org/drawingml/2006/diagram" xmlns:c="http://schemas.openxmlformats.org/drawingml/2006/chart" xmlns:mv="urn:schemas-microsoft-com:mac:vml" xmlns="">
       <p:transition spd="slow">
         <p:fade/>
       </p:transition>
     </mc:Fallback>
   </mc:AlternateContent>
-  <p:hf dt="0" ftr="0" hdr="0" sldNum="0"/>
+  <p:hf sldNum="0" hdr="0" ftr="0" dt="0"/>
   <p:txStyles>
     <p:titleStyle>
-      <a:defPPr lvl="0" marR="0" rtl="0" algn="l">
+      <a:defPPr marR="0" lvl="0" algn="l" rtl="0">
         <a:lnSpc>
           <a:spcPct val="100000"/>
         </a:lnSpc>
@@ -7059,7 +7354,7 @@
           <a:spcPts val="0"/>
         </a:spcAft>
       </a:defPPr>
-      <a:lvl1pPr lvl="0" marR="0" rtl="0" algn="l">
+      <a:lvl1pPr marR="0" lvl="0" algn="l" rtl="0">
         <a:lnSpc>
           <a:spcPct val="100000"/>
         </a:lnSpc>
@@ -7073,7 +7368,7 @@
           <a:srgbClr val="000000"/>
         </a:buClr>
         <a:buFont typeface="Arial"/>
-        <a:defRPr b="0" i="0" sz="1400" u="none" cap="none" strike="noStrike">
+        <a:defRPr sz="1400" b="0" i="0" u="none" strike="noStrike" cap="none">
           <a:solidFill>
             <a:srgbClr val="000000"/>
           </a:solidFill>
@@ -7083,7 +7378,7 @@
           <a:sym typeface="Arial"/>
         </a:defRPr>
       </a:lvl1pPr>
-      <a:lvl2pPr lvl="1" marR="0" rtl="0" algn="l">
+      <a:lvl2pPr marR="0" lvl="1" algn="l" rtl="0">
         <a:lnSpc>
           <a:spcPct val="100000"/>
         </a:lnSpc>
@@ -7097,7 +7392,7 @@
           <a:srgbClr val="000000"/>
         </a:buClr>
         <a:buFont typeface="Arial"/>
-        <a:defRPr b="0" i="0" sz="1400" u="none" cap="none" strike="noStrike">
+        <a:defRPr sz="1400" b="0" i="0" u="none" strike="noStrike" cap="none">
           <a:solidFill>
             <a:srgbClr val="000000"/>
           </a:solidFill>
@@ -7107,7 +7402,7 @@
           <a:sym typeface="Arial"/>
         </a:defRPr>
       </a:lvl2pPr>
-      <a:lvl3pPr lvl="2" marR="0" rtl="0" algn="l">
+      <a:lvl3pPr marR="0" lvl="2" algn="l" rtl="0">
         <a:lnSpc>
           <a:spcPct val="100000"/>
         </a:lnSpc>
@@ -7121,7 +7416,7 @@
           <a:srgbClr val="000000"/>
         </a:buClr>
         <a:buFont typeface="Arial"/>
-        <a:defRPr b="0" i="0" sz="1400" u="none" cap="none" strike="noStrike">
+        <a:defRPr sz="1400" b="0" i="0" u="none" strike="noStrike" cap="none">
           <a:solidFill>
             <a:srgbClr val="000000"/>
           </a:solidFill>
@@ -7131,7 +7426,7 @@
           <a:sym typeface="Arial"/>
         </a:defRPr>
       </a:lvl3pPr>
-      <a:lvl4pPr lvl="3" marR="0" rtl="0" algn="l">
+      <a:lvl4pPr marR="0" lvl="3" algn="l" rtl="0">
         <a:lnSpc>
           <a:spcPct val="100000"/>
         </a:lnSpc>
@@ -7145,7 +7440,7 @@
           <a:srgbClr val="000000"/>
         </a:buClr>
         <a:buFont typeface="Arial"/>
-        <a:defRPr b="0" i="0" sz="1400" u="none" cap="none" strike="noStrike">
+        <a:defRPr sz="1400" b="0" i="0" u="none" strike="noStrike" cap="none">
           <a:solidFill>
             <a:srgbClr val="000000"/>
           </a:solidFill>
@@ -7155,7 +7450,7 @@
           <a:sym typeface="Arial"/>
         </a:defRPr>
       </a:lvl4pPr>
-      <a:lvl5pPr lvl="4" marR="0" rtl="0" algn="l">
+      <a:lvl5pPr marR="0" lvl="4" algn="l" rtl="0">
         <a:lnSpc>
           <a:spcPct val="100000"/>
         </a:lnSpc>
@@ -7169,7 +7464,7 @@
           <a:srgbClr val="000000"/>
         </a:buClr>
         <a:buFont typeface="Arial"/>
-        <a:defRPr b="0" i="0" sz="1400" u="none" cap="none" strike="noStrike">
+        <a:defRPr sz="1400" b="0" i="0" u="none" strike="noStrike" cap="none">
           <a:solidFill>
             <a:srgbClr val="000000"/>
           </a:solidFill>
@@ -7179,7 +7474,7 @@
           <a:sym typeface="Arial"/>
         </a:defRPr>
       </a:lvl5pPr>
-      <a:lvl6pPr lvl="5" marR="0" rtl="0" algn="l">
+      <a:lvl6pPr marR="0" lvl="5" algn="l" rtl="0">
         <a:lnSpc>
           <a:spcPct val="100000"/>
         </a:lnSpc>
@@ -7193,7 +7488,7 @@
           <a:srgbClr val="000000"/>
         </a:buClr>
         <a:buFont typeface="Arial"/>
-        <a:defRPr b="0" i="0" sz="1400" u="none" cap="none" strike="noStrike">
+        <a:defRPr sz="1400" b="0" i="0" u="none" strike="noStrike" cap="none">
           <a:solidFill>
             <a:srgbClr val="000000"/>
           </a:solidFill>
@@ -7203,7 +7498,7 @@
           <a:sym typeface="Arial"/>
         </a:defRPr>
       </a:lvl6pPr>
-      <a:lvl7pPr lvl="6" marR="0" rtl="0" algn="l">
+      <a:lvl7pPr marR="0" lvl="6" algn="l" rtl="0">
         <a:lnSpc>
           <a:spcPct val="100000"/>
         </a:lnSpc>
@@ -7217,7 +7512,7 @@
           <a:srgbClr val="000000"/>
         </a:buClr>
         <a:buFont typeface="Arial"/>
-        <a:defRPr b="0" i="0" sz="1400" u="none" cap="none" strike="noStrike">
+        <a:defRPr sz="1400" b="0" i="0" u="none" strike="noStrike" cap="none">
           <a:solidFill>
             <a:srgbClr val="000000"/>
           </a:solidFill>
@@ -7227,7 +7522,7 @@
           <a:sym typeface="Arial"/>
         </a:defRPr>
       </a:lvl7pPr>
-      <a:lvl8pPr lvl="7" marR="0" rtl="0" algn="l">
+      <a:lvl8pPr marR="0" lvl="7" algn="l" rtl="0">
         <a:lnSpc>
           <a:spcPct val="100000"/>
         </a:lnSpc>
@@ -7241,7 +7536,7 @@
           <a:srgbClr val="000000"/>
         </a:buClr>
         <a:buFont typeface="Arial"/>
-        <a:defRPr b="0" i="0" sz="1400" u="none" cap="none" strike="noStrike">
+        <a:defRPr sz="1400" b="0" i="0" u="none" strike="noStrike" cap="none">
           <a:solidFill>
             <a:srgbClr val="000000"/>
           </a:solidFill>
@@ -7251,7 +7546,7 @@
           <a:sym typeface="Arial"/>
         </a:defRPr>
       </a:lvl8pPr>
-      <a:lvl9pPr lvl="8" marR="0" rtl="0" algn="l">
+      <a:lvl9pPr marR="0" lvl="8" algn="l" rtl="0">
         <a:lnSpc>
           <a:spcPct val="100000"/>
         </a:lnSpc>
@@ -7265,7 +7560,7 @@
           <a:srgbClr val="000000"/>
         </a:buClr>
         <a:buFont typeface="Arial"/>
-        <a:defRPr b="0" i="0" sz="1400" u="none" cap="none" strike="noStrike">
+        <a:defRPr sz="1400" b="0" i="0" u="none" strike="noStrike" cap="none">
           <a:solidFill>
             <a:srgbClr val="000000"/>
           </a:solidFill>
@@ -7277,7 +7572,7 @@
       </a:lvl9pPr>
     </p:titleStyle>
     <p:bodyStyle>
-      <a:defPPr lvl="0" marR="0" rtl="0" algn="l">
+      <a:defPPr marR="0" lvl="0" algn="l" rtl="0">
         <a:lnSpc>
           <a:spcPct val="100000"/>
         </a:lnSpc>
@@ -7288,7 +7583,7 @@
           <a:spcPts val="0"/>
         </a:spcAft>
       </a:defPPr>
-      <a:lvl1pPr lvl="0" marR="0" rtl="0" algn="l">
+      <a:lvl1pPr marR="0" lvl="0" algn="l" rtl="0">
         <a:lnSpc>
           <a:spcPct val="100000"/>
         </a:lnSpc>
@@ -7302,7 +7597,7 @@
           <a:srgbClr val="000000"/>
         </a:buClr>
         <a:buFont typeface="Arial"/>
-        <a:defRPr b="0" i="0" sz="1400" u="none" cap="none" strike="noStrike">
+        <a:defRPr sz="1400" b="0" i="0" u="none" strike="noStrike" cap="none">
           <a:solidFill>
             <a:srgbClr val="000000"/>
           </a:solidFill>
@@ -7312,7 +7607,7 @@
           <a:sym typeface="Arial"/>
         </a:defRPr>
       </a:lvl1pPr>
-      <a:lvl2pPr lvl="1" marR="0" rtl="0" algn="l">
+      <a:lvl2pPr marR="0" lvl="1" algn="l" rtl="0">
         <a:lnSpc>
           <a:spcPct val="100000"/>
         </a:lnSpc>
@@ -7326,7 +7621,7 @@
           <a:srgbClr val="000000"/>
         </a:buClr>
         <a:buFont typeface="Arial"/>
-        <a:defRPr b="0" i="0" sz="1400" u="none" cap="none" strike="noStrike">
+        <a:defRPr sz="1400" b="0" i="0" u="none" strike="noStrike" cap="none">
           <a:solidFill>
             <a:srgbClr val="000000"/>
           </a:solidFill>
@@ -7336,7 +7631,7 @@
           <a:sym typeface="Arial"/>
         </a:defRPr>
       </a:lvl2pPr>
-      <a:lvl3pPr lvl="2" marR="0" rtl="0" algn="l">
+      <a:lvl3pPr marR="0" lvl="2" algn="l" rtl="0">
         <a:lnSpc>
           <a:spcPct val="100000"/>
         </a:lnSpc>
@@ -7350,7 +7645,7 @@
           <a:srgbClr val="000000"/>
         </a:buClr>
         <a:buFont typeface="Arial"/>
-        <a:defRPr b="0" i="0" sz="1400" u="none" cap="none" strike="noStrike">
+        <a:defRPr sz="1400" b="0" i="0" u="none" strike="noStrike" cap="none">
           <a:solidFill>
             <a:srgbClr val="000000"/>
           </a:solidFill>
@@ -7360,7 +7655,7 @@
           <a:sym typeface="Arial"/>
         </a:defRPr>
       </a:lvl3pPr>
-      <a:lvl4pPr lvl="3" marR="0" rtl="0" algn="l">
+      <a:lvl4pPr marR="0" lvl="3" algn="l" rtl="0">
         <a:lnSpc>
           <a:spcPct val="100000"/>
         </a:lnSpc>
@@ -7374,7 +7669,7 @@
           <a:srgbClr val="000000"/>
         </a:buClr>
         <a:buFont typeface="Arial"/>
-        <a:defRPr b="0" i="0" sz="1400" u="none" cap="none" strike="noStrike">
+        <a:defRPr sz="1400" b="0" i="0" u="none" strike="noStrike" cap="none">
           <a:solidFill>
             <a:srgbClr val="000000"/>
           </a:solidFill>
@@ -7384,7 +7679,7 @@
           <a:sym typeface="Arial"/>
         </a:defRPr>
       </a:lvl4pPr>
-      <a:lvl5pPr lvl="4" marR="0" rtl="0" algn="l">
+      <a:lvl5pPr marR="0" lvl="4" algn="l" rtl="0">
         <a:lnSpc>
           <a:spcPct val="100000"/>
         </a:lnSpc>
@@ -7398,7 +7693,7 @@
           <a:srgbClr val="000000"/>
         </a:buClr>
         <a:buFont typeface="Arial"/>
-        <a:defRPr b="0" i="0" sz="1400" u="none" cap="none" strike="noStrike">
+        <a:defRPr sz="1400" b="0" i="0" u="none" strike="noStrike" cap="none">
           <a:solidFill>
             <a:srgbClr val="000000"/>
           </a:solidFill>
@@ -7408,7 +7703,7 @@
           <a:sym typeface="Arial"/>
         </a:defRPr>
       </a:lvl5pPr>
-      <a:lvl6pPr lvl="5" marR="0" rtl="0" algn="l">
+      <a:lvl6pPr marR="0" lvl="5" algn="l" rtl="0">
         <a:lnSpc>
           <a:spcPct val="100000"/>
         </a:lnSpc>
@@ -7422,7 +7717,7 @@
           <a:srgbClr val="000000"/>
         </a:buClr>
         <a:buFont typeface="Arial"/>
-        <a:defRPr b="0" i="0" sz="1400" u="none" cap="none" strike="noStrike">
+        <a:defRPr sz="1400" b="0" i="0" u="none" strike="noStrike" cap="none">
           <a:solidFill>
             <a:srgbClr val="000000"/>
           </a:solidFill>
@@ -7432,7 +7727,7 @@
           <a:sym typeface="Arial"/>
         </a:defRPr>
       </a:lvl6pPr>
-      <a:lvl7pPr lvl="6" marR="0" rtl="0" algn="l">
+      <a:lvl7pPr marR="0" lvl="6" algn="l" rtl="0">
         <a:lnSpc>
           <a:spcPct val="100000"/>
         </a:lnSpc>
@@ -7446,7 +7741,7 @@
           <a:srgbClr val="000000"/>
         </a:buClr>
         <a:buFont typeface="Arial"/>
-        <a:defRPr b="0" i="0" sz="1400" u="none" cap="none" strike="noStrike">
+        <a:defRPr sz="1400" b="0" i="0" u="none" strike="noStrike" cap="none">
           <a:solidFill>
             <a:srgbClr val="000000"/>
           </a:solidFill>
@@ -7456,7 +7751,7 @@
           <a:sym typeface="Arial"/>
         </a:defRPr>
       </a:lvl7pPr>
-      <a:lvl8pPr lvl="7" marR="0" rtl="0" algn="l">
+      <a:lvl8pPr marR="0" lvl="7" algn="l" rtl="0">
         <a:lnSpc>
           <a:spcPct val="100000"/>
         </a:lnSpc>
@@ -7470,7 +7765,7 @@
           <a:srgbClr val="000000"/>
         </a:buClr>
         <a:buFont typeface="Arial"/>
-        <a:defRPr b="0" i="0" sz="1400" u="none" cap="none" strike="noStrike">
+        <a:defRPr sz="1400" b="0" i="0" u="none" strike="noStrike" cap="none">
           <a:solidFill>
             <a:srgbClr val="000000"/>
           </a:solidFill>
@@ -7480,7 +7775,7 @@
           <a:sym typeface="Arial"/>
         </a:defRPr>
       </a:lvl8pPr>
-      <a:lvl9pPr lvl="8" marR="0" rtl="0" algn="l">
+      <a:lvl9pPr marR="0" lvl="8" algn="l" rtl="0">
         <a:lnSpc>
           <a:spcPct val="100000"/>
         </a:lnSpc>
@@ -7494,7 +7789,7 @@
           <a:srgbClr val="000000"/>
         </a:buClr>
         <a:buFont typeface="Arial"/>
-        <a:defRPr b="0" i="0" sz="1400" u="none" cap="none" strike="noStrike">
+        <a:defRPr sz="1400" b="0" i="0" u="none" strike="noStrike" cap="none">
           <a:solidFill>
             <a:srgbClr val="000000"/>
           </a:solidFill>
@@ -7506,7 +7801,7 @@
       </a:lvl9pPr>
     </p:bodyStyle>
     <p:otherStyle>
-      <a:defPPr lvl="0" marR="0" rtl="0" algn="l">
+      <a:defPPr marR="0" lvl="0" algn="l" rtl="0">
         <a:lnSpc>
           <a:spcPct val="100000"/>
         </a:lnSpc>
@@ -7517,7 +7812,7 @@
           <a:spcPts val="0"/>
         </a:spcAft>
       </a:defPPr>
-      <a:lvl1pPr lvl="0" marR="0" rtl="0" algn="l">
+      <a:lvl1pPr marR="0" lvl="0" algn="l" rtl="0">
         <a:lnSpc>
           <a:spcPct val="100000"/>
         </a:lnSpc>
@@ -7531,7 +7826,7 @@
           <a:srgbClr val="000000"/>
         </a:buClr>
         <a:buFont typeface="Arial"/>
-        <a:defRPr b="0" i="0" sz="1400" u="none" cap="none" strike="noStrike">
+        <a:defRPr sz="1400" b="0" i="0" u="none" strike="noStrike" cap="none">
           <a:solidFill>
             <a:srgbClr val="000000"/>
           </a:solidFill>
@@ -7541,7 +7836,7 @@
           <a:sym typeface="Arial"/>
         </a:defRPr>
       </a:lvl1pPr>
-      <a:lvl2pPr lvl="1" marR="0" rtl="0" algn="l">
+      <a:lvl2pPr marR="0" lvl="1" algn="l" rtl="0">
         <a:lnSpc>
           <a:spcPct val="100000"/>
         </a:lnSpc>
@@ -7555,7 +7850,7 @@
           <a:srgbClr val="000000"/>
         </a:buClr>
         <a:buFont typeface="Arial"/>
-        <a:defRPr b="0" i="0" sz="1400" u="none" cap="none" strike="noStrike">
+        <a:defRPr sz="1400" b="0" i="0" u="none" strike="noStrike" cap="none">
           <a:solidFill>
             <a:srgbClr val="000000"/>
           </a:solidFill>
@@ -7565,7 +7860,7 @@
           <a:sym typeface="Arial"/>
         </a:defRPr>
       </a:lvl2pPr>
-      <a:lvl3pPr lvl="2" marR="0" rtl="0" algn="l">
+      <a:lvl3pPr marR="0" lvl="2" algn="l" rtl="0">
         <a:lnSpc>
           <a:spcPct val="100000"/>
         </a:lnSpc>
@@ -7579,7 +7874,7 @@
           <a:srgbClr val="000000"/>
         </a:buClr>
         <a:buFont typeface="Arial"/>
-        <a:defRPr b="0" i="0" sz="1400" u="none" cap="none" strike="noStrike">
+        <a:defRPr sz="1400" b="0" i="0" u="none" strike="noStrike" cap="none">
           <a:solidFill>
             <a:srgbClr val="000000"/>
           </a:solidFill>
@@ -7589,7 +7884,7 @@
           <a:sym typeface="Arial"/>
         </a:defRPr>
       </a:lvl3pPr>
-      <a:lvl4pPr lvl="3" marR="0" rtl="0" algn="l">
+      <a:lvl4pPr marR="0" lvl="3" algn="l" rtl="0">
         <a:lnSpc>
           <a:spcPct val="100000"/>
         </a:lnSpc>
@@ -7603,7 +7898,7 @@
           <a:srgbClr val="000000"/>
         </a:buClr>
         <a:buFont typeface="Arial"/>
-        <a:defRPr b="0" i="0" sz="1400" u="none" cap="none" strike="noStrike">
+        <a:defRPr sz="1400" b="0" i="0" u="none" strike="noStrike" cap="none">
           <a:solidFill>
             <a:srgbClr val="000000"/>
           </a:solidFill>
@@ -7613,7 +7908,7 @@
           <a:sym typeface="Arial"/>
         </a:defRPr>
       </a:lvl4pPr>
-      <a:lvl5pPr lvl="4" marR="0" rtl="0" algn="l">
+      <a:lvl5pPr marR="0" lvl="4" algn="l" rtl="0">
         <a:lnSpc>
           <a:spcPct val="100000"/>
         </a:lnSpc>
@@ -7627,7 +7922,7 @@
           <a:srgbClr val="000000"/>
         </a:buClr>
         <a:buFont typeface="Arial"/>
-        <a:defRPr b="0" i="0" sz="1400" u="none" cap="none" strike="noStrike">
+        <a:defRPr sz="1400" b="0" i="0" u="none" strike="noStrike" cap="none">
           <a:solidFill>
             <a:srgbClr val="000000"/>
           </a:solidFill>
@@ -7637,7 +7932,7 @@
           <a:sym typeface="Arial"/>
         </a:defRPr>
       </a:lvl5pPr>
-      <a:lvl6pPr lvl="5" marR="0" rtl="0" algn="l">
+      <a:lvl6pPr marR="0" lvl="5" algn="l" rtl="0">
         <a:lnSpc>
           <a:spcPct val="100000"/>
         </a:lnSpc>
@@ -7651,7 +7946,7 @@
           <a:srgbClr val="000000"/>
         </a:buClr>
         <a:buFont typeface="Arial"/>
-        <a:defRPr b="0" i="0" sz="1400" u="none" cap="none" strike="noStrike">
+        <a:defRPr sz="1400" b="0" i="0" u="none" strike="noStrike" cap="none">
           <a:solidFill>
             <a:srgbClr val="000000"/>
           </a:solidFill>
@@ -7661,7 +7956,7 @@
           <a:sym typeface="Arial"/>
         </a:defRPr>
       </a:lvl6pPr>
-      <a:lvl7pPr lvl="6" marR="0" rtl="0" algn="l">
+      <a:lvl7pPr marR="0" lvl="6" algn="l" rtl="0">
         <a:lnSpc>
           <a:spcPct val="100000"/>
         </a:lnSpc>
@@ -7675,7 +7970,7 @@
           <a:srgbClr val="000000"/>
         </a:buClr>
         <a:buFont typeface="Arial"/>
-        <a:defRPr b="0" i="0" sz="1400" u="none" cap="none" strike="noStrike">
+        <a:defRPr sz="1400" b="0" i="0" u="none" strike="noStrike" cap="none">
           <a:solidFill>
             <a:srgbClr val="000000"/>
           </a:solidFill>
@@ -7685,7 +7980,7 @@
           <a:sym typeface="Arial"/>
         </a:defRPr>
       </a:lvl7pPr>
-      <a:lvl8pPr lvl="7" marR="0" rtl="0" algn="l">
+      <a:lvl8pPr marR="0" lvl="7" algn="l" rtl="0">
         <a:lnSpc>
           <a:spcPct val="100000"/>
         </a:lnSpc>
@@ -7699,7 +7994,7 @@
           <a:srgbClr val="000000"/>
         </a:buClr>
         <a:buFont typeface="Arial"/>
-        <a:defRPr b="0" i="0" sz="1400" u="none" cap="none" strike="noStrike">
+        <a:defRPr sz="1400" b="0" i="0" u="none" strike="noStrike" cap="none">
           <a:solidFill>
             <a:srgbClr val="000000"/>
           </a:solidFill>
@@ -7709,7 +8004,7 @@
           <a:sym typeface="Arial"/>
         </a:defRPr>
       </a:lvl8pPr>
-      <a:lvl9pPr lvl="8" marR="0" rtl="0" algn="l">
+      <a:lvl9pPr marR="0" lvl="8" algn="l" rtl="0">
         <a:lnSpc>
           <a:spcPct val="100000"/>
         </a:lnSpc>
@@ -7723,7 +8018,7 @@
           <a:srgbClr val="000000"/>
         </a:buClr>
         <a:buFont typeface="Arial"/>
-        <a:defRPr b="0" i="0" sz="1400" u="none" cap="none" strike="noStrike">
+        <a:defRPr sz="1400" b="0" i="0" u="none" strike="noStrike" cap="none">
           <a:solidFill>
             <a:srgbClr val="000000"/>
           </a:solidFill>
@@ -7739,11 +8034,11 @@
 </file>
 
 <file path=ppt/slides/slide1.xml><?xml version="1.0" encoding="utf-8"?>
-<p:sld xmlns:a="http://schemas.openxmlformats.org/drawingml/2006/main" xmlns:r="http://schemas.openxmlformats.org/officeDocument/2006/relationships" xmlns:mc="http://schemas.openxmlformats.org/markup-compatibility/2006" xmlns:mv="urn:schemas-microsoft-com:mac:vml" xmlns:p="http://schemas.openxmlformats.org/presentationml/2006/main" xmlns:c="http://schemas.openxmlformats.org/drawingml/2006/chart" xmlns:dgm="http://schemas.openxmlformats.org/drawingml/2006/diagram" xmlns:o="urn:schemas-microsoft-com:office:office" xmlns:v="urn:schemas-microsoft-com:vml" xmlns:pvml="urn:schemas-microsoft-com:office:powerpoint" xmlns:com="http://schemas.openxmlformats.org/drawingml/2006/compatibility" xmlns:p14="http://schemas.microsoft.com/office/powerpoint/2010/main" xmlns:p15="http://schemas.microsoft.com/office/powerpoint/2012/main" xmlns:ahyp="http://schemas.microsoft.com/office/drawing/2018/hyperlinkcolor">
+<p:sld xmlns:a="http://schemas.openxmlformats.org/drawingml/2006/main" xmlns:r="http://schemas.openxmlformats.org/officeDocument/2006/relationships" xmlns:p="http://schemas.openxmlformats.org/presentationml/2006/main">
   <p:cSld>
     <p:spTree>
       <p:nvGrpSpPr>
-        <p:cNvPr id="59" name="Shape 59"/>
+        <p:cNvPr id="1" name="Shape 59"/>
         <p:cNvGrpSpPr/>
         <p:nvPr/>
       </p:nvGrpSpPr>
@@ -7758,7 +8053,9 @@
       <p:sp>
         <p:nvSpPr>
           <p:cNvPr id="60" name="Google Shape;60;p14"/>
-          <p:cNvSpPr txBox="1"/>
+          <p:cNvSpPr txBox="1">
+            <a:spLocks noGrp="1"/>
+          </p:cNvSpPr>
           <p:nvPr>
             <p:ph type="title"/>
           </p:nvPr>
@@ -7773,12 +8070,12 @@
           </a:prstGeom>
         </p:spPr>
         <p:txBody>
-          <a:bodyPr anchorCtr="0" anchor="t" bIns="91425" lIns="91425" spcFirstLastPara="1" rIns="91425" wrap="square" tIns="91425">
+          <a:bodyPr spcFirstLastPara="1" wrap="square" lIns="91425" tIns="91425" rIns="91425" bIns="91425" anchor="t" anchorCtr="0">
             <a:noAutofit/>
           </a:bodyPr>
           <a:lstStyle/>
           <a:p>
-            <a:pPr indent="0" lvl="0" marL="0" rtl="0" algn="l">
+            <a:pPr marL="0" lvl="0" indent="0" algn="l" rtl="0">
               <a:spcBef>
                 <a:spcPts val="0"/>
               </a:spcBef>
@@ -7798,9 +8095,11 @@
       <p:sp>
         <p:nvSpPr>
           <p:cNvPr id="61" name="Google Shape;61;p14"/>
-          <p:cNvSpPr txBox="1"/>
+          <p:cNvSpPr txBox="1">
+            <a:spLocks noGrp="1"/>
+          </p:cNvSpPr>
           <p:nvPr>
-            <p:ph idx="2" type="title"/>
+            <p:ph type="title" idx="2"/>
           </p:nvPr>
         </p:nvSpPr>
         <p:spPr>
@@ -7813,12 +8112,12 @@
           </a:prstGeom>
         </p:spPr>
         <p:txBody>
-          <a:bodyPr anchorCtr="0" anchor="t" bIns="91425" lIns="91425" spcFirstLastPara="1" rIns="91425" wrap="square" tIns="91425">
+          <a:bodyPr spcFirstLastPara="1" wrap="square" lIns="91425" tIns="91425" rIns="91425" bIns="91425" anchor="t" anchorCtr="0">
             <a:noAutofit/>
           </a:bodyPr>
           <a:lstStyle/>
           <a:p>
-            <a:pPr indent="0" lvl="0" marL="0" rtl="0" algn="l">
+            <a:pPr marL="0" lvl="0" indent="0" algn="l" rtl="0">
               <a:spcBef>
                 <a:spcPts val="0"/>
               </a:spcBef>
@@ -7844,11 +8143,11 @@
 </file>
 
 <file path=ppt/slides/slide2.xml><?xml version="1.0" encoding="utf-8"?>
-<p:sld xmlns:a="http://schemas.openxmlformats.org/drawingml/2006/main" xmlns:r="http://schemas.openxmlformats.org/officeDocument/2006/relationships" xmlns:mc="http://schemas.openxmlformats.org/markup-compatibility/2006" xmlns:mv="urn:schemas-microsoft-com:mac:vml" xmlns:p="http://schemas.openxmlformats.org/presentationml/2006/main" xmlns:c="http://schemas.openxmlformats.org/drawingml/2006/chart" xmlns:dgm="http://schemas.openxmlformats.org/drawingml/2006/diagram" xmlns:o="urn:schemas-microsoft-com:office:office" xmlns:v="urn:schemas-microsoft-com:vml" xmlns:pvml="urn:schemas-microsoft-com:office:powerpoint" xmlns:com="http://schemas.openxmlformats.org/drawingml/2006/compatibility" xmlns:p14="http://schemas.microsoft.com/office/powerpoint/2010/main" xmlns:p15="http://schemas.microsoft.com/office/powerpoint/2012/main" xmlns:ahyp="http://schemas.microsoft.com/office/drawing/2018/hyperlinkcolor">
+<p:sld xmlns:a="http://schemas.openxmlformats.org/drawingml/2006/main" xmlns:r="http://schemas.openxmlformats.org/officeDocument/2006/relationships" xmlns:p="http://schemas.openxmlformats.org/presentationml/2006/main">
   <p:cSld>
     <p:spTree>
       <p:nvGrpSpPr>
-        <p:cNvPr id="65" name="Shape 65"/>
+        <p:cNvPr id="1" name="Shape 65"/>
         <p:cNvGrpSpPr/>
         <p:nvPr/>
       </p:nvGrpSpPr>
@@ -7863,9 +8162,11 @@
       <p:sp>
         <p:nvSpPr>
           <p:cNvPr id="66" name="Google Shape;66;p15"/>
-          <p:cNvSpPr txBox="1"/>
+          <p:cNvSpPr txBox="1">
+            <a:spLocks noGrp="1"/>
+          </p:cNvSpPr>
           <p:nvPr>
-            <p:ph idx="3" type="title"/>
+            <p:ph type="title" idx="3"/>
           </p:nvPr>
         </p:nvSpPr>
         <p:spPr>
@@ -7878,12 +8179,12 @@
           </a:prstGeom>
         </p:spPr>
         <p:txBody>
-          <a:bodyPr anchorCtr="0" anchor="t" bIns="91425" lIns="91425" spcFirstLastPara="1" rIns="91425" wrap="square" tIns="91425">
+          <a:bodyPr spcFirstLastPara="1" wrap="square" lIns="91425" tIns="91425" rIns="91425" bIns="91425" anchor="t" anchorCtr="0">
             <a:noAutofit/>
           </a:bodyPr>
           <a:lstStyle/>
           <a:p>
-            <a:pPr indent="0" lvl="0" marL="0" rtl="0" algn="l">
+            <a:pPr marL="0" lvl="0" indent="0" algn="l" rtl="0">
               <a:spcBef>
                 <a:spcPts val="0"/>
               </a:spcBef>
@@ -7899,7 +8200,7 @@
             <a:endParaRPr/>
           </a:p>
           <a:p>
-            <a:pPr indent="0" lvl="0" marL="0" rtl="0" algn="l">
+            <a:pPr marL="0" lvl="0" indent="0" algn="l" rtl="0">
               <a:spcBef>
                 <a:spcPts val="0"/>
               </a:spcBef>
@@ -7908,13 +8209,10 @@
               </a:spcAft>
               <a:buNone/>
             </a:pPr>
-            <a:r>
-              <a:t/>
-            </a:r>
             <a:endParaRPr/>
           </a:p>
           <a:p>
-            <a:pPr indent="-482600" lvl="0" marL="457200" rtl="0" algn="l">
+            <a:pPr marL="457200" lvl="0" indent="-482600" algn="l" rtl="0">
               <a:spcBef>
                 <a:spcPts val="0"/>
               </a:spcBef>
@@ -7943,7 +8241,7 @@
             </a:endParaRPr>
           </a:p>
           <a:p>
-            <a:pPr indent="-482600" lvl="0" marL="457200" rtl="0" algn="l">
+            <a:pPr marL="457200" lvl="0" indent="-482600" algn="l" rtl="0">
               <a:spcBef>
                 <a:spcPts val="0"/>
               </a:spcBef>
@@ -7963,15 +8261,7 @@
                   <a:schemeClr val="accent3"/>
                 </a:solidFill>
               </a:rPr>
-              <a:t>Chest </a:t>
-            </a:r>
-            <a:r>
-              <a:rPr lang="en-US">
-                <a:solidFill>
-                  <a:schemeClr val="accent3"/>
-                </a:solidFill>
-              </a:rPr>
-              <a:t>Disease Detection</a:t>
+              <a:t>Chest Disease Detection</a:t>
             </a:r>
             <a:endParaRPr>
               <a:solidFill>
@@ -7980,7 +8270,7 @@
             </a:endParaRPr>
           </a:p>
           <a:p>
-            <a:pPr indent="0" lvl="0" marL="457200" rtl="0" algn="l">
+            <a:pPr marL="457200" lvl="0" indent="0" algn="l" rtl="0">
               <a:spcBef>
                 <a:spcPts val="0"/>
               </a:spcBef>
@@ -7989,9 +8279,6 @@
               </a:spcAft>
               <a:buNone/>
             </a:pPr>
-            <a:r>
-              <a:t/>
-            </a:r>
             <a:endParaRPr/>
           </a:p>
         </p:txBody>
@@ -7999,7 +8286,9 @@
       <p:sp>
         <p:nvSpPr>
           <p:cNvPr id="67" name="Google Shape;67;p15"/>
-          <p:cNvSpPr txBox="1"/>
+          <p:cNvSpPr txBox="1">
+            <a:spLocks noGrp="1"/>
+          </p:cNvSpPr>
           <p:nvPr>
             <p:ph type="title"/>
           </p:nvPr>
@@ -8014,12 +8303,12 @@
           </a:prstGeom>
         </p:spPr>
         <p:txBody>
-          <a:bodyPr anchorCtr="0" anchor="t" bIns="91425" lIns="91425" spcFirstLastPara="1" rIns="91425" wrap="square" tIns="91425">
+          <a:bodyPr spcFirstLastPara="1" wrap="square" lIns="91425" tIns="91425" rIns="91425" bIns="91425" anchor="t" anchorCtr="0">
             <a:noAutofit/>
           </a:bodyPr>
           <a:lstStyle/>
           <a:p>
-            <a:pPr indent="0" lvl="0" marL="0" rtl="0" algn="l">
+            <a:pPr marL="0" lvl="0" indent="0" algn="l" rtl="0">
               <a:spcBef>
                 <a:spcPts val="0"/>
               </a:spcBef>
@@ -8045,11 +8334,11 @@
 </file>
 
 <file path=ppt/slides/slide3.xml><?xml version="1.0" encoding="utf-8"?>
-<p:sld xmlns:a="http://schemas.openxmlformats.org/drawingml/2006/main" xmlns:r="http://schemas.openxmlformats.org/officeDocument/2006/relationships" xmlns:mc="http://schemas.openxmlformats.org/markup-compatibility/2006" xmlns:mv="urn:schemas-microsoft-com:mac:vml" xmlns:p="http://schemas.openxmlformats.org/presentationml/2006/main" xmlns:c="http://schemas.openxmlformats.org/drawingml/2006/chart" xmlns:dgm="http://schemas.openxmlformats.org/drawingml/2006/diagram" xmlns:o="urn:schemas-microsoft-com:office:office" xmlns:v="urn:schemas-microsoft-com:vml" xmlns:pvml="urn:schemas-microsoft-com:office:powerpoint" xmlns:com="http://schemas.openxmlformats.org/drawingml/2006/compatibility" xmlns:p14="http://schemas.microsoft.com/office/powerpoint/2010/main" xmlns:p15="http://schemas.microsoft.com/office/powerpoint/2012/main" xmlns:ahyp="http://schemas.microsoft.com/office/drawing/2018/hyperlinkcolor">
+<p:sld xmlns:a="http://schemas.openxmlformats.org/drawingml/2006/main" xmlns:r="http://schemas.openxmlformats.org/officeDocument/2006/relationships" xmlns:p="http://schemas.openxmlformats.org/presentationml/2006/main">
   <p:cSld>
     <p:spTree>
       <p:nvGrpSpPr>
-        <p:cNvPr id="71" name="Shape 71"/>
+        <p:cNvPr id="1" name="Shape 71"/>
         <p:cNvGrpSpPr/>
         <p:nvPr/>
       </p:nvGrpSpPr>
@@ -8064,9 +8353,11 @@
       <p:sp>
         <p:nvSpPr>
           <p:cNvPr id="72" name="Google Shape;72;p16"/>
-          <p:cNvSpPr txBox="1"/>
+          <p:cNvSpPr txBox="1">
+            <a:spLocks noGrp="1"/>
+          </p:cNvSpPr>
           <p:nvPr>
-            <p:ph idx="2" type="title"/>
+            <p:ph type="title" idx="2"/>
           </p:nvPr>
         </p:nvSpPr>
         <p:spPr>
@@ -8079,12 +8370,12 @@
           </a:prstGeom>
         </p:spPr>
         <p:txBody>
-          <a:bodyPr anchorCtr="0" anchor="t" bIns="91425" lIns="91425" spcFirstLastPara="1" rIns="91425" wrap="square" tIns="91425">
+          <a:bodyPr spcFirstLastPara="1" wrap="square" lIns="91425" tIns="91425" rIns="91425" bIns="91425" anchor="t" anchorCtr="0">
             <a:noAutofit/>
           </a:bodyPr>
           <a:lstStyle/>
           <a:p>
-            <a:pPr indent="0" lvl="0" marL="0" rtl="0" algn="l">
+            <a:pPr marL="0" lvl="0" indent="0" algn="l" rtl="0">
               <a:spcBef>
                 <a:spcPts val="0"/>
               </a:spcBef>
@@ -8104,9 +8395,11 @@
       <p:sp>
         <p:nvSpPr>
           <p:cNvPr id="73" name="Google Shape;73;p16"/>
-          <p:cNvSpPr txBox="1"/>
+          <p:cNvSpPr txBox="1">
+            <a:spLocks noGrp="1"/>
+          </p:cNvSpPr>
           <p:nvPr>
-            <p:ph idx="3" type="title"/>
+            <p:ph type="title" idx="3"/>
           </p:nvPr>
         </p:nvSpPr>
         <p:spPr>
@@ -8119,12 +8412,12 @@
           </a:prstGeom>
         </p:spPr>
         <p:txBody>
-          <a:bodyPr anchorCtr="0" anchor="t" bIns="91425" lIns="91425" spcFirstLastPara="1" rIns="91425" wrap="square" tIns="91425">
+          <a:bodyPr spcFirstLastPara="1" wrap="square" lIns="91425" tIns="91425" rIns="91425" bIns="91425" anchor="t" anchorCtr="0">
             <a:noAutofit/>
           </a:bodyPr>
           <a:lstStyle/>
           <a:p>
-            <a:pPr indent="-482600" lvl="0" marL="457200" rtl="0" algn="l">
+            <a:pPr marL="457200" lvl="0" indent="-482600" algn="l" rtl="0">
               <a:lnSpc>
                 <a:spcPct val="150000"/>
               </a:lnSpc>
@@ -8156,7 +8449,7 @@
             </a:endParaRPr>
           </a:p>
           <a:p>
-            <a:pPr indent="-482600" lvl="0" marL="457200" rtl="0" algn="l">
+            <a:pPr marL="457200" lvl="0" indent="-482600" algn="l" rtl="0">
               <a:lnSpc>
                 <a:spcPct val="150000"/>
               </a:lnSpc>
@@ -8188,7 +8481,7 @@
             </a:endParaRPr>
           </a:p>
           <a:p>
-            <a:pPr indent="0" lvl="0" marL="457200" rtl="0" algn="l">
+            <a:pPr marL="457200" lvl="0" indent="0" algn="l" rtl="0">
               <a:spcBef>
                 <a:spcPts val="0"/>
               </a:spcBef>
@@ -8217,7 +8510,7 @@
                 <a:hlinkClick r:id="rId3">
                   <a:extLst>
                     <a:ext uri="{A12FA001-AC4F-418D-AE19-62706E023703}">
-                      <ahyp:hlinkClr val="tx"/>
+                      <ahyp:hlinkClr xmlns:ahyp="http://schemas.microsoft.com/office/drawing/2018/hyperlinkcolor" val="tx"/>
                     </a:ext>
                   </a:extLst>
                 </a:hlinkClick>
@@ -8235,7 +8528,9 @@
       <p:sp>
         <p:nvSpPr>
           <p:cNvPr id="74" name="Google Shape;74;p16"/>
-          <p:cNvSpPr txBox="1"/>
+          <p:cNvSpPr txBox="1">
+            <a:spLocks noGrp="1"/>
+          </p:cNvSpPr>
           <p:nvPr>
             <p:ph type="title"/>
           </p:nvPr>
@@ -8250,12 +8545,12 @@
           </a:prstGeom>
         </p:spPr>
         <p:txBody>
-          <a:bodyPr anchorCtr="0" anchor="t" bIns="91425" lIns="91425" spcFirstLastPara="1" rIns="91425" wrap="square" tIns="91425">
+          <a:bodyPr spcFirstLastPara="1" wrap="square" lIns="91425" tIns="91425" rIns="91425" bIns="91425" anchor="t" anchorCtr="0">
             <a:noAutofit/>
           </a:bodyPr>
           <a:lstStyle/>
           <a:p>
-            <a:pPr indent="0" lvl="0" marL="0" rtl="0" algn="l">
+            <a:pPr marL="0" lvl="0" indent="0" algn="l" rtl="0">
               <a:spcBef>
                 <a:spcPts val="0"/>
               </a:spcBef>
@@ -8309,11 +8604,11 @@
 </file>
 
 <file path=ppt/slides/slide4.xml><?xml version="1.0" encoding="utf-8"?>
-<p:sld xmlns:a="http://schemas.openxmlformats.org/drawingml/2006/main" xmlns:r="http://schemas.openxmlformats.org/officeDocument/2006/relationships" xmlns:mc="http://schemas.openxmlformats.org/markup-compatibility/2006" xmlns:mv="urn:schemas-microsoft-com:mac:vml" xmlns:p="http://schemas.openxmlformats.org/presentationml/2006/main" xmlns:c="http://schemas.openxmlformats.org/drawingml/2006/chart" xmlns:dgm="http://schemas.openxmlformats.org/drawingml/2006/diagram" xmlns:o="urn:schemas-microsoft-com:office:office" xmlns:v="urn:schemas-microsoft-com:vml" xmlns:pvml="urn:schemas-microsoft-com:office:powerpoint" xmlns:com="http://schemas.openxmlformats.org/drawingml/2006/compatibility" xmlns:p14="http://schemas.microsoft.com/office/powerpoint/2010/main" xmlns:p15="http://schemas.microsoft.com/office/powerpoint/2012/main" xmlns:ahyp="http://schemas.microsoft.com/office/drawing/2018/hyperlinkcolor">
+<p:sld xmlns:a="http://schemas.openxmlformats.org/drawingml/2006/main" xmlns:r="http://schemas.openxmlformats.org/officeDocument/2006/relationships" xmlns:p="http://schemas.openxmlformats.org/presentationml/2006/main">
   <p:cSld>
     <p:spTree>
       <p:nvGrpSpPr>
-        <p:cNvPr id="79" name="Shape 79"/>
+        <p:cNvPr id="1" name="Shape 79"/>
         <p:cNvGrpSpPr/>
         <p:nvPr/>
       </p:nvGrpSpPr>
@@ -8328,7 +8623,9 @@
       <p:sp>
         <p:nvSpPr>
           <p:cNvPr id="80" name="Google Shape;80;p17"/>
-          <p:cNvSpPr txBox="1"/>
+          <p:cNvSpPr txBox="1">
+            <a:spLocks noGrp="1"/>
+          </p:cNvSpPr>
           <p:nvPr>
             <p:ph type="title"/>
           </p:nvPr>
@@ -8343,12 +8640,12 @@
           </a:prstGeom>
         </p:spPr>
         <p:txBody>
-          <a:bodyPr anchorCtr="0" anchor="t" bIns="91425" lIns="91425" spcFirstLastPara="1" rIns="91425" wrap="square" tIns="91425">
+          <a:bodyPr spcFirstLastPara="1" wrap="square" lIns="91425" tIns="91425" rIns="91425" bIns="91425" anchor="t" anchorCtr="0">
             <a:noAutofit/>
           </a:bodyPr>
           <a:lstStyle/>
           <a:p>
-            <a:pPr indent="0" lvl="0" marL="0" rtl="0" algn="l">
+            <a:pPr marL="0" lvl="0" indent="0" algn="l" rtl="0">
               <a:spcBef>
                 <a:spcPts val="0"/>
               </a:spcBef>
@@ -8364,7 +8661,7 @@
             <a:endParaRPr/>
           </a:p>
           <a:p>
-            <a:pPr indent="0" lvl="0" marL="0" rtl="0" algn="l">
+            <a:pPr marL="0" lvl="0" indent="0" algn="l" rtl="0">
               <a:spcBef>
                 <a:spcPts val="0"/>
               </a:spcBef>
@@ -8373,9 +8670,6 @@
               </a:spcAft>
               <a:buNone/>
             </a:pPr>
-            <a:r>
-              <a:t/>
-            </a:r>
             <a:endParaRPr/>
           </a:p>
         </p:txBody>
@@ -8383,9 +8677,11 @@
       <p:sp>
         <p:nvSpPr>
           <p:cNvPr id="81" name="Google Shape;81;p17"/>
-          <p:cNvSpPr txBox="1"/>
+          <p:cNvSpPr txBox="1">
+            <a:spLocks noGrp="1"/>
+          </p:cNvSpPr>
           <p:nvPr>
-            <p:ph idx="2" type="title"/>
+            <p:ph type="title" idx="2"/>
           </p:nvPr>
         </p:nvSpPr>
         <p:spPr>
@@ -8398,12 +8694,12 @@
           </a:prstGeom>
         </p:spPr>
         <p:txBody>
-          <a:bodyPr anchorCtr="0" anchor="t" bIns="91425" lIns="91425" spcFirstLastPara="1" rIns="91425" wrap="square" tIns="91425">
+          <a:bodyPr spcFirstLastPara="1" wrap="square" lIns="91425" tIns="91425" rIns="91425" bIns="91425" anchor="t" anchorCtr="0">
             <a:noAutofit/>
           </a:bodyPr>
           <a:lstStyle/>
           <a:p>
-            <a:pPr indent="0" lvl="0" marL="0" rtl="0" algn="l">
+            <a:pPr marL="0" lvl="0" indent="0" algn="l" rtl="0">
               <a:spcBef>
                 <a:spcPts val="0"/>
               </a:spcBef>
@@ -8412,9 +8708,6 @@
               </a:spcAft>
               <a:buNone/>
             </a:pPr>
-            <a:r>
-              <a:t/>
-            </a:r>
             <a:endParaRPr/>
           </a:p>
         </p:txBody>
@@ -8422,9 +8715,11 @@
       <p:sp>
         <p:nvSpPr>
           <p:cNvPr id="82" name="Google Shape;82;p17"/>
-          <p:cNvSpPr txBox="1"/>
+          <p:cNvSpPr txBox="1">
+            <a:spLocks noGrp="1"/>
+          </p:cNvSpPr>
           <p:nvPr>
-            <p:ph idx="3" type="title"/>
+            <p:ph type="title" idx="3"/>
           </p:nvPr>
         </p:nvSpPr>
         <p:spPr>
@@ -8437,12 +8732,12 @@
           </a:prstGeom>
         </p:spPr>
         <p:txBody>
-          <a:bodyPr anchorCtr="0" anchor="t" bIns="91425" lIns="91425" spcFirstLastPara="1" rIns="91425" wrap="square" tIns="91425">
+          <a:bodyPr spcFirstLastPara="1" wrap="square" lIns="91425" tIns="91425" rIns="91425" bIns="91425" anchor="t" anchorCtr="0">
             <a:noAutofit/>
           </a:bodyPr>
           <a:lstStyle/>
           <a:p>
-            <a:pPr indent="0" lvl="0" marL="0" rtl="0" algn="l">
+            <a:pPr marL="0" lvl="0" indent="0" algn="l" rtl="0">
               <a:spcBef>
                 <a:spcPts val="0"/>
               </a:spcBef>
@@ -8451,9 +8746,6 @@
               </a:spcAft>
               <a:buNone/>
             </a:pPr>
-            <a:r>
-              <a:t/>
-            </a:r>
             <a:endParaRPr/>
           </a:p>
         </p:txBody>
@@ -8495,11 +8787,11 @@
 </file>
 
 <file path=ppt/slides/slide5.xml><?xml version="1.0" encoding="utf-8"?>
-<p:sld xmlns:a="http://schemas.openxmlformats.org/drawingml/2006/main" xmlns:r="http://schemas.openxmlformats.org/officeDocument/2006/relationships" xmlns:mc="http://schemas.openxmlformats.org/markup-compatibility/2006" xmlns:mv="urn:schemas-microsoft-com:mac:vml" xmlns:p="http://schemas.openxmlformats.org/presentationml/2006/main" xmlns:c="http://schemas.openxmlformats.org/drawingml/2006/chart" xmlns:dgm="http://schemas.openxmlformats.org/drawingml/2006/diagram" xmlns:o="urn:schemas-microsoft-com:office:office" xmlns:v="urn:schemas-microsoft-com:vml" xmlns:pvml="urn:schemas-microsoft-com:office:powerpoint" xmlns:com="http://schemas.openxmlformats.org/drawingml/2006/compatibility" xmlns:p14="http://schemas.microsoft.com/office/powerpoint/2010/main" xmlns:p15="http://schemas.microsoft.com/office/powerpoint/2012/main" xmlns:ahyp="http://schemas.microsoft.com/office/drawing/2018/hyperlinkcolor">
+<p:sld xmlns:a="http://schemas.openxmlformats.org/drawingml/2006/main" xmlns:r="http://schemas.openxmlformats.org/officeDocument/2006/relationships" xmlns:p="http://schemas.openxmlformats.org/presentationml/2006/main">
   <p:cSld>
     <p:spTree>
       <p:nvGrpSpPr>
-        <p:cNvPr id="87" name="Shape 87"/>
+        <p:cNvPr id="1" name="Shape 87"/>
         <p:cNvGrpSpPr/>
         <p:nvPr/>
       </p:nvGrpSpPr>
@@ -8514,7 +8806,9 @@
       <p:sp>
         <p:nvSpPr>
           <p:cNvPr id="88" name="Google Shape;88;p18"/>
-          <p:cNvSpPr txBox="1"/>
+          <p:cNvSpPr txBox="1">
+            <a:spLocks noGrp="1"/>
+          </p:cNvSpPr>
           <p:nvPr>
             <p:ph type="title"/>
           </p:nvPr>
@@ -8529,12 +8823,12 @@
           </a:prstGeom>
         </p:spPr>
         <p:txBody>
-          <a:bodyPr anchorCtr="0" anchor="t" bIns="91425" lIns="91425" spcFirstLastPara="1" rIns="91425" wrap="square" tIns="91425">
+          <a:bodyPr spcFirstLastPara="1" wrap="square" lIns="91425" tIns="91425" rIns="91425" bIns="91425" anchor="t" anchorCtr="0">
             <a:noAutofit/>
           </a:bodyPr>
           <a:lstStyle/>
           <a:p>
-            <a:pPr indent="0" lvl="0" marL="0" rtl="0" algn="l">
+            <a:pPr marL="0" lvl="0" indent="0" algn="l" rtl="0">
               <a:spcBef>
                 <a:spcPts val="0"/>
               </a:spcBef>
@@ -8550,7 +8844,7 @@
             <a:endParaRPr/>
           </a:p>
           <a:p>
-            <a:pPr indent="0" lvl="0" marL="0" rtl="0" algn="l">
+            <a:pPr marL="0" lvl="0" indent="0" algn="l" rtl="0">
               <a:spcBef>
                 <a:spcPts val="0"/>
               </a:spcBef>
@@ -8559,9 +8853,6 @@
               </a:spcAft>
               <a:buNone/>
             </a:pPr>
-            <a:r>
-              <a:t/>
-            </a:r>
             <a:endParaRPr/>
           </a:p>
         </p:txBody>
@@ -8569,9 +8860,11 @@
       <p:sp>
         <p:nvSpPr>
           <p:cNvPr id="89" name="Google Shape;89;p18"/>
-          <p:cNvSpPr txBox="1"/>
+          <p:cNvSpPr txBox="1">
+            <a:spLocks noGrp="1"/>
+          </p:cNvSpPr>
           <p:nvPr>
-            <p:ph idx="3" type="title"/>
+            <p:ph type="title" idx="3"/>
           </p:nvPr>
         </p:nvSpPr>
         <p:spPr>
@@ -8584,12 +8877,12 @@
           </a:prstGeom>
         </p:spPr>
         <p:txBody>
-          <a:bodyPr anchorCtr="0" anchor="t" bIns="91425" lIns="91425" spcFirstLastPara="1" rIns="91425" wrap="square" tIns="91425">
+          <a:bodyPr spcFirstLastPara="1" wrap="square" lIns="91425" tIns="91425" rIns="91425" bIns="91425" anchor="t" anchorCtr="0">
             <a:noAutofit/>
           </a:bodyPr>
           <a:lstStyle/>
           <a:p>
-            <a:pPr indent="-482600" lvl="0" marL="457200" rtl="0" algn="l">
+            <a:pPr marL="457200" lvl="0" indent="-482600" algn="l" rtl="0">
               <a:lnSpc>
                 <a:spcPct val="150000"/>
               </a:lnSpc>
@@ -8615,7 +8908,7 @@
               <a:t>ML- Set of algorithms to </a:t>
             </a:r>
             <a:r>
-              <a:rPr b="1" lang="en-US">
+              <a:rPr lang="en-US" b="1">
                 <a:solidFill>
                   <a:schemeClr val="accent3"/>
                 </a:solidFill>
@@ -8631,7 +8924,7 @@
               <a:t> within </a:t>
             </a:r>
             <a:r>
-              <a:rPr b="1" lang="en-US">
+              <a:rPr lang="en-US" b="1">
                 <a:solidFill>
                   <a:schemeClr val="accent3"/>
                 </a:solidFill>
@@ -8653,7 +8946,7 @@
             </a:endParaRPr>
           </a:p>
           <a:p>
-            <a:pPr indent="-482600" lvl="0" marL="457200" rtl="0" algn="l">
+            <a:pPr marL="457200" lvl="0" indent="-482600" algn="l" rtl="0">
               <a:lnSpc>
                 <a:spcPct val="150000"/>
               </a:lnSpc>
@@ -8670,9 +8963,6 @@
               <a:buFont typeface="Google Sans"/>
               <a:buChar char="●"/>
             </a:pPr>
-            <a:r>
-              <a:t/>
-            </a:r>
             <a:endParaRPr>
               <a:solidFill>
                 <a:schemeClr val="accent3"/>
@@ -8680,7 +8970,7 @@
             </a:endParaRPr>
           </a:p>
           <a:p>
-            <a:pPr indent="-482600" lvl="0" marL="457200" rtl="0" algn="l">
+            <a:pPr marL="457200" lvl="0" indent="-482600" algn="l" rtl="0">
               <a:lnSpc>
                 <a:spcPct val="150000"/>
               </a:lnSpc>
@@ -8706,7 +8996,7 @@
               <a:t>DL-  </a:t>
             </a:r>
             <a:r>
-              <a:rPr b="1" lang="en-US">
+              <a:rPr lang="en-US" b="1">
                 <a:solidFill>
                   <a:schemeClr val="accent3"/>
                 </a:solidFill>
@@ -8722,7 +9012,7 @@
               <a:t> to </a:t>
             </a:r>
             <a:r>
-              <a:rPr b="1" lang="en-US">
+              <a:rPr lang="en-US" b="1">
                 <a:solidFill>
                   <a:schemeClr val="accent3"/>
                 </a:solidFill>
@@ -8738,7 +9028,7 @@
               <a:t> within </a:t>
             </a:r>
             <a:r>
-              <a:rPr b="1" lang="en-US">
+              <a:rPr lang="en-US" b="1">
                 <a:solidFill>
                   <a:schemeClr val="accent3"/>
                 </a:solidFill>
@@ -8798,11 +9088,11 @@
 </file>
 
 <file path=ppt/slides/slide6.xml><?xml version="1.0" encoding="utf-8"?>
-<p:sld xmlns:a="http://schemas.openxmlformats.org/drawingml/2006/main" xmlns:r="http://schemas.openxmlformats.org/officeDocument/2006/relationships" xmlns:mc="http://schemas.openxmlformats.org/markup-compatibility/2006" xmlns:mv="urn:schemas-microsoft-com:mac:vml" xmlns:p="http://schemas.openxmlformats.org/presentationml/2006/main" xmlns:c="http://schemas.openxmlformats.org/drawingml/2006/chart" xmlns:dgm="http://schemas.openxmlformats.org/drawingml/2006/diagram" xmlns:o="urn:schemas-microsoft-com:office:office" xmlns:v="urn:schemas-microsoft-com:vml" xmlns:pvml="urn:schemas-microsoft-com:office:powerpoint" xmlns:com="http://schemas.openxmlformats.org/drawingml/2006/compatibility" xmlns:p14="http://schemas.microsoft.com/office/powerpoint/2010/main" xmlns:p15="http://schemas.microsoft.com/office/powerpoint/2012/main" xmlns:ahyp="http://schemas.microsoft.com/office/drawing/2018/hyperlinkcolor">
+<p:sld xmlns:a="http://schemas.openxmlformats.org/drawingml/2006/main" xmlns:r="http://schemas.openxmlformats.org/officeDocument/2006/relationships" xmlns:p="http://schemas.openxmlformats.org/presentationml/2006/main">
   <p:cSld>
     <p:spTree>
       <p:nvGrpSpPr>
-        <p:cNvPr id="94" name="Shape 94"/>
+        <p:cNvPr id="1" name="Shape 94"/>
         <p:cNvGrpSpPr/>
         <p:nvPr/>
       </p:nvGrpSpPr>
@@ -8817,7 +9107,9 @@
       <p:sp>
         <p:nvSpPr>
           <p:cNvPr id="95" name="Google Shape;95;p19"/>
-          <p:cNvSpPr txBox="1"/>
+          <p:cNvSpPr txBox="1">
+            <a:spLocks noGrp="1"/>
+          </p:cNvSpPr>
           <p:nvPr>
             <p:ph type="title"/>
           </p:nvPr>
@@ -8832,12 +9124,12 @@
           </a:prstGeom>
         </p:spPr>
         <p:txBody>
-          <a:bodyPr anchorCtr="0" anchor="t" bIns="91425" lIns="91425" spcFirstLastPara="1" rIns="91425" wrap="square" tIns="91425">
+          <a:bodyPr spcFirstLastPara="1" wrap="square" lIns="91425" tIns="91425" rIns="91425" bIns="91425" anchor="t" anchorCtr="0">
             <a:noAutofit/>
           </a:bodyPr>
           <a:lstStyle/>
           <a:p>
-            <a:pPr indent="0" lvl="0" marL="0" rtl="0" algn="l">
+            <a:pPr marL="0" lvl="0" indent="0" algn="l" rtl="0">
               <a:spcBef>
                 <a:spcPts val="0"/>
               </a:spcBef>
@@ -8853,7 +9145,7 @@
             <a:endParaRPr/>
           </a:p>
           <a:p>
-            <a:pPr indent="0" lvl="0" marL="0" rtl="0" algn="l">
+            <a:pPr marL="0" lvl="0" indent="0" algn="l" rtl="0">
               <a:spcBef>
                 <a:spcPts val="0"/>
               </a:spcBef>
@@ -8862,9 +9154,6 @@
               </a:spcAft>
               <a:buNone/>
             </a:pPr>
-            <a:r>
-              <a:t/>
-            </a:r>
             <a:endParaRPr/>
           </a:p>
         </p:txBody>
@@ -8872,9 +9161,11 @@
       <p:sp>
         <p:nvSpPr>
           <p:cNvPr id="96" name="Google Shape;96;p19"/>
-          <p:cNvSpPr txBox="1"/>
+          <p:cNvSpPr txBox="1">
+            <a:spLocks noGrp="1"/>
+          </p:cNvSpPr>
           <p:nvPr>
-            <p:ph idx="2" type="title"/>
+            <p:ph type="title" idx="2"/>
           </p:nvPr>
         </p:nvSpPr>
         <p:spPr>
@@ -8887,12 +9178,12 @@
           </a:prstGeom>
         </p:spPr>
         <p:txBody>
-          <a:bodyPr anchorCtr="0" anchor="t" bIns="91425" lIns="91425" spcFirstLastPara="1" rIns="91425" wrap="square" tIns="91425">
+          <a:bodyPr spcFirstLastPara="1" wrap="square" lIns="91425" tIns="91425" rIns="91425" bIns="91425" anchor="t" anchorCtr="0">
             <a:noAutofit/>
           </a:bodyPr>
           <a:lstStyle/>
           <a:p>
-            <a:pPr indent="0" lvl="0" marL="0" rtl="0" algn="l">
+            <a:pPr marL="0" lvl="0" indent="0" algn="l" rtl="0">
               <a:spcBef>
                 <a:spcPts val="0"/>
               </a:spcBef>
@@ -8901,9 +9192,6 @@
               </a:spcAft>
               <a:buNone/>
             </a:pPr>
-            <a:r>
-              <a:t/>
-            </a:r>
             <a:endParaRPr/>
           </a:p>
         </p:txBody>
@@ -8911,9 +9199,11 @@
       <p:sp>
         <p:nvSpPr>
           <p:cNvPr id="97" name="Google Shape;97;p19"/>
-          <p:cNvSpPr txBox="1"/>
+          <p:cNvSpPr txBox="1">
+            <a:spLocks noGrp="1"/>
+          </p:cNvSpPr>
           <p:nvPr>
-            <p:ph idx="3" type="title"/>
+            <p:ph type="title" idx="3"/>
           </p:nvPr>
         </p:nvSpPr>
         <p:spPr>
@@ -8926,12 +9216,12 @@
           </a:prstGeom>
         </p:spPr>
         <p:txBody>
-          <a:bodyPr anchorCtr="0" anchor="t" bIns="91425" lIns="91425" spcFirstLastPara="1" rIns="91425" wrap="square" tIns="91425">
+          <a:bodyPr spcFirstLastPara="1" wrap="square" lIns="91425" tIns="91425" rIns="91425" bIns="91425" anchor="t" anchorCtr="0">
             <a:noAutofit/>
           </a:bodyPr>
           <a:lstStyle/>
           <a:p>
-            <a:pPr indent="0" lvl="0" marL="0" rtl="0" algn="l">
+            <a:pPr marL="0" lvl="0" indent="0" algn="l" rtl="0">
               <a:spcBef>
                 <a:spcPts val="0"/>
               </a:spcBef>
@@ -8940,9 +9230,6 @@
               </a:spcAft>
               <a:buNone/>
             </a:pPr>
-            <a:r>
-              <a:t/>
-            </a:r>
             <a:endParaRPr>
               <a:solidFill>
                 <a:schemeClr val="accent3"/>
@@ -8950,7 +9237,7 @@
             </a:endParaRPr>
           </a:p>
           <a:p>
-            <a:pPr indent="0" lvl="0" marL="0" rtl="0" algn="l">
+            <a:pPr marL="0" lvl="0" indent="0" algn="l" rtl="0">
               <a:spcBef>
                 <a:spcPts val="0"/>
               </a:spcBef>
@@ -8959,9 +9246,6 @@
               </a:spcAft>
               <a:buNone/>
             </a:pPr>
-            <a:r>
-              <a:t/>
-            </a:r>
             <a:endParaRPr>
               <a:solidFill>
                 <a:schemeClr val="accent3"/>
@@ -9013,14 +9297,14 @@
             <a:avLst/>
           </a:prstGeom>
           <a:noFill/>
-          <a:ln cap="flat" cmpd="sng" w="9525">
+          <a:ln w="9525" cap="flat" cmpd="sng">
             <a:solidFill>
               <a:srgbClr val="595959"/>
             </a:solidFill>
             <a:prstDash val="solid"/>
             <a:round/>
-            <a:headEnd len="med" w="med" type="none"/>
-            <a:tailEnd len="med" w="med" type="none"/>
+            <a:headEnd type="none" w="med" len="med"/>
+            <a:tailEnd type="none" w="med" len="med"/>
           </a:ln>
         </p:spPr>
       </p:cxnSp>
@@ -9039,14 +9323,14 @@
             <a:avLst/>
           </a:prstGeom>
           <a:noFill/>
-          <a:ln cap="flat" cmpd="sng" w="38100">
+          <a:ln w="38100" cap="flat" cmpd="sng">
             <a:solidFill>
               <a:srgbClr val="000000"/>
             </a:solidFill>
             <a:prstDash val="solid"/>
             <a:round/>
-            <a:headEnd len="med" w="med" type="none"/>
-            <a:tailEnd len="med" w="med" type="none"/>
+            <a:headEnd type="none" w="med" len="med"/>
+            <a:tailEnd type="none" w="med" len="med"/>
           </a:ln>
         </p:spPr>
       </p:cxnSp>
@@ -9057,7 +9341,7 @@
           <p:nvPr/>
         </p:nvCxnSpPr>
         <p:spPr>
-          <a:xfrm flipH="1" rot="10800000">
+          <a:xfrm rot="10800000" flipH="1">
             <a:off x="7043825" y="11627025"/>
             <a:ext cx="13861200" cy="600"/>
           </a:xfrm>
@@ -9065,14 +9349,14 @@
             <a:avLst/>
           </a:prstGeom>
           <a:noFill/>
-          <a:ln cap="flat" cmpd="sng" w="38100">
+          <a:ln w="38100" cap="flat" cmpd="sng">
             <a:solidFill>
               <a:srgbClr val="000000"/>
             </a:solidFill>
             <a:prstDash val="solid"/>
             <a:round/>
-            <a:headEnd len="med" w="med" type="none"/>
-            <a:tailEnd len="med" w="med" type="none"/>
+            <a:headEnd type="none" w="med" len="med"/>
+            <a:tailEnd type="none" w="med" len="med"/>
           </a:ln>
         </p:spPr>
       </p:cxnSp>
@@ -9091,14 +9375,14 @@
             <a:avLst/>
           </a:prstGeom>
           <a:noFill/>
-          <a:ln cap="flat" cmpd="sng" w="38100">
+          <a:ln w="38100" cap="flat" cmpd="sng">
             <a:solidFill>
               <a:srgbClr val="000000"/>
             </a:solidFill>
             <a:prstDash val="solid"/>
             <a:round/>
-            <a:headEnd len="med" w="med" type="none"/>
-            <a:tailEnd len="med" w="med" type="none"/>
+            <a:headEnd type="none" w="med" len="med"/>
+            <a:tailEnd type="none" w="med" len="med"/>
           </a:ln>
         </p:spPr>
       </p:cxnSp>
@@ -9109,7 +9393,7 @@
           <p:nvPr/>
         </p:nvCxnSpPr>
         <p:spPr>
-          <a:xfrm flipH="1" rot="10800000">
+          <a:xfrm rot="10800000" flipH="1">
             <a:off x="7096925" y="9259125"/>
             <a:ext cx="6900" cy="2350800"/>
           </a:xfrm>
@@ -9117,14 +9401,14 @@
             <a:avLst/>
           </a:prstGeom>
           <a:noFill/>
-          <a:ln cap="flat" cmpd="sng" w="38100">
+          <a:ln w="38100" cap="flat" cmpd="sng">
             <a:solidFill>
               <a:srgbClr val="000000"/>
             </a:solidFill>
             <a:prstDash val="solid"/>
             <a:round/>
-            <a:headEnd len="med" w="med" type="none"/>
-            <a:tailEnd len="med" w="med" type="triangle"/>
+            <a:headEnd type="none" w="med" len="med"/>
+            <a:tailEnd type="triangle" w="med" len="med"/>
           </a:ln>
         </p:spPr>
       </p:cxnSp>
@@ -9137,11 +9421,11 @@
 </file>
 
 <file path=ppt/slides/slide7.xml><?xml version="1.0" encoding="utf-8"?>
-<p:sld xmlns:a="http://schemas.openxmlformats.org/drawingml/2006/main" xmlns:r="http://schemas.openxmlformats.org/officeDocument/2006/relationships" xmlns:mc="http://schemas.openxmlformats.org/markup-compatibility/2006" xmlns:mv="urn:schemas-microsoft-com:mac:vml" xmlns:p="http://schemas.openxmlformats.org/presentationml/2006/main" xmlns:c="http://schemas.openxmlformats.org/drawingml/2006/chart" xmlns:dgm="http://schemas.openxmlformats.org/drawingml/2006/diagram" xmlns:o="urn:schemas-microsoft-com:office:office" xmlns:v="urn:schemas-microsoft-com:vml" xmlns:pvml="urn:schemas-microsoft-com:office:powerpoint" xmlns:com="http://schemas.openxmlformats.org/drawingml/2006/compatibility" xmlns:p14="http://schemas.microsoft.com/office/powerpoint/2010/main" xmlns:p15="http://schemas.microsoft.com/office/powerpoint/2012/main" xmlns:ahyp="http://schemas.microsoft.com/office/drawing/2018/hyperlinkcolor">
+<p:sld xmlns:a="http://schemas.openxmlformats.org/drawingml/2006/main" xmlns:r="http://schemas.openxmlformats.org/officeDocument/2006/relationships" xmlns:p="http://schemas.openxmlformats.org/presentationml/2006/main">
   <p:cSld>
     <p:spTree>
       <p:nvGrpSpPr>
-        <p:cNvPr id="107" name="Shape 107"/>
+        <p:cNvPr id="1" name="Shape 107"/>
         <p:cNvGrpSpPr/>
         <p:nvPr/>
       </p:nvGrpSpPr>
@@ -9156,7 +9440,9 @@
       <p:sp>
         <p:nvSpPr>
           <p:cNvPr id="108" name="Google Shape;108;p20"/>
-          <p:cNvSpPr txBox="1"/>
+          <p:cNvSpPr txBox="1">
+            <a:spLocks noGrp="1"/>
+          </p:cNvSpPr>
           <p:nvPr>
             <p:ph type="title"/>
           </p:nvPr>
@@ -9171,12 +9457,12 @@
           </a:prstGeom>
         </p:spPr>
         <p:txBody>
-          <a:bodyPr anchorCtr="0" anchor="t" bIns="91425" lIns="91425" spcFirstLastPara="1" rIns="91425" wrap="square" tIns="91425">
+          <a:bodyPr spcFirstLastPara="1" wrap="square" lIns="91425" tIns="91425" rIns="91425" bIns="91425" anchor="t" anchorCtr="0">
             <a:noAutofit/>
           </a:bodyPr>
           <a:lstStyle/>
           <a:p>
-            <a:pPr indent="0" lvl="0" marL="0" rtl="0" algn="l">
+            <a:pPr marL="0" lvl="0" indent="0" algn="l" rtl="0">
               <a:spcBef>
                 <a:spcPts val="0"/>
               </a:spcBef>
@@ -9192,7 +9478,7 @@
             <a:endParaRPr/>
           </a:p>
           <a:p>
-            <a:pPr indent="0" lvl="0" marL="0" rtl="0" algn="l">
+            <a:pPr marL="0" lvl="0" indent="0" algn="l" rtl="0">
               <a:spcBef>
                 <a:spcPts val="0"/>
               </a:spcBef>
@@ -9201,9 +9487,6 @@
               </a:spcAft>
               <a:buNone/>
             </a:pPr>
-            <a:r>
-              <a:t/>
-            </a:r>
             <a:endParaRPr/>
           </a:p>
         </p:txBody>
@@ -9211,9 +9494,11 @@
       <p:sp>
         <p:nvSpPr>
           <p:cNvPr id="109" name="Google Shape;109;p20"/>
-          <p:cNvSpPr txBox="1"/>
+          <p:cNvSpPr txBox="1">
+            <a:spLocks noGrp="1"/>
+          </p:cNvSpPr>
           <p:nvPr>
-            <p:ph idx="2" type="title"/>
+            <p:ph type="title" idx="2"/>
           </p:nvPr>
         </p:nvSpPr>
         <p:spPr>
@@ -9226,12 +9511,12 @@
           </a:prstGeom>
         </p:spPr>
         <p:txBody>
-          <a:bodyPr anchorCtr="0" anchor="t" bIns="91425" lIns="91425" spcFirstLastPara="1" rIns="91425" wrap="square" tIns="91425">
+          <a:bodyPr spcFirstLastPara="1" wrap="square" lIns="91425" tIns="91425" rIns="91425" bIns="91425" anchor="t" anchorCtr="0">
             <a:noAutofit/>
           </a:bodyPr>
           <a:lstStyle/>
           <a:p>
-            <a:pPr indent="0" lvl="0" marL="0" rtl="0" algn="l">
+            <a:pPr marL="0" lvl="0" indent="0" algn="l" rtl="0">
               <a:spcBef>
                 <a:spcPts val="0"/>
               </a:spcBef>
@@ -9240,9 +9525,6 @@
               </a:spcAft>
               <a:buNone/>
             </a:pPr>
-            <a:r>
-              <a:t/>
-            </a:r>
             <a:endParaRPr/>
           </a:p>
         </p:txBody>
@@ -9250,9 +9532,11 @@
       <p:sp>
         <p:nvSpPr>
           <p:cNvPr id="110" name="Google Shape;110;p20"/>
-          <p:cNvSpPr txBox="1"/>
+          <p:cNvSpPr txBox="1">
+            <a:spLocks noGrp="1"/>
+          </p:cNvSpPr>
           <p:nvPr>
-            <p:ph idx="3" type="title"/>
+            <p:ph type="title" idx="3"/>
           </p:nvPr>
         </p:nvSpPr>
         <p:spPr>
@@ -9265,12 +9549,12 @@
           </a:prstGeom>
         </p:spPr>
         <p:txBody>
-          <a:bodyPr anchorCtr="0" anchor="t" bIns="91425" lIns="91425" spcFirstLastPara="1" rIns="91425" wrap="square" tIns="91425">
+          <a:bodyPr spcFirstLastPara="1" wrap="square" lIns="91425" tIns="91425" rIns="91425" bIns="91425" anchor="t" anchorCtr="0">
             <a:noAutofit/>
           </a:bodyPr>
           <a:lstStyle/>
           <a:p>
-            <a:pPr indent="-482600" lvl="0" marL="457200" rtl="0" algn="l">
+            <a:pPr marL="457200" lvl="0" indent="-482600" algn="l" rtl="0">
               <a:lnSpc>
                 <a:spcPct val="150000"/>
               </a:lnSpc>
@@ -9287,7 +9571,7 @@
               <a:buChar char="●"/>
             </a:pPr>
             <a:r>
-              <a:rPr b="1" lang="en-US">
+              <a:rPr lang="en-US" b="1">
                 <a:solidFill>
                   <a:schemeClr val="accent3"/>
                 </a:solidFill>
@@ -9321,7 +9605,7 @@
             </a:endParaRPr>
           </a:p>
           <a:p>
-            <a:pPr indent="-482600" lvl="0" marL="457200" rtl="0" algn="l">
+            <a:pPr marL="457200" lvl="0" indent="-482600" algn="l" rtl="0">
               <a:lnSpc>
                 <a:spcPct val="150000"/>
               </a:lnSpc>
@@ -9338,7 +9622,7 @@
               <a:buChar char="●"/>
             </a:pPr>
             <a:r>
-              <a:rPr b="1" lang="en-US">
+              <a:rPr lang="en-US" b="1">
                 <a:solidFill>
                   <a:schemeClr val="accent3"/>
                 </a:solidFill>
@@ -9372,7 +9656,7 @@
             </a:endParaRPr>
           </a:p>
           <a:p>
-            <a:pPr indent="-482600" lvl="0" marL="457200" rtl="0" algn="l">
+            <a:pPr marL="457200" lvl="0" indent="-482600" algn="l" rtl="0">
               <a:lnSpc>
                 <a:spcPct val="150000"/>
               </a:lnSpc>
@@ -9411,7 +9695,7 @@
             </a:endParaRPr>
           </a:p>
           <a:p>
-            <a:pPr indent="-463550" lvl="1" marL="914400" rtl="0" algn="l">
+            <a:pPr marL="914400" lvl="1" indent="-463550" algn="l" rtl="0">
               <a:lnSpc>
                 <a:spcPct val="150000"/>
               </a:lnSpc>
@@ -9428,7 +9712,7 @@
               <a:buChar char="○"/>
             </a:pPr>
             <a:r>
-              <a:rPr b="1" lang="en-US" sz="3700">
+              <a:rPr lang="en-US" sz="3700" b="1">
                 <a:solidFill>
                   <a:schemeClr val="accent3"/>
                 </a:solidFill>
@@ -9439,7 +9723,7 @@
               </a:rPr>
               <a:t>Underfitting &amp; Overfitting</a:t>
             </a:r>
-            <a:endParaRPr b="1" sz="3700">
+            <a:endParaRPr sz="3700" b="1">
               <a:solidFill>
                 <a:schemeClr val="accent3"/>
               </a:solidFill>
@@ -9450,7 +9734,7 @@
             </a:endParaRPr>
           </a:p>
           <a:p>
-            <a:pPr indent="-463550" lvl="1" marL="914400" rtl="0" algn="l">
+            <a:pPr marL="914400" lvl="1" indent="-463550" algn="l" rtl="0">
               <a:lnSpc>
                 <a:spcPct val="150000"/>
               </a:lnSpc>
@@ -9467,7 +9751,7 @@
               <a:buChar char="○"/>
             </a:pPr>
             <a:r>
-              <a:rPr b="1" lang="en-US" sz="3700">
+              <a:rPr lang="en-US" sz="3700" b="1">
                 <a:solidFill>
                   <a:schemeClr val="accent3"/>
                 </a:solidFill>
@@ -9478,7 +9762,7 @@
               </a:rPr>
               <a:t>Feature Engineering</a:t>
             </a:r>
-            <a:endParaRPr b="1" sz="3700">
+            <a:endParaRPr sz="3700" b="1">
               <a:solidFill>
                 <a:schemeClr val="accent3"/>
               </a:solidFill>
@@ -9489,7 +9773,7 @@
             </a:endParaRPr>
           </a:p>
           <a:p>
-            <a:pPr indent="0" lvl="0" marL="0" rtl="0" algn="l">
+            <a:pPr marL="0" lvl="0" indent="0" algn="l" rtl="0">
               <a:spcBef>
                 <a:spcPts val="1600"/>
               </a:spcBef>
@@ -9498,9 +9782,6 @@
               </a:spcAft>
               <a:buNone/>
             </a:pPr>
-            <a:r>
-              <a:t/>
-            </a:r>
             <a:endParaRPr>
               <a:solidFill>
                 <a:schemeClr val="accent3"/>
@@ -9508,7 +9789,7 @@
             </a:endParaRPr>
           </a:p>
           <a:p>
-            <a:pPr indent="0" lvl="0" marL="0" rtl="0" algn="l">
+            <a:pPr marL="0" lvl="0" indent="0" algn="l" rtl="0">
               <a:spcBef>
                 <a:spcPts val="0"/>
               </a:spcBef>
@@ -9517,9 +9798,6 @@
               </a:spcAft>
               <a:buNone/>
             </a:pPr>
-            <a:r>
-              <a:t/>
-            </a:r>
             <a:endParaRPr>
               <a:solidFill>
                 <a:schemeClr val="accent3"/>
@@ -9537,7 +9815,288 @@
 </file>
 
 <file path=ppt/theme/theme1.xml><?xml version="1.0" encoding="utf-8"?>
-<a:theme xmlns:a="http://schemas.openxmlformats.org/drawingml/2006/main" xmlns:r="http://schemas.openxmlformats.org/officeDocument/2006/relationships">
+<a:theme xmlns:a="http://schemas.openxmlformats.org/drawingml/2006/main" name="DSC Master">
+  <a:themeElements>
+    <a:clrScheme name="Default">
+      <a:dk1>
+        <a:srgbClr val="000000"/>
+      </a:dk1>
+      <a:lt1>
+        <a:srgbClr val="FFFFFF"/>
+      </a:lt1>
+      <a:dk2>
+        <a:srgbClr val="A7A7A7"/>
+      </a:dk2>
+      <a:lt2>
+        <a:srgbClr val="535353"/>
+      </a:lt2>
+      <a:accent1>
+        <a:srgbClr val="4285F4"/>
+      </a:accent1>
+      <a:accent2>
+        <a:srgbClr val="DB4437"/>
+      </a:accent2>
+      <a:accent3>
+        <a:srgbClr val="3F3F3F"/>
+      </a:accent3>
+      <a:accent4>
+        <a:srgbClr val="254A89"/>
+      </a:accent4>
+      <a:accent5>
+        <a:srgbClr val="7B261F"/>
+      </a:accent5>
+      <a:accent6>
+        <a:srgbClr val="232323"/>
+      </a:accent6>
+      <a:hlink>
+        <a:srgbClr val="0000FF"/>
+      </a:hlink>
+      <a:folHlink>
+        <a:srgbClr val="FF00FF"/>
+      </a:folHlink>
+    </a:clrScheme>
+    <a:fontScheme name="Office">
+      <a:majorFont>
+        <a:latin typeface="Arial"/>
+        <a:ea typeface=""/>
+        <a:cs typeface=""/>
+        <a:font script="Jpan" typeface="ＭＳ Ｐゴシック"/>
+        <a:font script="Hang" typeface="맑은 고딕"/>
+        <a:font script="Hans" typeface="宋体"/>
+        <a:font script="Hant" typeface="新細明體"/>
+        <a:font script="Arab" typeface="Times New Roman"/>
+        <a:font script="Hebr" typeface="Times New Roman"/>
+        <a:font script="Thai" typeface="Angsana New"/>
+        <a:font script="Ethi" typeface="Nyala"/>
+        <a:font script="Beng" typeface="Vrinda"/>
+        <a:font script="Gujr" typeface="Shruti"/>
+        <a:font script="Khmr" typeface="MoolBoran"/>
+        <a:font script="Knda" typeface="Tunga"/>
+        <a:font script="Guru" typeface="Raavi"/>
+        <a:font script="Cans" typeface="Euphemia"/>
+        <a:font script="Cher" typeface="Plantagenet Cherokee"/>
+        <a:font script="Yiii" typeface="Microsoft Yi Baiti"/>
+        <a:font script="Tibt" typeface="Microsoft Himalaya"/>
+        <a:font script="Thaa" typeface="MV Boli"/>
+        <a:font script="Deva" typeface="Mangal"/>
+        <a:font script="Telu" typeface="Gautami"/>
+        <a:font script="Taml" typeface="Latha"/>
+        <a:font script="Syrc" typeface="Estrangelo Edessa"/>
+        <a:font script="Orya" typeface="Kalinga"/>
+        <a:font script="Mlym" typeface="Kartika"/>
+        <a:font script="Laoo" typeface="DokChampa"/>
+        <a:font script="Sinh" typeface="Iskoola Pota"/>
+        <a:font script="Mong" typeface="Mongolian Baiti"/>
+        <a:font script="Viet" typeface="Times New Roman"/>
+        <a:font script="Uigh" typeface="Microsoft Uighur"/>
+        <a:font script="Geor" typeface="Sylfaen"/>
+      </a:majorFont>
+      <a:minorFont>
+        <a:latin typeface="Arial"/>
+        <a:ea typeface=""/>
+        <a:cs typeface=""/>
+        <a:font script="Jpan" typeface="ＭＳ Ｐゴシック"/>
+        <a:font script="Hang" typeface="맑은 고딕"/>
+        <a:font script="Hans" typeface="宋体"/>
+        <a:font script="Hant" typeface="新細明體"/>
+        <a:font script="Arab" typeface="Arial"/>
+        <a:font script="Hebr" typeface="Arial"/>
+        <a:font script="Thai" typeface="Cordia New"/>
+        <a:font script="Ethi" typeface="Nyala"/>
+        <a:font script="Beng" typeface="Vrinda"/>
+        <a:font script="Gujr" typeface="Shruti"/>
+        <a:font script="Khmr" typeface="DaunPenh"/>
+        <a:font script="Knda" typeface="Tunga"/>
+        <a:font script="Guru" typeface="Raavi"/>
+        <a:font script="Cans" typeface="Euphemia"/>
+        <a:font script="Cher" typeface="Plantagenet Cherokee"/>
+        <a:font script="Yiii" typeface="Microsoft Yi Baiti"/>
+        <a:font script="Tibt" typeface="Microsoft Himalaya"/>
+        <a:font script="Thaa" typeface="MV Boli"/>
+        <a:font script="Deva" typeface="Mangal"/>
+        <a:font script="Telu" typeface="Gautami"/>
+        <a:font script="Taml" typeface="Latha"/>
+        <a:font script="Syrc" typeface="Estrangelo Edessa"/>
+        <a:font script="Orya" typeface="Kalinga"/>
+        <a:font script="Mlym" typeface="Kartika"/>
+        <a:font script="Laoo" typeface="DokChampa"/>
+        <a:font script="Sinh" typeface="Iskoola Pota"/>
+        <a:font script="Mong" typeface="Mongolian Baiti"/>
+        <a:font script="Viet" typeface="Arial"/>
+        <a:font script="Uigh" typeface="Microsoft Uighur"/>
+        <a:font script="Geor" typeface="Sylfaen"/>
+      </a:minorFont>
+    </a:fontScheme>
+    <a:fmtScheme name="Office">
+      <a:fillStyleLst>
+        <a:solidFill>
+          <a:schemeClr val="phClr"/>
+        </a:solidFill>
+        <a:gradFill rotWithShape="1">
+          <a:gsLst>
+            <a:gs pos="0">
+              <a:schemeClr val="phClr">
+                <a:tint val="50000"/>
+                <a:satMod val="300000"/>
+              </a:schemeClr>
+            </a:gs>
+            <a:gs pos="35000">
+              <a:schemeClr val="phClr">
+                <a:tint val="37000"/>
+                <a:satMod val="300000"/>
+              </a:schemeClr>
+            </a:gs>
+            <a:gs pos="100000">
+              <a:schemeClr val="phClr">
+                <a:tint val="15000"/>
+                <a:satMod val="350000"/>
+              </a:schemeClr>
+            </a:gs>
+          </a:gsLst>
+          <a:lin ang="16200000" scaled="1"/>
+        </a:gradFill>
+        <a:gradFill rotWithShape="1">
+          <a:gsLst>
+            <a:gs pos="0">
+              <a:schemeClr val="phClr">
+                <a:tint val="100000"/>
+                <a:shade val="100000"/>
+                <a:satMod val="130000"/>
+              </a:schemeClr>
+            </a:gs>
+            <a:gs pos="100000">
+              <a:schemeClr val="phClr">
+                <a:tint val="50000"/>
+                <a:shade val="100000"/>
+                <a:satMod val="350000"/>
+              </a:schemeClr>
+            </a:gs>
+          </a:gsLst>
+          <a:lin ang="16200000" scaled="0"/>
+        </a:gradFill>
+      </a:fillStyleLst>
+      <a:lnStyleLst>
+        <a:ln w="9525" cap="flat" cmpd="sng" algn="ctr">
+          <a:solidFill>
+            <a:schemeClr val="phClr">
+              <a:shade val="95000"/>
+              <a:satMod val="105000"/>
+            </a:schemeClr>
+          </a:solidFill>
+          <a:prstDash val="solid"/>
+        </a:ln>
+        <a:ln w="25400" cap="flat" cmpd="sng" algn="ctr">
+          <a:solidFill>
+            <a:schemeClr val="phClr"/>
+          </a:solidFill>
+          <a:prstDash val="solid"/>
+        </a:ln>
+        <a:ln w="38100" cap="flat" cmpd="sng" algn="ctr">
+          <a:solidFill>
+            <a:schemeClr val="phClr"/>
+          </a:solidFill>
+          <a:prstDash val="solid"/>
+        </a:ln>
+      </a:lnStyleLst>
+      <a:effectStyleLst>
+        <a:effectStyle>
+          <a:effectLst>
+            <a:outerShdw blurRad="40000" dist="20000" dir="5400000" rotWithShape="0">
+              <a:srgbClr val="000000">
+                <a:alpha val="38000"/>
+              </a:srgbClr>
+            </a:outerShdw>
+          </a:effectLst>
+        </a:effectStyle>
+        <a:effectStyle>
+          <a:effectLst>
+            <a:outerShdw blurRad="40000" dist="23000" dir="5400000" rotWithShape="0">
+              <a:srgbClr val="000000">
+                <a:alpha val="35000"/>
+              </a:srgbClr>
+            </a:outerShdw>
+          </a:effectLst>
+        </a:effectStyle>
+        <a:effectStyle>
+          <a:effectLst>
+            <a:outerShdw blurRad="40000" dist="23000" dir="5400000" rotWithShape="0">
+              <a:srgbClr val="000000">
+                <a:alpha val="35000"/>
+              </a:srgbClr>
+            </a:outerShdw>
+          </a:effectLst>
+          <a:scene3d>
+            <a:camera prst="orthographicFront">
+              <a:rot lat="0" lon="0" rev="0"/>
+            </a:camera>
+            <a:lightRig rig="threePt" dir="t">
+              <a:rot lat="0" lon="0" rev="1200000"/>
+            </a:lightRig>
+          </a:scene3d>
+          <a:sp3d>
+            <a:bevelT w="63500" h="25400"/>
+          </a:sp3d>
+        </a:effectStyle>
+      </a:effectStyleLst>
+      <a:bgFillStyleLst>
+        <a:solidFill>
+          <a:schemeClr val="phClr"/>
+        </a:solidFill>
+        <a:gradFill rotWithShape="1">
+          <a:gsLst>
+            <a:gs pos="0">
+              <a:schemeClr val="phClr">
+                <a:tint val="40000"/>
+                <a:satMod val="350000"/>
+              </a:schemeClr>
+            </a:gs>
+            <a:gs pos="40000">
+              <a:schemeClr val="phClr">
+                <a:tint val="45000"/>
+                <a:shade val="99000"/>
+                <a:satMod val="350000"/>
+              </a:schemeClr>
+            </a:gs>
+            <a:gs pos="100000">
+              <a:schemeClr val="phClr">
+                <a:shade val="20000"/>
+                <a:satMod val="255000"/>
+              </a:schemeClr>
+            </a:gs>
+          </a:gsLst>
+          <a:path path="circle">
+            <a:fillToRect l="50000" t="-80000" r="50000" b="180000"/>
+          </a:path>
+        </a:gradFill>
+        <a:gradFill rotWithShape="1">
+          <a:gsLst>
+            <a:gs pos="0">
+              <a:schemeClr val="phClr">
+                <a:tint val="80000"/>
+                <a:satMod val="300000"/>
+              </a:schemeClr>
+            </a:gs>
+            <a:gs pos="100000">
+              <a:schemeClr val="phClr">
+                <a:shade val="30000"/>
+                <a:satMod val="200000"/>
+              </a:schemeClr>
+            </a:gs>
+          </a:gsLst>
+          <a:path path="circle">
+            <a:fillToRect l="50000" t="50000" r="50000" b="50000"/>
+          </a:path>
+        </a:gradFill>
+      </a:bgFillStyleLst>
+    </a:fmtScheme>
+  </a:themeElements>
+  <a:objectDefaults/>
+  <a:extraClrSchemeLst/>
+</a:theme>
+</file>
+
+<file path=ppt/theme/theme2.xml><?xml version="1.0" encoding="utf-8"?>
+<a:theme xmlns:a="http://schemas.openxmlformats.org/drawingml/2006/main">
   <a:themeElements>
     <a:clrScheme name="Default">
       <a:dk1>
@@ -9812,284 +10371,7 @@
       </a:bgFillStyleLst>
     </a:fmtScheme>
   </a:themeElements>
-</a:theme>
-</file>
-
-<file path=ppt/theme/theme2.xml><?xml version="1.0" encoding="utf-8"?>
-<a:theme xmlns:a="http://schemas.openxmlformats.org/drawingml/2006/main" xmlns:r="http://schemas.openxmlformats.org/officeDocument/2006/relationships" name="DSC Master">
-  <a:themeElements>
-    <a:clrScheme name="Default">
-      <a:dk1>
-        <a:srgbClr val="000000"/>
-      </a:dk1>
-      <a:lt1>
-        <a:srgbClr val="FFFFFF"/>
-      </a:lt1>
-      <a:dk2>
-        <a:srgbClr val="A7A7A7"/>
-      </a:dk2>
-      <a:lt2>
-        <a:srgbClr val="535353"/>
-      </a:lt2>
-      <a:accent1>
-        <a:srgbClr val="4285F4"/>
-      </a:accent1>
-      <a:accent2>
-        <a:srgbClr val="DB4437"/>
-      </a:accent2>
-      <a:accent3>
-        <a:srgbClr val="3F3F3F"/>
-      </a:accent3>
-      <a:accent4>
-        <a:srgbClr val="254A89"/>
-      </a:accent4>
-      <a:accent5>
-        <a:srgbClr val="7B261F"/>
-      </a:accent5>
-      <a:accent6>
-        <a:srgbClr val="232323"/>
-      </a:accent6>
-      <a:hlink>
-        <a:srgbClr val="0000FF"/>
-      </a:hlink>
-      <a:folHlink>
-        <a:srgbClr val="FF00FF"/>
-      </a:folHlink>
-    </a:clrScheme>
-    <a:fontScheme name="Office">
-      <a:majorFont>
-        <a:latin typeface="Arial"/>
-        <a:ea typeface=""/>
-        <a:cs typeface=""/>
-        <a:font script="Jpan" typeface="ＭＳ Ｐゴシック"/>
-        <a:font script="Hang" typeface="맑은 고딕"/>
-        <a:font script="Hans" typeface="宋体"/>
-        <a:font script="Hant" typeface="新細明體"/>
-        <a:font script="Arab" typeface="Times New Roman"/>
-        <a:font script="Hebr" typeface="Times New Roman"/>
-        <a:font script="Thai" typeface="Angsana New"/>
-        <a:font script="Ethi" typeface="Nyala"/>
-        <a:font script="Beng" typeface="Vrinda"/>
-        <a:font script="Gujr" typeface="Shruti"/>
-        <a:font script="Khmr" typeface="MoolBoran"/>
-        <a:font script="Knda" typeface="Tunga"/>
-        <a:font script="Guru" typeface="Raavi"/>
-        <a:font script="Cans" typeface="Euphemia"/>
-        <a:font script="Cher" typeface="Plantagenet Cherokee"/>
-        <a:font script="Yiii" typeface="Microsoft Yi Baiti"/>
-        <a:font script="Tibt" typeface="Microsoft Himalaya"/>
-        <a:font script="Thaa" typeface="MV Boli"/>
-        <a:font script="Deva" typeface="Mangal"/>
-        <a:font script="Telu" typeface="Gautami"/>
-        <a:font script="Taml" typeface="Latha"/>
-        <a:font script="Syrc" typeface="Estrangelo Edessa"/>
-        <a:font script="Orya" typeface="Kalinga"/>
-        <a:font script="Mlym" typeface="Kartika"/>
-        <a:font script="Laoo" typeface="DokChampa"/>
-        <a:font script="Sinh" typeface="Iskoola Pota"/>
-        <a:font script="Mong" typeface="Mongolian Baiti"/>
-        <a:font script="Viet" typeface="Times New Roman"/>
-        <a:font script="Uigh" typeface="Microsoft Uighur"/>
-        <a:font script="Geor" typeface="Sylfaen"/>
-      </a:majorFont>
-      <a:minorFont>
-        <a:latin typeface="Arial"/>
-        <a:ea typeface=""/>
-        <a:cs typeface=""/>
-        <a:font script="Jpan" typeface="ＭＳ Ｐゴシック"/>
-        <a:font script="Hang" typeface="맑은 고딕"/>
-        <a:font script="Hans" typeface="宋体"/>
-        <a:font script="Hant" typeface="新細明體"/>
-        <a:font script="Arab" typeface="Arial"/>
-        <a:font script="Hebr" typeface="Arial"/>
-        <a:font script="Thai" typeface="Cordia New"/>
-        <a:font script="Ethi" typeface="Nyala"/>
-        <a:font script="Beng" typeface="Vrinda"/>
-        <a:font script="Gujr" typeface="Shruti"/>
-        <a:font script="Khmr" typeface="DaunPenh"/>
-        <a:font script="Knda" typeface="Tunga"/>
-        <a:font script="Guru" typeface="Raavi"/>
-        <a:font script="Cans" typeface="Euphemia"/>
-        <a:font script="Cher" typeface="Plantagenet Cherokee"/>
-        <a:font script="Yiii" typeface="Microsoft Yi Baiti"/>
-        <a:font script="Tibt" typeface="Microsoft Himalaya"/>
-        <a:font script="Thaa" typeface="MV Boli"/>
-        <a:font script="Deva" typeface="Mangal"/>
-        <a:font script="Telu" typeface="Gautami"/>
-        <a:font script="Taml" typeface="Latha"/>
-        <a:font script="Syrc" typeface="Estrangelo Edessa"/>
-        <a:font script="Orya" typeface="Kalinga"/>
-        <a:font script="Mlym" typeface="Kartika"/>
-        <a:font script="Laoo" typeface="DokChampa"/>
-        <a:font script="Sinh" typeface="Iskoola Pota"/>
-        <a:font script="Mong" typeface="Mongolian Baiti"/>
-        <a:font script="Viet" typeface="Arial"/>
-        <a:font script="Uigh" typeface="Microsoft Uighur"/>
-        <a:font script="Geor" typeface="Sylfaen"/>
-      </a:minorFont>
-    </a:fontScheme>
-    <a:fmtScheme name="Office">
-      <a:fillStyleLst>
-        <a:solidFill>
-          <a:schemeClr val="phClr"/>
-        </a:solidFill>
-        <a:gradFill rotWithShape="1">
-          <a:gsLst>
-            <a:gs pos="0">
-              <a:schemeClr val="phClr">
-                <a:tint val="50000"/>
-                <a:satMod val="300000"/>
-              </a:schemeClr>
-            </a:gs>
-            <a:gs pos="35000">
-              <a:schemeClr val="phClr">
-                <a:tint val="37000"/>
-                <a:satMod val="300000"/>
-              </a:schemeClr>
-            </a:gs>
-            <a:gs pos="100000">
-              <a:schemeClr val="phClr">
-                <a:tint val="15000"/>
-                <a:satMod val="350000"/>
-              </a:schemeClr>
-            </a:gs>
-          </a:gsLst>
-          <a:lin ang="16200000" scaled="1"/>
-        </a:gradFill>
-        <a:gradFill rotWithShape="1">
-          <a:gsLst>
-            <a:gs pos="0">
-              <a:schemeClr val="phClr">
-                <a:tint val="100000"/>
-                <a:shade val="100000"/>
-                <a:satMod val="130000"/>
-              </a:schemeClr>
-            </a:gs>
-            <a:gs pos="100000">
-              <a:schemeClr val="phClr">
-                <a:tint val="50000"/>
-                <a:shade val="100000"/>
-                <a:satMod val="350000"/>
-              </a:schemeClr>
-            </a:gs>
-          </a:gsLst>
-          <a:lin ang="16200000" scaled="0"/>
-        </a:gradFill>
-      </a:fillStyleLst>
-      <a:lnStyleLst>
-        <a:ln w="9525" cap="flat" cmpd="sng" algn="ctr">
-          <a:solidFill>
-            <a:schemeClr val="phClr">
-              <a:shade val="95000"/>
-              <a:satMod val="105000"/>
-            </a:schemeClr>
-          </a:solidFill>
-          <a:prstDash val="solid"/>
-        </a:ln>
-        <a:ln w="25400" cap="flat" cmpd="sng" algn="ctr">
-          <a:solidFill>
-            <a:schemeClr val="phClr"/>
-          </a:solidFill>
-          <a:prstDash val="solid"/>
-        </a:ln>
-        <a:ln w="38100" cap="flat" cmpd="sng" algn="ctr">
-          <a:solidFill>
-            <a:schemeClr val="phClr"/>
-          </a:solidFill>
-          <a:prstDash val="solid"/>
-        </a:ln>
-      </a:lnStyleLst>
-      <a:effectStyleLst>
-        <a:effectStyle>
-          <a:effectLst>
-            <a:outerShdw blurRad="40000" dist="20000" dir="5400000" rotWithShape="0">
-              <a:srgbClr val="000000">
-                <a:alpha val="38000"/>
-              </a:srgbClr>
-            </a:outerShdw>
-          </a:effectLst>
-        </a:effectStyle>
-        <a:effectStyle>
-          <a:effectLst>
-            <a:outerShdw blurRad="40000" dist="23000" dir="5400000" rotWithShape="0">
-              <a:srgbClr val="000000">
-                <a:alpha val="35000"/>
-              </a:srgbClr>
-            </a:outerShdw>
-          </a:effectLst>
-        </a:effectStyle>
-        <a:effectStyle>
-          <a:effectLst>
-            <a:outerShdw blurRad="40000" dist="23000" dir="5400000" rotWithShape="0">
-              <a:srgbClr val="000000">
-                <a:alpha val="35000"/>
-              </a:srgbClr>
-            </a:outerShdw>
-          </a:effectLst>
-          <a:scene3d>
-            <a:camera prst="orthographicFront">
-              <a:rot lat="0" lon="0" rev="0"/>
-            </a:camera>
-            <a:lightRig rig="threePt" dir="t">
-              <a:rot lat="0" lon="0" rev="1200000"/>
-            </a:lightRig>
-          </a:scene3d>
-          <a:sp3d>
-            <a:bevelT w="63500" h="25400"/>
-          </a:sp3d>
-        </a:effectStyle>
-      </a:effectStyleLst>
-      <a:bgFillStyleLst>
-        <a:solidFill>
-          <a:schemeClr val="phClr"/>
-        </a:solidFill>
-        <a:gradFill rotWithShape="1">
-          <a:gsLst>
-            <a:gs pos="0">
-              <a:schemeClr val="phClr">
-                <a:tint val="40000"/>
-                <a:satMod val="350000"/>
-              </a:schemeClr>
-            </a:gs>
-            <a:gs pos="40000">
-              <a:schemeClr val="phClr">
-                <a:tint val="45000"/>
-                <a:shade val="99000"/>
-                <a:satMod val="350000"/>
-              </a:schemeClr>
-            </a:gs>
-            <a:gs pos="100000">
-              <a:schemeClr val="phClr">
-                <a:shade val="20000"/>
-                <a:satMod val="255000"/>
-              </a:schemeClr>
-            </a:gs>
-          </a:gsLst>
-          <a:path path="circle">
-            <a:fillToRect l="50000" t="-80000" r="50000" b="180000"/>
-          </a:path>
-        </a:gradFill>
-        <a:gradFill rotWithShape="1">
-          <a:gsLst>
-            <a:gs pos="0">
-              <a:schemeClr val="phClr">
-                <a:tint val="80000"/>
-                <a:satMod val="300000"/>
-              </a:schemeClr>
-            </a:gs>
-            <a:gs pos="100000">
-              <a:schemeClr val="phClr">
-                <a:shade val="30000"/>
-                <a:satMod val="200000"/>
-              </a:schemeClr>
-            </a:gs>
-          </a:gsLst>
-          <a:path path="circle">
-            <a:fillToRect l="50000" t="50000" r="50000" b="50000"/>
-          </a:path>
-        </a:gradFill>
-      </a:bgFillStyleLst>
-    </a:fmtScheme>
-  </a:themeElements>
+  <a:objectDefaults/>
+  <a:extraClrSchemeLst/>
 </a:theme>
 </file>